--- a/PowerPoints/06 - Syntax Analysis.pptx
+++ b/PowerPoints/06 - Syntax Analysis.pptx
@@ -76,7 +76,7 @@
     <p:sldId id="382" r:id="rId64"/>
     <p:sldId id="394" r:id="rId65"/>
     <p:sldId id="395" r:id="rId66"/>
-    <p:sldId id="396" r:id="rId67"/>
+    <p:sldId id="417" r:id="rId67"/>
     <p:sldId id="397" r:id="rId68"/>
     <p:sldId id="328" r:id="rId69"/>
     <p:sldId id="336" r:id="rId70"/>
@@ -28487,7 +28487,7 @@
                 <a:latin typeface="Consolas" pitchFamily="49" charset="0"/>
                 <a:cs typeface="Consolas" pitchFamily="49" charset="0"/>
               </a:rPr>
-              <a:t>);</a:t>
+              <a:t>)</a:t>
             </a:r>
           </a:p>
           <a:p>
@@ -28498,11 +28498,18 @@
               <a:buNone/>
             </a:pPr>
             <a:r>
+              <a:rPr lang="en-US" sz="1750" dirty="0" err="1">
+                <a:latin typeface="Consolas" pitchFamily="49" charset="0"/>
+                <a:cs typeface="Consolas" pitchFamily="49" charset="0"/>
+              </a:rPr>
+              <a:t>val</a:t>
+            </a:r>
+            <a:r>
               <a:rPr lang="en-US" sz="1750" dirty="0">
                 <a:latin typeface="Consolas" pitchFamily="49" charset="0"/>
                 <a:cs typeface="Consolas" pitchFamily="49" charset="0"/>
               </a:rPr>
-              <a:t>Token </a:t>
+              <a:t> </a:t>
             </a:r>
             <a:r>
               <a:rPr lang="en-US" sz="1750" dirty="0" err="1">
@@ -28516,8 +28523,19 @@
                 <a:latin typeface="Consolas" pitchFamily="49" charset="0"/>
                 <a:cs typeface="Consolas" pitchFamily="49" charset="0"/>
               </a:rPr>
-              <a:t> = scanner.getToken();</a:t>
-            </a:r>
+              <a:t> = </a:t>
+            </a:r>
+            <a:r>
+              <a:rPr lang="en-US" sz="1750" dirty="0" err="1">
+                <a:latin typeface="Consolas" pitchFamily="49" charset="0"/>
+                <a:cs typeface="Consolas" pitchFamily="49" charset="0"/>
+              </a:rPr>
+              <a:t>scanner.token</a:t>
+            </a:r>
+            <a:endParaRPr lang="en-US" sz="1750" dirty="0">
+              <a:latin typeface="Consolas" pitchFamily="49" charset="0"/>
+              <a:cs typeface="Consolas" pitchFamily="49" charset="0"/>
+            </a:endParaRPr>
           </a:p>
           <a:p>
             <a:pPr marL="182880" indent="0">
@@ -28531,7 +28549,7 @@
                 <a:latin typeface="Consolas" pitchFamily="49" charset="0"/>
                 <a:cs typeface="Consolas" pitchFamily="49" charset="0"/>
               </a:rPr>
-              <a:t>match(Symbol.identifier);</a:t>
+              <a:t>match(Symbol.identifier)</a:t>
             </a:r>
           </a:p>
           <a:p>
@@ -28560,7 +28578,7 @@
                 <a:latin typeface="Consolas" pitchFamily="49" charset="0"/>
                 <a:cs typeface="Consolas" pitchFamily="49" charset="0"/>
               </a:rPr>
-              <a:t>, IdType.procedureId);</a:t>
+              <a:t>, IdType.procedureId)</a:t>
             </a:r>
           </a:p>
           <a:p>
@@ -28575,7 +28593,7 @@
                 <a:latin typeface="Consolas" pitchFamily="49" charset="0"/>
                 <a:cs typeface="Consolas" pitchFamily="49" charset="0"/>
               </a:rPr>
-              <a:t>match(Symbol.leftParen);</a:t>
+              <a:t>match(Symbol.leftParen)</a:t>
             </a:r>
           </a:p>
           <a:p>
@@ -28673,14 +28691,14 @@
                 <a:latin typeface="Consolas" pitchFamily="49" charset="0"/>
                 <a:cs typeface="Consolas" pitchFamily="49" charset="0"/>
               </a:rPr>
-              <a:t>    if (scanner.getSymbol().</a:t>
+              <a:t>    if (</a:t>
             </a:r>
             <a:r>
               <a:rPr lang="en-US" sz="1750" dirty="0" err="1">
                 <a:latin typeface="Consolas" pitchFamily="49" charset="0"/>
                 <a:cs typeface="Consolas" pitchFamily="49" charset="0"/>
               </a:rPr>
-              <a:t>isParameterDeclStarter</a:t>
+              <a:t>scanner.symbol.isParameterDeclStarter</a:t>
             </a:r>
             <a:r>
               <a:rPr lang="en-US" sz="1750" dirty="0">
@@ -28716,7 +28734,7 @@
                 <a:latin typeface="Consolas" pitchFamily="49" charset="0"/>
                 <a:cs typeface="Consolas" pitchFamily="49" charset="0"/>
               </a:rPr>
-              <a:t>();</a:t>
+              <a:t>()</a:t>
             </a:r>
           </a:p>
           <a:p>
@@ -28757,7 +28775,7 @@
                 <a:latin typeface="Consolas" pitchFamily="49" charset="0"/>
                 <a:cs typeface="Consolas" pitchFamily="49" charset="0"/>
               </a:rPr>
-              <a:t>);</a:t>
+              <a:t>)</a:t>
             </a:r>
           </a:p>
           <a:p>
@@ -28786,7 +28804,7 @@
                 <a:latin typeface="Consolas" pitchFamily="49" charset="0"/>
                 <a:cs typeface="Consolas" pitchFamily="49" charset="0"/>
               </a:rPr>
-              <a:t>);</a:t>
+              <a:t>)</a:t>
             </a:r>
           </a:p>
           <a:p>
@@ -28801,7 +28819,7 @@
                 <a:latin typeface="Consolas" pitchFamily="49" charset="0"/>
                 <a:cs typeface="Consolas" pitchFamily="49" charset="0"/>
               </a:rPr>
-              <a:t>    parseInitialDecls();</a:t>
+              <a:t>    parseInitialDecls()</a:t>
             </a:r>
           </a:p>
           <a:p>
@@ -28816,7 +28834,7 @@
                 <a:latin typeface="Consolas" pitchFamily="49" charset="0"/>
                 <a:cs typeface="Consolas" pitchFamily="49" charset="0"/>
               </a:rPr>
-              <a:t>    parseStatements();</a:t>
+              <a:t>    parseStatements()</a:t>
             </a:r>
           </a:p>
           <a:p>

--- a/PowerPoints/06 - Syntax Analysis.pptx
+++ b/PowerPoints/06 - Syntax Analysis.pptx
@@ -32727,7 +32727,7 @@
               <a:rPr lang="es-ES" sz="1800" dirty="0" err="1">
                 <a:latin typeface="Consolas" panose="020B0609020204030204" pitchFamily="49" charset="0"/>
               </a:rPr>
-              <a:t>ErrorHandler.reportError</a:t>
+              <a:t>errorHandler.reportError</a:t>
             </a:r>
             <a:r>
               <a:rPr lang="es-ES" sz="1800" dirty="0">

--- a/PowerPoints/06 - Syntax Analysis.pptx
+++ b/PowerPoints/06 - Syntax Analysis.pptx
@@ -14296,7 +14296,9 @@
               <a:t> also includes </a:t>
             </a:r>
             <a:r>
-              <a:rPr lang="en-US" u="sng" dirty="0"/>
+              <a:rPr lang="en-US" dirty="0">
+                <a:latin typeface="Consolas" panose="020B0609020204030204" pitchFamily="49" charset="0"/>
+              </a:rPr>
               <a:t>Follow(N)</a:t>
             </a:r>
             <a:r>

--- a/PowerPoints/06 - Syntax Analysis.pptx
+++ b/PowerPoints/06 - Syntax Analysis.pptx
@@ -34,8 +34,8 @@
     <p:sldId id="413" r:id="rId22"/>
     <p:sldId id="345" r:id="rId23"/>
     <p:sldId id="414" r:id="rId24"/>
-    <p:sldId id="341" r:id="rId25"/>
-    <p:sldId id="342" r:id="rId26"/>
+    <p:sldId id="417" r:id="rId25"/>
+    <p:sldId id="418" r:id="rId26"/>
     <p:sldId id="374" r:id="rId27"/>
     <p:sldId id="347" r:id="rId28"/>
     <p:sldId id="385" r:id="rId29"/>
@@ -76,7 +76,7 @@
     <p:sldId id="382" r:id="rId64"/>
     <p:sldId id="394" r:id="rId65"/>
     <p:sldId id="395" r:id="rId66"/>
-    <p:sldId id="417" r:id="rId67"/>
+    <p:sldId id="396" r:id="rId67"/>
     <p:sldId id="397" r:id="rId68"/>
     <p:sldId id="328" r:id="rId69"/>
     <p:sldId id="336" r:id="rId70"/>
@@ -9760,98 +9760,98 @@
               <a:buNone/>
             </a:pPr>
             <a:r>
-              <a:rPr lang="en-US" sz="2350" dirty="0"/>
+              <a:rPr lang="en-US" dirty="0"/>
               <a:t>The </a:t>
             </a:r>
             <a:r>
-              <a:rPr lang="en-US" sz="2350" dirty="0">
+              <a:rPr lang="en-US" dirty="0">
                 <a:latin typeface="Consolas" pitchFamily="49" charset="0"/>
                 <a:cs typeface="Consolas" pitchFamily="49" charset="0"/>
               </a:rPr>
               <a:t>parseN()</a:t>
             </a:r>
             <a:r>
-              <a:rPr lang="en-US" sz="2350" dirty="0"/>
+              <a:rPr lang="en-US" dirty="0"/>
               <a:t> methods of the parser function as follows.</a:t>
             </a:r>
           </a:p>
           <a:p>
             <a:r>
-              <a:rPr lang="en-US" sz="2350" dirty="0"/>
+              <a:rPr lang="en-US" dirty="0"/>
               <a:t>Scanner property </a:t>
             </a:r>
             <a:r>
-              <a:rPr lang="en-US" sz="2350" dirty="0">
+              <a:rPr lang="en-US" dirty="0">
                 <a:latin typeface="Consolas" panose="020B0609020204030204" pitchFamily="49" charset="0"/>
               </a:rPr>
               <a:t>s</a:t>
             </a:r>
             <a:r>
-              <a:rPr lang="en-US" sz="2350" dirty="0">
+              <a:rPr lang="en-US" dirty="0">
                 <a:latin typeface="Consolas" panose="020B0609020204030204" pitchFamily="49" charset="0"/>
                 <a:cs typeface="Consolas" pitchFamily="49" charset="0"/>
               </a:rPr>
               <a:t>ymbol</a:t>
             </a:r>
             <a:r>
-              <a:rPr lang="en-US" sz="2350" dirty="0"/>
+              <a:rPr lang="en-US" dirty="0"/>
               <a:t> provides one “lookahead” symbol for the parsing methods.</a:t>
             </a:r>
           </a:p>
           <a:p>
             <a:r>
-              <a:rPr lang="en-US" sz="2350" dirty="0"/>
+              <a:rPr lang="en-US" dirty="0"/>
               <a:t>Additional lookahead symbols can be examined by using the </a:t>
             </a:r>
             <a:r>
-              <a:rPr lang="en-US" sz="2350" dirty="0">
+              <a:rPr lang="en-US" dirty="0">
                 <a:latin typeface="Consolas" panose="020B0609020204030204" pitchFamily="49" charset="0"/>
               </a:rPr>
               <a:t>symbol</a:t>
             </a:r>
             <a:r>
-              <a:rPr lang="en-US" sz="2350" dirty="0"/>
+              <a:rPr lang="en-US" dirty="0"/>
               <a:t> property of tokens obtained from scanner method </a:t>
             </a:r>
             <a:r>
-              <a:rPr lang="en-US" sz="2350" dirty="0">
+              <a:rPr lang="en-US" dirty="0">
                 <a:latin typeface="Consolas" panose="020B0609020204030204" pitchFamily="49" charset="0"/>
               </a:rPr>
               <a:t>lookahead()</a:t>
             </a:r>
             <a:r>
-              <a:rPr lang="en-US" sz="2350" dirty="0"/>
+              <a:rPr lang="en-US" dirty="0"/>
               <a:t>; e.g., </a:t>
             </a:r>
             <a:r>
-              <a:rPr lang="en-US" sz="2350" dirty="0">
+              <a:rPr lang="en-US" dirty="0">
                 <a:latin typeface="Consolas" panose="020B0609020204030204" pitchFamily="49" charset="0"/>
               </a:rPr>
               <a:t>lookahead(2).symbol</a:t>
             </a:r>
             <a:r>
-              <a:rPr lang="en-US" sz="2350" dirty="0"/>
+              <a:rPr lang="en-US" dirty="0"/>
               <a:t>.</a:t>
             </a:r>
           </a:p>
           <a:p>
             <a:r>
-              <a:rPr lang="en-US" sz="2350" dirty="0"/>
+              <a:rPr lang="en-US" dirty="0"/>
               <a:t>On entry into the method </a:t>
             </a:r>
             <a:r>
-              <a:rPr lang="en-US" sz="2350" dirty="0">
+              <a:rPr lang="en-US" dirty="0">
                 <a:latin typeface="Consolas" pitchFamily="49" charset="0"/>
                 <a:cs typeface="Consolas" pitchFamily="49" charset="0"/>
               </a:rPr>
               <a:t>parseN()</a:t>
             </a:r>
             <a:r>
-              <a:rPr lang="en-US" sz="2350" dirty="0"/>
+              <a:rPr lang="en-US" dirty="0"/>
               <a:t>, the symbol returned from the scanner should be a symbol that could start on the right side of the rule </a:t>
             </a:r>
             <a:r>
-              <a:rPr lang="en-US" sz="2350" dirty="0">
+              <a:rPr lang="en-US" dirty="0">
                 <a:latin typeface="Consolas" pitchFamily="49" charset="0"/>
                 <a:cs typeface="Consolas" pitchFamily="49" charset="0"/>
               </a:rPr>
@@ -13514,9 +13514,10 @@
           <a:lstStyle/>
           <a:p>
             <a:r>
-              <a:rPr lang="en-US" dirty="0"/>
+              <a:rPr lang="en-US"/>
               <a:t>Follow Sets from CPRL: Example 1</a:t>
             </a:r>
+            <a:endParaRPr lang="en-US" dirty="0"/>
           </a:p>
         </p:txBody>
       </p:sp>
@@ -13535,205 +13536,207 @@
           <a:bodyPr/>
           <a:lstStyle/>
           <a:p>
-            <a:r>
-              <a:rPr lang="en-US" dirty="0"/>
+            <a:pPr marL="0" indent="0">
+              <a:buNone/>
+            </a:pPr>
+            <a:r>
+              <a:rPr lang="en-US" sz="2200" dirty="0"/>
               <a:t>What can follow </a:t>
             </a:r>
             <a:r>
-              <a:rPr lang="en-US" dirty="0">
+              <a:rPr lang="en-US" sz="2200" dirty="0">
                 <a:latin typeface="Consolas" panose="020B0609020204030204" pitchFamily="49" charset="0"/>
               </a:rPr>
               <a:t>subprogramDecl</a:t>
             </a:r>
             <a:r>
-              <a:rPr lang="en-US" dirty="0"/>
+              <a:rPr lang="en-US" sz="2200" dirty="0"/>
               <a:t>?</a:t>
             </a:r>
           </a:p>
           <a:p>
-            <a:pPr lvl="1"/>
-            <a:r>
-              <a:rPr lang="en-US" dirty="0"/>
+            <a:r>
+              <a:rPr lang="en-US" sz="2100" dirty="0"/>
               <a:t>From the rule</a:t>
             </a:r>
           </a:p>
           <a:p>
-            <a:pPr marL="914400" lvl="2" indent="0">
-              <a:buNone/>
-            </a:pPr>
-            <a:r>
-              <a:rPr lang="en-US" dirty="0" err="1"/>
-              <a:t>subprogramDecls</a:t>
-            </a:r>
-            <a:r>
-              <a:rPr lang="en-US" dirty="0"/>
-              <a:t> = subprogramDecl { subprogramDecl } .</a:t>
-            </a:r>
-          </a:p>
-          <a:p>
-            <a:pPr marL="740664" lvl="1" indent="0">
-              <a:buNone/>
-            </a:pPr>
-            <a:r>
-              <a:rPr lang="en-US" dirty="0"/>
+            <a:pPr marL="514350" lvl="1" indent="0">
+              <a:buNone/>
+            </a:pPr>
+            <a:r>
+              <a:rPr lang="en-US" sz="1800" dirty="0"/>
+              <a:t>subprogramDecls = subprogramDecl { subprogramDecl } .</a:t>
+            </a:r>
+          </a:p>
+          <a:p>
+            <a:pPr marL="340614" indent="0">
+              <a:spcBef>
+                <a:spcPts val="500"/>
+              </a:spcBef>
+              <a:buNone/>
+            </a:pPr>
+            <a:r>
+              <a:rPr lang="en-US" sz="2100" dirty="0"/>
               <a:t>we know that </a:t>
             </a:r>
             <a:r>
-              <a:rPr lang="en-US" dirty="0">
+              <a:rPr lang="en-US" sz="2100" dirty="0">
                 <a:latin typeface="Consolas" panose="020B0609020204030204" pitchFamily="49" charset="0"/>
               </a:rPr>
               <a:t>subprogramDecl</a:t>
             </a:r>
             <a:r>
-              <a:rPr lang="en-US" dirty="0"/>
-              <a:t> can follow another   </a:t>
-            </a:r>
-            <a:r>
-              <a:rPr lang="en-US" dirty="0">
+              <a:rPr lang="en-US" sz="2100" dirty="0"/>
+              <a:t> can follow another </a:t>
+            </a:r>
+            <a:r>
+              <a:rPr lang="en-US" sz="2100" dirty="0">
                 <a:latin typeface="Consolas" panose="020B0609020204030204" pitchFamily="49" charset="0"/>
               </a:rPr>
               <a:t>subprogramDecl</a:t>
             </a:r>
             <a:r>
-              <a:rPr lang="en-US" dirty="0"/>
+              <a:rPr lang="en-US" sz="2100" dirty="0"/>
               <a:t>, so the follow set for </a:t>
             </a:r>
             <a:r>
-              <a:rPr lang="en-US" dirty="0">
+              <a:rPr lang="en-US" sz="2100" dirty="0">
                 <a:latin typeface="Consolas" panose="020B0609020204030204" pitchFamily="49" charset="0"/>
               </a:rPr>
               <a:t>subprogramDecl</a:t>
             </a:r>
             <a:r>
-              <a:rPr lang="en-US" dirty="0"/>
+              <a:rPr lang="en-US" sz="2100" dirty="0"/>
               <a:t> includes the first set of </a:t>
             </a:r>
             <a:r>
-              <a:rPr lang="en-US" dirty="0">
+              <a:rPr lang="en-US" sz="2100" dirty="0">
                 <a:latin typeface="Consolas" panose="020B0609020204030204" pitchFamily="49" charset="0"/>
               </a:rPr>
               <a:t>subprogramDecl</a:t>
             </a:r>
             <a:r>
-              <a:rPr lang="en-US" dirty="0"/>
+              <a:rPr lang="en-US" sz="2100" dirty="0"/>
               <a:t>; i.e., “</a:t>
             </a:r>
             <a:r>
-              <a:rPr lang="en-US" dirty="0">
+              <a:rPr lang="en-US" sz="2100" dirty="0">
                 <a:latin typeface="Consolas" panose="020B0609020204030204" pitchFamily="49" charset="0"/>
               </a:rPr>
               <a:t>proc</a:t>
             </a:r>
             <a:r>
-              <a:rPr lang="en-US" dirty="0"/>
+              <a:rPr lang="en-US" sz="2100" dirty="0"/>
               <a:t>” and “</a:t>
             </a:r>
             <a:r>
-              <a:rPr lang="en-US" dirty="0">
+              <a:rPr lang="en-US" sz="2100" dirty="0">
                 <a:latin typeface="Consolas" panose="020B0609020204030204" pitchFamily="49" charset="0"/>
               </a:rPr>
               <a:t>fun</a:t>
             </a:r>
             <a:r>
-              <a:rPr lang="en-US" dirty="0"/>
+              <a:rPr lang="en-US" sz="2100" dirty="0"/>
               <a:t>”.</a:t>
             </a:r>
           </a:p>
           <a:p>
-            <a:pPr lvl="1"/>
-            <a:r>
-              <a:rPr lang="en-US" dirty="0"/>
+            <a:r>
+              <a:rPr lang="en-US" sz="2100" dirty="0"/>
               <a:t>From the rule</a:t>
             </a:r>
           </a:p>
           <a:p>
-            <a:pPr marL="914400" lvl="2" indent="0">
-              <a:buNone/>
-            </a:pPr>
-            <a:r>
-              <a:rPr lang="en-US" dirty="0">
-                <a:latin typeface="Consolas" panose="020B0609020204030204" pitchFamily="49" charset="0"/>
-              </a:rPr>
-              <a:t>program = initialDecls </a:t>
-            </a:r>
-            <a:r>
-              <a:rPr lang="en-US" dirty="0" err="1">
-                <a:latin typeface="Consolas" panose="020B0609020204030204" pitchFamily="49" charset="0"/>
-              </a:rPr>
-              <a:t>subprogramDecls</a:t>
-            </a:r>
-            <a:r>
-              <a:rPr lang="en-US" dirty="0">
-                <a:latin typeface="Consolas" panose="020B0609020204030204" pitchFamily="49" charset="0"/>
-              </a:rPr>
-              <a:t> .</a:t>
-            </a:r>
-          </a:p>
-          <a:p>
-            <a:pPr marL="740664" lvl="2" indent="0">
-              <a:buNone/>
-            </a:pPr>
-            <a:r>
-              <a:rPr lang="en-US" sz="2000" dirty="0"/>
+            <a:pPr marL="514350" lvl="1" indent="0">
+              <a:buNone/>
+            </a:pPr>
+            <a:r>
+              <a:rPr lang="en-US" sz="1800" dirty="0">
+                <a:latin typeface="Consolas" panose="020B0609020204030204" pitchFamily="49" charset="0"/>
+              </a:rPr>
+              <a:t>program = </a:t>
+            </a:r>
+            <a:r>
+              <a:rPr lang="en-US" sz="1800" dirty="0" err="1">
+                <a:latin typeface="Consolas" panose="020B0609020204030204" pitchFamily="49" charset="0"/>
+              </a:rPr>
+              <a:t>initialDecls</a:t>
+            </a:r>
+            <a:r>
+              <a:rPr lang="en-US" sz="1800" dirty="0">
+                <a:latin typeface="Consolas" panose="020B0609020204030204" pitchFamily="49" charset="0"/>
+              </a:rPr>
+              <a:t> subprogramDecls .</a:t>
+            </a:r>
+          </a:p>
+          <a:p>
+            <a:pPr marL="340614" lvl="1" indent="0">
+              <a:spcBef>
+                <a:spcPts val="500"/>
+              </a:spcBef>
+              <a:buNone/>
+            </a:pPr>
+            <a:r>
+              <a:rPr lang="en-US" sz="2100" dirty="0"/>
               <a:t>we know that anything that can follow </a:t>
             </a:r>
             <a:r>
-              <a:rPr lang="en-US" sz="2000" dirty="0">
+              <a:rPr lang="en-US" sz="2100" dirty="0">
                 <a:latin typeface="Consolas" panose="020B0609020204030204" pitchFamily="49" charset="0"/>
               </a:rPr>
               <a:t>program</a:t>
             </a:r>
             <a:r>
-              <a:rPr lang="en-US" sz="2000" dirty="0"/>
+              <a:rPr lang="en-US" sz="2100" dirty="0"/>
               <a:t> can also follow</a:t>
             </a:r>
             <a:br>
-              <a:rPr lang="en-US" sz="2000" dirty="0"/>
+              <a:rPr lang="en-US" sz="2100" dirty="0"/>
             </a:br>
             <a:r>
-              <a:rPr lang="en-US" sz="2000" dirty="0">
+              <a:rPr lang="en-US" sz="2100" dirty="0">
                 <a:latin typeface="Consolas" panose="020B0609020204030204" pitchFamily="49" charset="0"/>
               </a:rPr>
               <a:t>subprogramDecl</a:t>
             </a:r>
             <a:r>
-              <a:rPr lang="en-US" sz="2000" dirty="0"/>
+              <a:rPr lang="en-US" sz="2100" dirty="0"/>
               <a:t>, so the follow set for </a:t>
             </a:r>
             <a:r>
-              <a:rPr lang="en-US" sz="2000" dirty="0">
+              <a:rPr lang="en-US" sz="2100" dirty="0">
                 <a:latin typeface="Consolas" panose="020B0609020204030204" pitchFamily="49" charset="0"/>
               </a:rPr>
               <a:t>subprogramDecl</a:t>
             </a:r>
             <a:r>
-              <a:rPr lang="en-US" sz="2000" dirty="0"/>
+              <a:rPr lang="en-US" sz="2100" dirty="0"/>
               <a:t> includes </a:t>
             </a:r>
             <a:r>
-              <a:rPr lang="en-US" sz="2000" dirty="0">
+              <a:rPr lang="en-US" sz="2100" dirty="0">
                 <a:latin typeface="Consolas" panose="020B0609020204030204" pitchFamily="49" charset="0"/>
               </a:rPr>
               <a:t>EOF</a:t>
             </a:r>
             <a:r>
-              <a:rPr lang="en-US" sz="2000" dirty="0"/>
+              <a:rPr lang="en-US" sz="2100" dirty="0"/>
               <a:t>.  (remember augmenting rule)</a:t>
             </a:r>
           </a:p>
           <a:p>
-            <a:pPr lvl="1"/>
-            <a:r>
-              <a:rPr lang="en-US" dirty="0"/>
+            <a:r>
+              <a:rPr lang="en-US" sz="2100" dirty="0"/>
               <a:t>Conclusion:</a:t>
             </a:r>
           </a:p>
           <a:p>
-            <a:pPr marL="914400" lvl="2" indent="0">
-              <a:buNone/>
-            </a:pPr>
-            <a:r>
-              <a:rPr lang="en-US" dirty="0">
+            <a:pPr marL="514350" lvl="1" indent="0">
+              <a:buNone/>
+            </a:pPr>
+            <a:r>
+              <a:rPr lang="en-US" sz="1800" dirty="0">
                 <a:latin typeface="Consolas" panose="020B0609020204030204" pitchFamily="49" charset="0"/>
               </a:rPr>
               <a:t>Follow(subprogramDecl) = { "proc", "fun", EOF }</a:t>
@@ -13760,6 +13763,7 @@
               <a:rPr lang="en-US"/>
               <a:t>©SoftMoore Consulting</a:t>
             </a:r>
+            <a:endParaRPr lang="en-US" dirty="0"/>
           </a:p>
         </p:txBody>
       </p:sp>
@@ -13783,7 +13787,7 @@
               <a:t>Slide </a:t>
             </a:r>
             <a:fld id="{2EF38682-C549-4590-B6B3-FA0D681E0236}" type="slidenum">
-              <a:rPr lang="en-US"/>
+              <a:rPr lang="en-US" smtClean="0"/>
               <a:pPr/>
               <a:t>24</a:t>
             </a:fld>
@@ -13794,7 +13798,7 @@
     </p:spTree>
     <p:extLst>
       <p:ext uri="{BB962C8B-B14F-4D97-AF65-F5344CB8AC3E}">
-        <p14:creationId xmlns:p14="http://schemas.microsoft.com/office/powerpoint/2010/main" val="3071633791"/>
+        <p14:creationId xmlns:p14="http://schemas.microsoft.com/office/powerpoint/2010/main" val="544870354"/>
       </p:ext>
     </p:extLst>
   </p:cSld>
@@ -13918,6 +13922,9 @@
           <a:bodyPr/>
           <a:lstStyle/>
           <a:p>
+            <a:pPr marL="0" indent="0">
+              <a:buNone/>
+            </a:pPr>
             <a:r>
               <a:rPr lang="en-US" dirty="0"/>
               <a:t>What can follow </a:t>
@@ -13934,49 +13941,59 @@
             </a:r>
           </a:p>
           <a:p>
+            <a:r>
+              <a:rPr lang="en-US" dirty="0"/>
+              <a:t>...   (left as an exercise)</a:t>
+            </a:r>
+            <a:br>
+              <a:rPr lang="en-US" dirty="0"/>
+            </a:br>
+            <a:r>
+              <a:rPr lang="en-US" dirty="0"/>
+              <a:t>Hints:</a:t>
+            </a:r>
+          </a:p>
+          <a:p>
             <a:pPr lvl="1"/>
             <a:r>
               <a:rPr lang="en-US" dirty="0"/>
-              <a:t>...   (left as an exercise)</a:t>
-            </a:r>
-            <a:br>
-              <a:rPr lang="en-US" dirty="0"/>
-            </a:br>
-            <a:r>
-              <a:rPr lang="en-US" dirty="0"/>
-              <a:t>Hints:</a:t>
-            </a:r>
-          </a:p>
-          <a:p>
-            <a:pPr lvl="2"/>
-            <a:r>
-              <a:rPr lang="en-US" dirty="0"/>
               <a:t>Any statement can follow a loop statement.</a:t>
             </a:r>
           </a:p>
           <a:p>
-            <a:pPr lvl="2"/>
+            <a:pPr lvl="1"/>
             <a:r>
               <a:rPr lang="en-US" dirty="0"/>
               <a:t>A loop statement can be the last statement of a procedure.</a:t>
             </a:r>
           </a:p>
           <a:p>
-            <a:pPr lvl="1"/>
             <a:r>
               <a:rPr lang="en-US" dirty="0"/>
               <a:t>Conclusion:</a:t>
             </a:r>
           </a:p>
           <a:p>
-            <a:pPr marL="914400" lvl="2" indent="0">
+            <a:pPr marL="457200" lvl="2" indent="0">
               <a:buNone/>
             </a:pPr>
             <a:r>
               <a:rPr lang="en-US" dirty="0">
                 <a:latin typeface="Consolas" panose="020B0609020204030204" pitchFamily="49" charset="0"/>
               </a:rPr>
-              <a:t>Follow(loopStmt) = { identifier, "if", "else", "while",</a:t>
+              <a:t>Follow(</a:t>
+            </a:r>
+            <a:r>
+              <a:rPr lang="en-US" dirty="0" err="1">
+                <a:latin typeface="Consolas" panose="020B0609020204030204" pitchFamily="49" charset="0"/>
+              </a:rPr>
+              <a:t>loopStmt</a:t>
+            </a:r>
+            <a:r>
+              <a:rPr lang="en-US" dirty="0">
+                <a:latin typeface="Consolas" panose="020B0609020204030204" pitchFamily="49" charset="0"/>
+              </a:rPr>
+              <a:t>) = { identifier, "if", "else", "while",</a:t>
             </a:r>
             <a:br>
               <a:rPr lang="en-US" dirty="0">
@@ -14029,7 +14046,7 @@
         </p:nvSpPr>
         <p:spPr>
           <a:xfrm>
-            <a:off x="741464" y="4876800"/>
+            <a:off x="741464" y="5113347"/>
             <a:ext cx="7661072" cy="754053"/>
           </a:xfrm>
           <a:prstGeom prst="rect">
@@ -14092,7 +14109,7 @@
     </p:spTree>
     <p:extLst>
       <p:ext uri="{BB962C8B-B14F-4D97-AF65-F5344CB8AC3E}">
-        <p14:creationId xmlns:p14="http://schemas.microsoft.com/office/powerpoint/2010/main" val="3530960666"/>
+        <p14:creationId xmlns:p14="http://schemas.microsoft.com/office/powerpoint/2010/main" val="2564913334"/>
       </p:ext>
     </p:extLst>
   </p:cSld>
@@ -14875,13 +14892,6 @@
               <a:buNone/>
             </a:pPr>
             <a:r>
-              <a:rPr lang="en-US" sz="1800" dirty="0">
-                <a:latin typeface="Consolas" pitchFamily="49" charset="0"/>
-                <a:cs typeface="Consolas" pitchFamily="49" charset="0"/>
-              </a:rPr>
-              <a:t>   </a:t>
-            </a:r>
-            <a:r>
               <a:rPr lang="en-US" sz="1800" dirty="0" err="1">
                 <a:latin typeface="Consolas" pitchFamily="49" charset="0"/>
                 <a:cs typeface="Consolas" pitchFamily="49" charset="0"/>
@@ -14936,7 +14946,7 @@
                 <a:latin typeface="Consolas" pitchFamily="49" charset="0"/>
                 <a:cs typeface="Consolas" pitchFamily="49" charset="0"/>
               </a:rPr>
-              <a:t>  private fun parseInitialDecls()</a:t>
+              <a:t>private fun parseInitialDecls()</a:t>
             </a:r>
           </a:p>
           <a:p>
@@ -14951,7 +14961,7 @@
                 <a:latin typeface="Consolas" pitchFamily="49" charset="0"/>
                 <a:cs typeface="Consolas" pitchFamily="49" charset="0"/>
               </a:rPr>
-              <a:t>    {</a:t>
+              <a:t>  {</a:t>
             </a:r>
           </a:p>
           <a:p>
@@ -14966,7 +14976,7 @@
                 <a:latin typeface="Consolas" pitchFamily="49" charset="0"/>
                 <a:cs typeface="Consolas" pitchFamily="49" charset="0"/>
               </a:rPr>
-              <a:t>      while (</a:t>
+              <a:t>    while (</a:t>
             </a:r>
             <a:r>
               <a:rPr lang="en-US" sz="1800" dirty="0" err="1">
@@ -14995,7 +15005,7 @@
                 <a:latin typeface="Consolas" pitchFamily="49" charset="0"/>
                 <a:cs typeface="Consolas" pitchFamily="49" charset="0"/>
               </a:rPr>
-              <a:t>             </a:t>
+              <a:t>           </a:t>
             </a:r>
             <a:r>
               <a:rPr lang="en-US" sz="1800" dirty="0" err="1">
@@ -15024,7 +15034,7 @@
                 <a:latin typeface="Consolas" pitchFamily="49" charset="0"/>
                 <a:cs typeface="Consolas" pitchFamily="49" charset="0"/>
               </a:rPr>
-              <a:t>             </a:t>
+              <a:t>           </a:t>
             </a:r>
             <a:r>
               <a:rPr lang="en-US" sz="1800" dirty="0" err="1">
@@ -15053,7 +15063,7 @@
                 <a:latin typeface="Consolas" pitchFamily="49" charset="0"/>
                 <a:cs typeface="Consolas" pitchFamily="49" charset="0"/>
               </a:rPr>
-              <a:t>        {</a:t>
+              <a:t>      {</a:t>
             </a:r>
           </a:p>
           <a:p>
@@ -15068,7 +15078,7 @@
                 <a:latin typeface="Consolas" pitchFamily="49" charset="0"/>
                 <a:cs typeface="Consolas" pitchFamily="49" charset="0"/>
               </a:rPr>
-              <a:t>          parseInitialDecl()</a:t>
+              <a:t>        parseInitialDecl()</a:t>
             </a:r>
           </a:p>
           <a:p>
@@ -15083,7 +15093,7 @@
                 <a:latin typeface="Consolas" pitchFamily="49" charset="0"/>
                 <a:cs typeface="Consolas" pitchFamily="49" charset="0"/>
               </a:rPr>
-              <a:t>        }</a:t>
+              <a:t>      }</a:t>
             </a:r>
           </a:p>
           <a:p>
@@ -15098,7 +15108,7 @@
                 <a:latin typeface="Consolas" pitchFamily="49" charset="0"/>
                 <a:cs typeface="Consolas" pitchFamily="49" charset="0"/>
               </a:rPr>
-              <a:t>    }</a:t>
+              <a:t>  }</a:t>
             </a:r>
             <a:endParaRPr lang="en-US" dirty="0">
               <a:latin typeface="Consolas" pitchFamily="49" charset="0"/>
@@ -26920,13 +26930,13 @@
               <a:rPr lang="en-US" dirty="0" err="1">
                 <a:latin typeface="Consolas" panose="020B0609020204030204" pitchFamily="49" charset="0"/>
               </a:rPr>
-              <a:t>idToken</a:t>
+              <a:t>idStr</a:t>
             </a:r>
             <a:r>
               <a:rPr lang="en-US" dirty="0">
                 <a:latin typeface="Consolas" panose="020B0609020204030204" pitchFamily="49" charset="0"/>
               </a:rPr>
-              <a:t> : Token) : IdType?</a:t>
+              <a:t> : String) : IdType?</a:t>
             </a:r>
           </a:p>
         </p:txBody>
@@ -27606,7 +27616,7 @@
           <a:bodyPr tIns="91440"/>
           <a:lstStyle/>
           <a:p>
-            <a:pPr marL="182880" indent="0">
+            <a:pPr marL="0" indent="0">
               <a:spcBef>
                 <a:spcPts val="100"/>
               </a:spcBef>
@@ -27632,7 +27642,7 @@
             </a:r>
           </a:p>
           <a:p>
-            <a:pPr marL="182880" lvl="1" indent="0">
+            <a:pPr marL="0" lvl="1" indent="0">
               <a:spcBef>
                 <a:spcPts val="100"/>
               </a:spcBef>
@@ -27658,7 +27668,7 @@
             </a:r>
           </a:p>
           <a:p>
-            <a:pPr marL="182880" lvl="1" indent="0">
+            <a:pPr marL="0" lvl="1" indent="0">
               <a:spcBef>
                 <a:spcPts val="100"/>
               </a:spcBef>
@@ -27672,7 +27682,7 @@
             </a:r>
           </a:p>
           <a:p>
-            <a:pPr marL="182880" lvl="1" indent="0">
+            <a:pPr marL="0" lvl="1" indent="0">
               <a:spcBef>
                 <a:spcPts val="100"/>
               </a:spcBef>
@@ -27686,7 +27696,7 @@
             </a:r>
           </a:p>
           <a:p>
-            <a:pPr marL="182880" lvl="1" indent="0">
+            <a:pPr marL="0" lvl="1" indent="0">
               <a:spcBef>
                 <a:spcPts val="100"/>
               </a:spcBef>
@@ -27700,7 +27710,7 @@
             </a:r>
           </a:p>
           <a:p>
-            <a:pPr marL="182880" lvl="1" indent="0">
+            <a:pPr marL="0" lvl="1" indent="0">
               <a:spcBef>
                 <a:spcPts val="100"/>
               </a:spcBef>
@@ -27747,7 +27757,7 @@
             </a:endParaRPr>
           </a:p>
           <a:p>
-            <a:pPr marL="182880" lvl="1" indent="0">
+            <a:pPr marL="0" lvl="1" indent="0">
               <a:spcBef>
                 <a:spcPts val="100"/>
               </a:spcBef>
@@ -27797,7 +27807,7 @@
             </a:r>
           </a:p>
           <a:p>
-            <a:pPr marL="182880" lvl="1" indent="0">
+            <a:pPr marL="0" lvl="1" indent="0">
               <a:spcBef>
                 <a:spcPts val="100"/>
               </a:spcBef>
@@ -27808,7 +27818,7 @@
             </a:endParaRPr>
           </a:p>
           <a:p>
-            <a:pPr marL="182880" lvl="1" indent="0">
+            <a:pPr marL="0" lvl="1" indent="0">
               <a:spcBef>
                 <a:spcPts val="100"/>
               </a:spcBef>
@@ -27822,7 +27832,7 @@
             </a:r>
           </a:p>
           <a:p>
-            <a:pPr marL="182880" lvl="1" indent="0">
+            <a:pPr marL="0" lvl="1" indent="0">
               <a:spcBef>
                 <a:spcPts val="100"/>
               </a:spcBef>
@@ -27836,7 +27846,7 @@
             </a:r>
           </a:p>
           <a:p>
-            <a:pPr marL="182880" lvl="1" indent="0">
+            <a:pPr marL="0" lvl="1" indent="0">
               <a:spcBef>
                 <a:spcPts val="100"/>
               </a:spcBef>
@@ -27850,7 +27860,7 @@
             </a:r>
           </a:p>
           <a:p>
-            <a:pPr marL="182880" lvl="1" indent="0">
+            <a:pPr marL="0" lvl="1" indent="0">
               <a:spcBef>
                 <a:spcPts val="100"/>
               </a:spcBef>
@@ -27864,7 +27874,7 @@
             </a:r>
           </a:p>
           <a:p>
-            <a:pPr marL="182880" lvl="1" indent="0">
+            <a:pPr marL="0" lvl="1" indent="0">
               <a:spcBef>
                 <a:spcPts val="100"/>
               </a:spcBef>
@@ -27890,7 +27900,7 @@
             </a:r>
           </a:p>
           <a:p>
-            <a:pPr marL="182880" lvl="1" indent="0">
+            <a:pPr marL="0" lvl="1" indent="0">
               <a:spcBef>
                 <a:spcPts val="100"/>
               </a:spcBef>
@@ -27916,7 +27926,7 @@
             </a:r>
           </a:p>
           <a:p>
-            <a:pPr marL="182880" lvl="1" indent="0">
+            <a:pPr marL="0" lvl="1" indent="0">
               <a:spcBef>
                 <a:spcPts val="100"/>
               </a:spcBef>
@@ -28094,12 +28104,17 @@
             <p:ph type="body" idx="1"/>
           </p:nvPr>
         </p:nvSpPr>
-        <p:spPr/>
+        <p:spPr>
+          <a:xfrm>
+            <a:off x="365760" y="1363663"/>
+            <a:ext cx="8412480" cy="4935537"/>
+          </a:xfrm>
+        </p:spPr>
         <p:txBody>
           <a:bodyPr tIns="91440"/>
           <a:lstStyle/>
           <a:p>
-            <a:pPr marL="182880" indent="0">
+            <a:pPr marL="0" indent="0">
               <a:spcBef>
                 <a:spcPts val="100"/>
               </a:spcBef>
@@ -28125,7 +28140,7 @@
             </a:r>
           </a:p>
           <a:p>
-            <a:pPr marL="182880" indent="0">
+            <a:pPr marL="0" indent="0">
               <a:spcBef>
                 <a:spcPts val="100"/>
               </a:spcBef>
@@ -28139,7 +28154,7 @@
             </a:r>
           </a:p>
           <a:p>
-            <a:pPr marL="182880" indent="0">
+            <a:pPr marL="0" indent="0">
               <a:spcBef>
                 <a:spcPts val="100"/>
               </a:spcBef>
@@ -28153,7 +28168,7 @@
             </a:r>
           </a:p>
           <a:p>
-            <a:pPr marL="182880" indent="0">
+            <a:pPr marL="0" indent="0">
               <a:spcBef>
                 <a:spcPts val="100"/>
               </a:spcBef>
@@ -28167,7 +28182,7 @@
             </a:r>
           </a:p>
           <a:p>
-            <a:pPr marL="182880" indent="0">
+            <a:pPr marL="0" indent="0">
               <a:spcBef>
                 <a:spcPts val="100"/>
               </a:spcBef>
@@ -28181,7 +28196,7 @@
             </a:r>
           </a:p>
           <a:p>
-            <a:pPr marL="182880" indent="0">
+            <a:pPr marL="0" indent="0">
               <a:spcBef>
                 <a:spcPts val="100"/>
               </a:spcBef>
@@ -28195,7 +28210,7 @@
             </a:r>
           </a:p>
           <a:p>
-            <a:pPr marL="182880" indent="0">
+            <a:pPr marL="0" indent="0">
               <a:spcBef>
                 <a:spcPts val="100"/>
               </a:spcBef>
@@ -28209,7 +28224,7 @@
             </a:r>
           </a:p>
           <a:p>
-            <a:pPr marL="182880" indent="0">
+            <a:pPr marL="0" indent="0">
               <a:spcBef>
                 <a:spcPts val="100"/>
               </a:spcBef>
@@ -28243,11 +28258,11 @@
               <a:rPr lang="en-US" sz="1800" b="1" dirty="0">
                 <a:latin typeface="Consolas" panose="020B0609020204030204" pitchFamily="49" charset="0"/>
               </a:rPr>
-              <a:t>() ==</a:t>
-            </a:r>
-          </a:p>
-          <a:p>
-            <a:pPr marL="182880" indent="0">
+              <a:t>() == Symbol.leftParen)</a:t>
+            </a:r>
+          </a:p>
+          <a:p>
+            <a:pPr marL="0" indent="0">
               <a:spcBef>
                 <a:spcPts val="100"/>
               </a:spcBef>
@@ -28257,11 +28272,23 @@
               <a:rPr lang="en-US" sz="1800" b="1" dirty="0">
                 <a:latin typeface="Consolas" panose="020B0609020204030204" pitchFamily="49" charset="0"/>
               </a:rPr>
-              <a:t>                                             Symbol.leftParen)</a:t>
-            </a:r>
-          </a:p>
-          <a:p>
-            <a:pPr marL="182880" indent="0">
+              <a:t>            </a:t>
+            </a:r>
+            <a:r>
+              <a:rPr lang="en-US" sz="1800" b="1" dirty="0" err="1">
+                <a:latin typeface="Consolas" panose="020B0609020204030204" pitchFamily="49" charset="0"/>
+              </a:rPr>
+              <a:t>parseFunctionCallExpr</a:t>
+            </a:r>
+            <a:r>
+              <a:rPr lang="en-US" sz="1800" b="1" dirty="0">
+                <a:latin typeface="Consolas" panose="020B0609020204030204" pitchFamily="49" charset="0"/>
+              </a:rPr>
+              <a:t>()</a:t>
+            </a:r>
+          </a:p>
+          <a:p>
+            <a:pPr marL="0" indent="0">
               <a:spcBef>
                 <a:spcPts val="100"/>
               </a:spcBef>
@@ -28271,23 +28298,11 @@
               <a:rPr lang="en-US" sz="1800" b="1" dirty="0">
                 <a:latin typeface="Consolas" panose="020B0609020204030204" pitchFamily="49" charset="0"/>
               </a:rPr>
-              <a:t>            </a:t>
-            </a:r>
-            <a:r>
-              <a:rPr lang="en-US" sz="1800" b="1" dirty="0" err="1">
-                <a:latin typeface="Consolas" panose="020B0609020204030204" pitchFamily="49" charset="0"/>
-              </a:rPr>
-              <a:t>parseFunctionCallExpr</a:t>
-            </a:r>
-            <a:r>
-              <a:rPr lang="en-US" sz="1800" b="1" dirty="0">
-                <a:latin typeface="Consolas" panose="020B0609020204030204" pitchFamily="49" charset="0"/>
-              </a:rPr>
-              <a:t>()</a:t>
-            </a:r>
-          </a:p>
-          <a:p>
-            <a:pPr marL="182880" indent="0">
+              <a:t>        else</a:t>
+            </a:r>
+          </a:p>
+          <a:p>
+            <a:pPr marL="0" indent="0">
               <a:spcBef>
                 <a:spcPts val="100"/>
               </a:spcBef>
@@ -28297,11 +28312,23 @@
               <a:rPr lang="en-US" sz="1800" b="1" dirty="0">
                 <a:latin typeface="Consolas" panose="020B0609020204030204" pitchFamily="49" charset="0"/>
               </a:rPr>
-              <a:t>        else</a:t>
-            </a:r>
-          </a:p>
-          <a:p>
-            <a:pPr marL="182880" indent="0">
+              <a:t>            throw error("Identifier \"${</a:t>
+            </a:r>
+            <a:r>
+              <a:rPr lang="en-US" sz="1800" b="1" dirty="0" err="1">
+                <a:latin typeface="Consolas" panose="020B0609020204030204" pitchFamily="49" charset="0"/>
+              </a:rPr>
+              <a:t>scanner.token</a:t>
+            </a:r>
+            <a:r>
+              <a:rPr lang="en-US" sz="1800" b="1" dirty="0">
+                <a:latin typeface="Consolas" panose="020B0609020204030204" pitchFamily="49" charset="0"/>
+              </a:rPr>
+              <a:t>}\" has"</a:t>
+            </a:r>
+          </a:p>
+          <a:p>
+            <a:pPr marL="0" indent="0">
               <a:spcBef>
                 <a:spcPts val="100"/>
               </a:spcBef>
@@ -28311,48 +28338,36 @@
               <a:rPr lang="en-US" sz="1800" b="1" dirty="0">
                 <a:latin typeface="Consolas" panose="020B0609020204030204" pitchFamily="49" charset="0"/>
               </a:rPr>
-              <a:t>            throw error("Identifier \"${</a:t>
-            </a:r>
-            <a:r>
-              <a:rPr lang="en-US" sz="1800" b="1" dirty="0" err="1">
-                <a:latin typeface="Consolas" panose="020B0609020204030204" pitchFamily="49" charset="0"/>
-              </a:rPr>
-              <a:t>scanner.token</a:t>
-            </a:r>
-            <a:r>
-              <a:rPr lang="en-US" sz="1800" b="1" dirty="0">
-                <a:latin typeface="Consolas" panose="020B0609020204030204" pitchFamily="49" charset="0"/>
-              </a:rPr>
-              <a:t>}\" has"</a:t>
-            </a:r>
-          </a:p>
-          <a:p>
-            <a:pPr marL="182880" indent="0">
+              <a:t>                      + " not been declared.")</a:t>
+            </a:r>
+          </a:p>
+          <a:p>
+            <a:pPr marL="0" indent="0">
               <a:spcBef>
                 <a:spcPts val="100"/>
               </a:spcBef>
               <a:buNone/>
             </a:pPr>
-            <a:r>
-              <a:rPr lang="en-US" sz="1800" b="1" dirty="0">
-                <a:latin typeface="Consolas" panose="020B0609020204030204" pitchFamily="49" charset="0"/>
-              </a:rPr>
-              <a:t>                      + " not been declared.")</a:t>
-            </a:r>
-          </a:p>
-          <a:p>
-            <a:pPr marL="182880" indent="0">
+            <a:endParaRPr lang="en-US" sz="1800" b="1" dirty="0">
+              <a:latin typeface="Consolas" panose="020B0609020204030204" pitchFamily="49" charset="0"/>
+            </a:endParaRPr>
+          </a:p>
+          <a:p>
+            <a:pPr marL="0" indent="0">
               <a:spcBef>
                 <a:spcPts val="100"/>
               </a:spcBef>
               <a:buNone/>
             </a:pPr>
-            <a:endParaRPr lang="en-US" sz="1800" b="1" dirty="0">
-              <a:latin typeface="Consolas" panose="020B0609020204030204" pitchFamily="49" charset="0"/>
-            </a:endParaRPr>
-          </a:p>
-          <a:p>
-            <a:pPr marL="182880" indent="0">
+            <a:r>
+              <a:rPr lang="en-US" sz="1800" dirty="0">
+                <a:latin typeface="Consolas" panose="020B0609020204030204" pitchFamily="49" charset="0"/>
+              </a:rPr>
+              <a:t>      }</a:t>
+            </a:r>
+          </a:p>
+          <a:p>
+            <a:pPr marL="0" indent="0">
               <a:spcBef>
                 <a:spcPts val="100"/>
               </a:spcBef>
@@ -28362,25 +28377,11 @@
               <a:rPr lang="en-US" sz="1800" dirty="0">
                 <a:latin typeface="Consolas" panose="020B0609020204030204" pitchFamily="49" charset="0"/>
               </a:rPr>
-              <a:t>      }</a:t>
-            </a:r>
-          </a:p>
-          <a:p>
-            <a:pPr marL="182880" indent="0">
-              <a:spcBef>
-                <a:spcPts val="100"/>
-              </a:spcBef>
-              <a:buNone/>
-            </a:pPr>
-            <a:r>
-              <a:rPr lang="en-US" sz="1800" dirty="0">
-                <a:latin typeface="Consolas" panose="020B0609020204030204" pitchFamily="49" charset="0"/>
-              </a:rPr>
               <a:t>  }</a:t>
             </a:r>
           </a:p>
           <a:p>
-            <a:pPr marL="182880" indent="0">
+            <a:pPr marL="0" indent="0">
               <a:spcBef>
                 <a:spcPts val="100"/>
               </a:spcBef>
@@ -28471,21 +28472,21 @@
               <a:buNone/>
             </a:pPr>
             <a:r>
-              <a:rPr lang="en-US" sz="1750" dirty="0">
+              <a:rPr lang="en-US" sz="1800" dirty="0">
                 <a:latin typeface="Consolas" pitchFamily="49" charset="0"/>
                 <a:cs typeface="Consolas" pitchFamily="49" charset="0"/>
               </a:rPr>
               <a:t>match(</a:t>
             </a:r>
             <a:r>
-              <a:rPr lang="en-US" sz="1750" dirty="0" err="1">
+              <a:rPr lang="en-US" sz="1800" dirty="0" err="1">
                 <a:latin typeface="Consolas" pitchFamily="49" charset="0"/>
                 <a:cs typeface="Consolas" pitchFamily="49" charset="0"/>
               </a:rPr>
               <a:t>Symbol.procRW</a:t>
             </a:r>
             <a:r>
-              <a:rPr lang="en-US" sz="1750" dirty="0">
+              <a:rPr lang="en-US" sz="1800" dirty="0">
                 <a:latin typeface="Consolas" pitchFamily="49" charset="0"/>
                 <a:cs typeface="Consolas" pitchFamily="49" charset="0"/>
               </a:rPr>
@@ -28500,41 +28501,41 @@
               <a:buNone/>
             </a:pPr>
             <a:r>
-              <a:rPr lang="en-US" sz="1750" dirty="0" err="1">
+              <a:rPr lang="en-US" sz="1800" dirty="0" err="1">
                 <a:latin typeface="Consolas" pitchFamily="49" charset="0"/>
                 <a:cs typeface="Consolas" pitchFamily="49" charset="0"/>
               </a:rPr>
               <a:t>val</a:t>
             </a:r>
             <a:r>
-              <a:rPr lang="en-US" sz="1750" dirty="0">
+              <a:rPr lang="en-US" sz="1800" dirty="0">
                 <a:latin typeface="Consolas" pitchFamily="49" charset="0"/>
                 <a:cs typeface="Consolas" pitchFamily="49" charset="0"/>
               </a:rPr>
               <a:t> </a:t>
             </a:r>
             <a:r>
-              <a:rPr lang="en-US" sz="1750" dirty="0" err="1">
+              <a:rPr lang="en-US" sz="1800" dirty="0" err="1">
                 <a:latin typeface="Consolas" pitchFamily="49" charset="0"/>
                 <a:cs typeface="Consolas" pitchFamily="49" charset="0"/>
               </a:rPr>
               <a:t>procId</a:t>
             </a:r>
             <a:r>
-              <a:rPr lang="en-US" sz="1750" dirty="0">
+              <a:rPr lang="en-US" sz="1800" dirty="0">
                 <a:latin typeface="Consolas" pitchFamily="49" charset="0"/>
                 <a:cs typeface="Consolas" pitchFamily="49" charset="0"/>
               </a:rPr>
               <a:t> = </a:t>
             </a:r>
             <a:r>
-              <a:rPr lang="en-US" sz="1750" dirty="0" err="1">
+              <a:rPr lang="en-US" sz="1800" dirty="0" err="1">
                 <a:latin typeface="Consolas" pitchFamily="49" charset="0"/>
                 <a:cs typeface="Consolas" pitchFamily="49" charset="0"/>
               </a:rPr>
               <a:t>scanner.token</a:t>
             </a:r>
-            <a:endParaRPr lang="en-US" sz="1750" dirty="0">
+            <a:endParaRPr lang="en-US" sz="1800" dirty="0">
               <a:latin typeface="Consolas" pitchFamily="49" charset="0"/>
               <a:cs typeface="Consolas" pitchFamily="49" charset="0"/>
             </a:endParaRPr>
@@ -28547,7 +28548,7 @@
               <a:buNone/>
             </a:pPr>
             <a:r>
-              <a:rPr lang="en-US" sz="1750" dirty="0">
+              <a:rPr lang="en-US" sz="1800" dirty="0">
                 <a:latin typeface="Consolas" pitchFamily="49" charset="0"/>
                 <a:cs typeface="Consolas" pitchFamily="49" charset="0"/>
               </a:rPr>
@@ -28562,21 +28563,21 @@
               <a:buNone/>
             </a:pPr>
             <a:r>
-              <a:rPr lang="en-US" sz="1750" dirty="0">
+              <a:rPr lang="en-US" sz="1800" dirty="0">
                 <a:latin typeface="Consolas" pitchFamily="49" charset="0"/>
                 <a:cs typeface="Consolas" pitchFamily="49" charset="0"/>
               </a:rPr>
               <a:t>idTable.add(</a:t>
             </a:r>
             <a:r>
-              <a:rPr lang="en-US" sz="1750" dirty="0" err="1">
+              <a:rPr lang="en-US" sz="1800" dirty="0" err="1">
                 <a:latin typeface="Consolas" pitchFamily="49" charset="0"/>
                 <a:cs typeface="Consolas" pitchFamily="49" charset="0"/>
               </a:rPr>
               <a:t>procId</a:t>
             </a:r>
             <a:r>
-              <a:rPr lang="en-US" sz="1750" dirty="0">
+              <a:rPr lang="en-US" sz="1800" dirty="0">
                 <a:latin typeface="Consolas" pitchFamily="49" charset="0"/>
                 <a:cs typeface="Consolas" pitchFamily="49" charset="0"/>
               </a:rPr>
@@ -28591,7 +28592,7 @@
               <a:buNone/>
             </a:pPr>
             <a:r>
-              <a:rPr lang="en-US" sz="1750" dirty="0">
+              <a:rPr lang="en-US" sz="1800" dirty="0">
                 <a:latin typeface="Consolas" pitchFamily="49" charset="0"/>
                 <a:cs typeface="Consolas" pitchFamily="49" charset="0"/>
               </a:rPr>
@@ -28605,7 +28606,7 @@
               </a:spcBef>
               <a:buNone/>
             </a:pPr>
-            <a:endParaRPr lang="en-US" sz="1750" dirty="0">
+            <a:endParaRPr lang="en-US" sz="1800" dirty="0">
               <a:latin typeface="Consolas" pitchFamily="49" charset="0"/>
               <a:cs typeface="Consolas" pitchFamily="49" charset="0"/>
             </a:endParaRPr>
@@ -28618,7 +28619,7 @@
               <a:buNone/>
             </a:pPr>
             <a:r>
-              <a:rPr lang="en-US" sz="1750" dirty="0">
+              <a:rPr lang="en-US" sz="1800" dirty="0">
                 <a:latin typeface="Consolas" pitchFamily="49" charset="0"/>
                 <a:cs typeface="Consolas" pitchFamily="49" charset="0"/>
               </a:rPr>
@@ -28633,7 +28634,7 @@
               <a:buNone/>
             </a:pPr>
             <a:r>
-              <a:rPr lang="en-US" sz="1750" dirty="0">
+              <a:rPr lang="en-US" sz="1800" dirty="0">
                 <a:latin typeface="Consolas" pitchFamily="49" charset="0"/>
                 <a:cs typeface="Consolas" pitchFamily="49" charset="0"/>
               </a:rPr>
@@ -28648,25 +28649,25 @@
               <a:buNone/>
             </a:pPr>
             <a:r>
-              <a:rPr lang="en-US" sz="1750" dirty="0">
+              <a:rPr lang="en-US" sz="1800" dirty="0">
                 <a:latin typeface="Consolas" pitchFamily="49" charset="0"/>
                 <a:cs typeface="Consolas" pitchFamily="49" charset="0"/>
               </a:rPr>
               <a:t>    idTable.openScope(</a:t>
             </a:r>
             <a:r>
-              <a:rPr lang="en-US" sz="1750" dirty="0" err="1">
+              <a:rPr lang="en-US" sz="1800" dirty="0" err="1">
                 <a:latin typeface="Consolas" pitchFamily="49" charset="0"/>
                 <a:cs typeface="Consolas" pitchFamily="49" charset="0"/>
               </a:rPr>
               <a:t>ScopeLevel.LOCAL</a:t>
             </a:r>
             <a:r>
-              <a:rPr lang="en-US" sz="1750" dirty="0">
+              <a:rPr lang="en-US" sz="1800" dirty="0">
                 <a:latin typeface="Consolas" pitchFamily="49" charset="0"/>
                 <a:cs typeface="Consolas" pitchFamily="49" charset="0"/>
               </a:rPr>
-              <a:t>);</a:t>
+              <a:t>)</a:t>
             </a:r>
           </a:p>
           <a:p>
@@ -28676,7 +28677,7 @@
               </a:spcBef>
               <a:buNone/>
             </a:pPr>
-            <a:endParaRPr lang="en-US" sz="1750" dirty="0">
+            <a:endParaRPr lang="en-US" sz="1800" dirty="0">
               <a:latin typeface="Consolas" pitchFamily="49" charset="0"/>
               <a:cs typeface="Consolas" pitchFamily="49" charset="0"/>
             </a:endParaRPr>
@@ -28689,21 +28690,21 @@
               <a:buNone/>
             </a:pPr>
             <a:r>
-              <a:rPr lang="en-US" sz="1750" dirty="0">
+              <a:rPr lang="en-US" sz="1800" dirty="0">
                 <a:latin typeface="Consolas" pitchFamily="49" charset="0"/>
                 <a:cs typeface="Consolas" pitchFamily="49" charset="0"/>
               </a:rPr>
               <a:t>    if (</a:t>
             </a:r>
             <a:r>
-              <a:rPr lang="en-US" sz="1750" dirty="0" err="1">
+              <a:rPr lang="en-US" sz="1800" dirty="0" err="1">
                 <a:latin typeface="Consolas" pitchFamily="49" charset="0"/>
                 <a:cs typeface="Consolas" pitchFamily="49" charset="0"/>
               </a:rPr>
               <a:t>scanner.symbol.isParameterDeclStarter</a:t>
             </a:r>
             <a:r>
-              <a:rPr lang="en-US" sz="1750" dirty="0">
+              <a:rPr lang="en-US" sz="1800" dirty="0">
                 <a:latin typeface="Consolas" pitchFamily="49" charset="0"/>
                 <a:cs typeface="Consolas" pitchFamily="49" charset="0"/>
               </a:rPr>
@@ -28718,21 +28719,21 @@
               <a:buNone/>
             </a:pPr>
             <a:r>
-              <a:rPr lang="en-US" sz="1750" dirty="0">
+              <a:rPr lang="en-US" sz="1800" dirty="0">
                 <a:latin typeface="Consolas" pitchFamily="49" charset="0"/>
                 <a:cs typeface="Consolas" pitchFamily="49" charset="0"/>
               </a:rPr>
               <a:t>        </a:t>
             </a:r>
             <a:r>
-              <a:rPr lang="en-US" sz="1750" dirty="0" err="1">
+              <a:rPr lang="en-US" sz="1800" dirty="0" err="1">
                 <a:latin typeface="Consolas" pitchFamily="49" charset="0"/>
                 <a:cs typeface="Consolas" pitchFamily="49" charset="0"/>
               </a:rPr>
               <a:t>parseFormalParameters</a:t>
             </a:r>
             <a:r>
-              <a:rPr lang="en-US" sz="1750" dirty="0">
+              <a:rPr lang="en-US" sz="1800" dirty="0">
                 <a:latin typeface="Consolas" pitchFamily="49" charset="0"/>
                 <a:cs typeface="Consolas" pitchFamily="49" charset="0"/>
               </a:rPr>
@@ -28746,7 +28747,7 @@
               </a:spcBef>
               <a:buNone/>
             </a:pPr>
-            <a:endParaRPr lang="en-US" sz="1750" dirty="0">
+            <a:endParaRPr lang="en-US" sz="1800" dirty="0">
               <a:latin typeface="Consolas" pitchFamily="49" charset="0"/>
               <a:cs typeface="Consolas" pitchFamily="49" charset="0"/>
             </a:endParaRPr>
@@ -28759,21 +28760,21 @@
               <a:buNone/>
             </a:pPr>
             <a:r>
-              <a:rPr lang="en-US" sz="1750" dirty="0">
+              <a:rPr lang="en-US" sz="1800" dirty="0">
                 <a:latin typeface="Consolas" pitchFamily="49" charset="0"/>
                 <a:cs typeface="Consolas" pitchFamily="49" charset="0"/>
               </a:rPr>
               <a:t>    match(</a:t>
             </a:r>
             <a:r>
-              <a:rPr lang="en-US" sz="1750" dirty="0" err="1">
+              <a:rPr lang="en-US" sz="1800" dirty="0" err="1">
                 <a:latin typeface="Consolas" pitchFamily="49" charset="0"/>
                 <a:cs typeface="Consolas" pitchFamily="49" charset="0"/>
               </a:rPr>
               <a:t>Symbol.rightParen</a:t>
             </a:r>
             <a:r>
-              <a:rPr lang="en-US" sz="1750" dirty="0">
+              <a:rPr lang="en-US" sz="1800" dirty="0">
                 <a:latin typeface="Consolas" pitchFamily="49" charset="0"/>
                 <a:cs typeface="Consolas" pitchFamily="49" charset="0"/>
               </a:rPr>
@@ -28788,21 +28789,21 @@
               <a:buNone/>
             </a:pPr>
             <a:r>
-              <a:rPr lang="en-US" sz="1750" dirty="0">
+              <a:rPr lang="en-US" sz="1800" dirty="0">
                 <a:latin typeface="Consolas" pitchFamily="49" charset="0"/>
                 <a:cs typeface="Consolas" pitchFamily="49" charset="0"/>
               </a:rPr>
               <a:t>    match(</a:t>
             </a:r>
             <a:r>
-              <a:rPr lang="en-US" sz="1750" dirty="0" err="1">
+              <a:rPr lang="en-US" sz="1800" dirty="0" err="1">
                 <a:latin typeface="Consolas" pitchFamily="49" charset="0"/>
                 <a:cs typeface="Consolas" pitchFamily="49" charset="0"/>
               </a:rPr>
               <a:t>Symbol.leftBrace</a:t>
             </a:r>
             <a:r>
-              <a:rPr lang="en-US" sz="1750" dirty="0">
+              <a:rPr lang="en-US" sz="1800" dirty="0">
                 <a:latin typeface="Consolas" pitchFamily="49" charset="0"/>
                 <a:cs typeface="Consolas" pitchFamily="49" charset="0"/>
               </a:rPr>
@@ -28817,7 +28818,7 @@
               <a:buNone/>
             </a:pPr>
             <a:r>
-              <a:rPr lang="en-US" sz="1750" dirty="0">
+              <a:rPr lang="en-US" sz="1800" dirty="0">
                 <a:latin typeface="Consolas" pitchFamily="49" charset="0"/>
                 <a:cs typeface="Consolas" pitchFamily="49" charset="0"/>
               </a:rPr>
@@ -28832,7 +28833,7 @@
               <a:buNone/>
             </a:pPr>
             <a:r>
-              <a:rPr lang="en-US" sz="1750" dirty="0">
+              <a:rPr lang="en-US" sz="1800" dirty="0">
                 <a:latin typeface="Consolas" pitchFamily="49" charset="0"/>
                 <a:cs typeface="Consolas" pitchFamily="49" charset="0"/>
               </a:rPr>
@@ -28847,7 +28848,7 @@
               <a:buNone/>
             </a:pPr>
             <a:r>
-              <a:rPr lang="en-US" sz="1750" dirty="0">
+              <a:rPr lang="en-US" sz="1800" dirty="0">
                 <a:latin typeface="Consolas" pitchFamily="49" charset="0"/>
                 <a:cs typeface="Consolas" pitchFamily="49" charset="0"/>
               </a:rPr>
@@ -28932,7 +28933,7 @@
         </p:nvSpPr>
         <p:spPr>
           <a:xfrm>
-            <a:off x="5347653" y="4805174"/>
+            <a:off x="5334000" y="4724400"/>
             <a:ext cx="3337560" cy="1508760"/>
           </a:xfrm>
           <a:prstGeom prst="rect">
@@ -28995,7 +28996,7 @@
         </p:nvSpPr>
         <p:spPr bwMode="auto">
           <a:xfrm>
-            <a:off x="5562600" y="2286000"/>
+            <a:off x="5562600" y="2297723"/>
             <a:ext cx="152400" cy="152400"/>
           </a:xfrm>
           <a:prstGeom prst="diamond">
@@ -29059,8 +29060,8 @@
         </p:nvCxnSpPr>
         <p:spPr bwMode="auto">
           <a:xfrm rot="16200000" flipV="1">
-            <a:off x="5636070" y="2441130"/>
-            <a:ext cx="2443860" cy="2286000"/>
+            <a:off x="5682762" y="2406162"/>
+            <a:ext cx="2350477" cy="2286000"/>
           </a:xfrm>
           <a:prstGeom prst="bentConnector2">
             <a:avLst/>
@@ -29073,7 +29074,7 @@
             <a:prstDash val="solid"/>
             <a:round/>
             <a:headEnd type="none" w="med" len="med"/>
-            <a:tailEnd type="stealth" w="lg" len="lg"/>
+            <a:tailEnd type="triangle"/>
           </a:ln>
           <a:effectLst/>
         </p:spPr>
@@ -29090,8 +29091,8 @@
         </p:nvCxnSpPr>
         <p:spPr bwMode="auto">
           <a:xfrm rot="10800000">
-            <a:off x="4690237" y="4506516"/>
-            <a:ext cx="657417" cy="1053038"/>
+            <a:off x="4690236" y="4572000"/>
+            <a:ext cx="643764" cy="906780"/>
           </a:xfrm>
           <a:prstGeom prst="bentConnector3">
             <a:avLst>
@@ -29106,7 +29107,7 @@
             <a:prstDash val="solid"/>
             <a:round/>
             <a:headEnd type="none" w="med" len="med"/>
-            <a:tailEnd type="stealth" w="lg" len="lg"/>
+            <a:tailEnd type="triangle"/>
           </a:ln>
           <a:effectLst/>
         </p:spPr>
@@ -29122,8 +29123,8 @@
         </p:nvCxnSpPr>
         <p:spPr bwMode="auto">
           <a:xfrm rot="16200000" flipV="1">
-            <a:off x="6303582" y="3108642"/>
-            <a:ext cx="1108836" cy="2286000"/>
+            <a:off x="6362700" y="3086100"/>
+            <a:ext cx="990600" cy="2286000"/>
           </a:xfrm>
           <a:prstGeom prst="bentConnector2">
             <a:avLst/>
@@ -29136,7 +29137,7 @@
             <a:prstDash val="solid"/>
             <a:round/>
             <a:headEnd type="none" w="med" len="med"/>
-            <a:tailEnd type="stealth" w="lg" len="lg"/>
+            <a:tailEnd type="triangle"/>
           </a:ln>
           <a:effectLst/>
         </p:spPr>
@@ -29149,7 +29150,7 @@
         </p:nvSpPr>
         <p:spPr bwMode="auto">
           <a:xfrm>
-            <a:off x="5562600" y="3621024"/>
+            <a:off x="5562600" y="3657600"/>
             <a:ext cx="152400" cy="152400"/>
           </a:xfrm>
           <a:prstGeom prst="diamond">
@@ -29210,7 +29211,7 @@
         </p:nvSpPr>
         <p:spPr bwMode="auto">
           <a:xfrm>
-            <a:off x="7924800" y="4806060"/>
+            <a:off x="7924800" y="4724400"/>
             <a:ext cx="152400" cy="152400"/>
           </a:xfrm>
           <a:prstGeom prst="diamond">
@@ -29271,7 +29272,7 @@
         </p:nvSpPr>
         <p:spPr bwMode="auto">
           <a:xfrm>
-            <a:off x="4537836" y="4430316"/>
+            <a:off x="4537836" y="4495800"/>
             <a:ext cx="152400" cy="152400"/>
           </a:xfrm>
           <a:prstGeom prst="diamond">
@@ -29326,10 +29327,10 @@
       </p:sp>
       <p:sp>
         <p:nvSpPr>
-          <p:cNvPr id="23" name="Diamond 22">
+          <p:cNvPr id="9" name="Diamond 8">
             <a:extLst>
               <a:ext uri="{FF2B5EF4-FFF2-40B4-BE49-F238E27FC236}">
-                <a16:creationId xmlns:a16="http://schemas.microsoft.com/office/drawing/2014/main" id="{892FEDF8-6AD7-017B-8BFB-AA9E1CC168CA}"/>
+                <a16:creationId xmlns:a16="http://schemas.microsoft.com/office/drawing/2014/main" id="{2FC43586-A6A6-E184-5032-A559984231C5}"/>
               </a:ext>
             </a:extLst>
           </p:cNvPr>
@@ -29338,8 +29339,8 @@
         </p:nvSpPr>
         <p:spPr bwMode="auto">
           <a:xfrm>
-            <a:off x="3560064" y="5483354"/>
-            <a:ext cx="152400" cy="152400"/>
+            <a:off x="3570249" y="5596597"/>
+            <a:ext cx="182880" cy="182880"/>
           </a:xfrm>
           <a:prstGeom prst="diamond">
             <a:avLst/>
@@ -29393,24 +29394,24 @@
       </p:sp>
       <p:cxnSp>
         <p:nvCxnSpPr>
-          <p:cNvPr id="24" name="Straight Arrow Connector 23">
+          <p:cNvPr id="11" name="Straight Arrow Connector 10">
             <a:extLst>
               <a:ext uri="{FF2B5EF4-FFF2-40B4-BE49-F238E27FC236}">
-                <a16:creationId xmlns:a16="http://schemas.microsoft.com/office/drawing/2014/main" id="{57254D62-50F1-AB5E-2284-E1495D0AEE9B}"/>
+                <a16:creationId xmlns:a16="http://schemas.microsoft.com/office/drawing/2014/main" id="{47743E36-4B61-691A-F82D-177B8DA1C63E}"/>
               </a:ext>
             </a:extLst>
           </p:cNvPr>
           <p:cNvCxnSpPr>
             <a:cxnSpLocks/>
-            <a:stCxn id="6" idx="1"/>
-            <a:endCxn id="23" idx="3"/>
+            <a:stCxn id="13" idx="1"/>
+            <a:endCxn id="9" idx="3"/>
           </p:cNvCxnSpPr>
           <p:nvPr/>
         </p:nvCxnSpPr>
         <p:spPr bwMode="auto">
           <a:xfrm flipH="1">
-            <a:off x="3712464" y="5559554"/>
-            <a:ext cx="1635189" cy="0"/>
+            <a:off x="3753129" y="5688037"/>
+            <a:ext cx="1580871" cy="0"/>
           </a:xfrm>
           <a:prstGeom prst="straightConnector1">
             <a:avLst/>
@@ -29428,6 +29429,73 @@
           <a:effectLst/>
         </p:spPr>
       </p:cxnSp>
+      <p:sp>
+        <p:nvSpPr>
+          <p:cNvPr id="13" name="Diamond 12">
+            <a:extLst>
+              <a:ext uri="{FF2B5EF4-FFF2-40B4-BE49-F238E27FC236}">
+                <a16:creationId xmlns:a16="http://schemas.microsoft.com/office/drawing/2014/main" id="{2F27C9E0-1732-A9E0-9EBB-57BFDDB68B39}"/>
+              </a:ext>
+            </a:extLst>
+          </p:cNvPr>
+          <p:cNvSpPr/>
+          <p:nvPr/>
+        </p:nvSpPr>
+        <p:spPr bwMode="auto">
+          <a:xfrm>
+            <a:off x="5334000" y="5596597"/>
+            <a:ext cx="182880" cy="182880"/>
+          </a:xfrm>
+          <a:prstGeom prst="diamond">
+            <a:avLst/>
+          </a:prstGeom>
+          <a:noFill/>
+          <a:ln w="9525" cap="flat" cmpd="sng" algn="ctr">
+            <a:noFill/>
+            <a:prstDash val="solid"/>
+            <a:round/>
+            <a:headEnd type="none" w="med" len="med"/>
+            <a:tailEnd type="none" w="med" len="med"/>
+          </a:ln>
+          <a:effectLst/>
+        </p:spPr>
+        <p:txBody>
+          <a:bodyPr vert="horz" wrap="none" lIns="92075" tIns="46038" rIns="92075" bIns="46038" numCol="1" rtlCol="0" anchor="ctr" anchorCtr="0" compatLnSpc="1">
+            <a:prstTxWarp prst="textNoShape">
+              <a:avLst/>
+            </a:prstTxWarp>
+          </a:bodyPr>
+          <a:lstStyle/>
+          <a:p>
+            <a:pPr marL="0" marR="0" indent="0" algn="ctr" defTabSz="914400" rtl="0" eaLnBrk="0" fontAlgn="base" latinLnBrk="0" hangingPunct="0">
+              <a:lnSpc>
+                <a:spcPct val="100000"/>
+              </a:lnSpc>
+              <a:spcBef>
+                <a:spcPct val="0"/>
+              </a:spcBef>
+              <a:spcAft>
+                <a:spcPct val="0"/>
+              </a:spcAft>
+              <a:buClrTx/>
+              <a:buSzTx/>
+              <a:buFontTx/>
+              <a:buNone/>
+              <a:tabLst/>
+            </a:pPr>
+            <a:endParaRPr kumimoji="0" lang="en-US" sz="2400" b="0" i="0" u="none" strike="noStrike" cap="none" normalizeH="0" baseline="0">
+              <a:ln>
+                <a:noFill/>
+              </a:ln>
+              <a:solidFill>
+                <a:schemeClr val="tx1"/>
+              </a:solidFill>
+              <a:effectLst/>
+              <a:latin typeface="Arial" charset="0"/>
+            </a:endParaRPr>
+          </a:p>
+        </p:txBody>
+      </p:sp>
     </p:spTree>
   </p:cSld>
   <p:clrMapOvr>
@@ -29509,7 +29577,7 @@
               <a:buNone/>
             </a:pPr>
             <a:r>
-              <a:rPr lang="en-US" sz="1750" dirty="0">
+              <a:rPr lang="en-US" sz="1800" dirty="0">
                 <a:latin typeface="Consolas" pitchFamily="49" charset="0"/>
                 <a:cs typeface="Consolas" pitchFamily="49" charset="0"/>
               </a:rPr>
@@ -29524,7 +29592,7 @@
               <a:buNone/>
             </a:pPr>
             <a:r>
-              <a:rPr lang="en-US" sz="1750" dirty="0">
+              <a:rPr lang="en-US" sz="1800" dirty="0">
                 <a:latin typeface="Consolas" pitchFamily="49" charset="0"/>
                 <a:cs typeface="Consolas" pitchFamily="49" charset="0"/>
               </a:rPr>
@@ -29539,11 +29607,11 @@
               <a:buNone/>
             </a:pPr>
             <a:r>
-              <a:rPr lang="en-US" sz="1750" dirty="0">
+              <a:rPr lang="en-US" sz="1800" dirty="0">
                 <a:latin typeface="Consolas" pitchFamily="49" charset="0"/>
                 <a:cs typeface="Consolas" pitchFamily="49" charset="0"/>
               </a:rPr>
-              <a:t>    idTable.closeScope();</a:t>
+              <a:t>    idTable.closeScope()</a:t>
             </a:r>
           </a:p>
           <a:p>
@@ -29554,7 +29622,7 @@
               <a:buNone/>
             </a:pPr>
             <a:r>
-              <a:rPr lang="en-US" sz="1750" dirty="0">
+              <a:rPr lang="en-US" sz="1800" dirty="0">
                 <a:latin typeface="Consolas" pitchFamily="49" charset="0"/>
                 <a:cs typeface="Consolas" pitchFamily="49" charset="0"/>
               </a:rPr>
@@ -29568,7 +29636,7 @@
               </a:spcBef>
               <a:buNone/>
             </a:pPr>
-            <a:endParaRPr lang="en-US" sz="1750" dirty="0">
+            <a:endParaRPr lang="en-US" sz="1800" dirty="0">
               <a:latin typeface="Consolas" pitchFamily="49" charset="0"/>
               <a:cs typeface="Consolas" pitchFamily="49" charset="0"/>
             </a:endParaRPr>
@@ -29581,25 +29649,25 @@
               <a:buNone/>
             </a:pPr>
             <a:r>
-              <a:rPr lang="en-US" sz="1750" dirty="0">
+              <a:rPr lang="en-US" sz="1800" dirty="0">
                 <a:latin typeface="Consolas" pitchFamily="49" charset="0"/>
                 <a:cs typeface="Consolas" pitchFamily="49" charset="0"/>
               </a:rPr>
               <a:t>match(</a:t>
             </a:r>
             <a:r>
-              <a:rPr lang="en-US" sz="1750" dirty="0" err="1">
+              <a:rPr lang="en-US" sz="1800" dirty="0" err="1">
                 <a:latin typeface="Consolas" pitchFamily="49" charset="0"/>
                 <a:cs typeface="Consolas" pitchFamily="49" charset="0"/>
               </a:rPr>
               <a:t>Symbol.rightBrace</a:t>
             </a:r>
             <a:r>
-              <a:rPr lang="en-US" sz="1750" dirty="0">
+              <a:rPr lang="en-US" sz="1800" dirty="0">
                 <a:latin typeface="Consolas" pitchFamily="49" charset="0"/>
                 <a:cs typeface="Consolas" pitchFamily="49" charset="0"/>
               </a:rPr>
-              <a:t>);</a:t>
+              <a:t>)</a:t>
             </a:r>
           </a:p>
         </p:txBody>
@@ -31547,7 +31615,7 @@
         <p:spPr>
           <a:xfrm>
             <a:off x="458788" y="1363663"/>
-            <a:ext cx="8412480" cy="4935537"/>
+            <a:ext cx="8595360" cy="4935537"/>
           </a:xfrm>
         </p:spPr>
         <p:txBody>
@@ -31556,24 +31624,24 @@
           <a:p>
             <a:pPr marL="0" indent="0">
               <a:spcBef>
-                <a:spcPts val="100"/>
+                <a:spcPts val="0"/>
               </a:spcBef>
               <a:buNone/>
             </a:pPr>
             <a:r>
-              <a:rPr lang="en-US" sz="1750" dirty="0">
+              <a:rPr lang="en-US" sz="1800" dirty="0">
                 <a:latin typeface="Consolas" panose="020B0609020204030204" pitchFamily="49" charset="0"/>
               </a:rPr>
               <a:t>private fun </a:t>
             </a:r>
             <a:r>
-              <a:rPr lang="en-US" sz="1750" dirty="0" err="1">
+              <a:rPr lang="en-US" sz="1800" dirty="0" err="1">
                 <a:latin typeface="Consolas" panose="020B0609020204030204" pitchFamily="49" charset="0"/>
               </a:rPr>
               <a:t>parseVariableCommon</a:t>
             </a:r>
             <a:r>
-              <a:rPr lang="en-US" sz="1750" dirty="0">
+              <a:rPr lang="en-US" sz="1800" dirty="0">
                 <a:latin typeface="Consolas" panose="020B0609020204030204" pitchFamily="49" charset="0"/>
               </a:rPr>
               <a:t>()</a:t>
@@ -31582,12 +31650,12 @@
           <a:p>
             <a:pPr marL="0" indent="0">
               <a:spcBef>
-                <a:spcPts val="100"/>
+                <a:spcPts val="0"/>
               </a:spcBef>
               <a:buNone/>
             </a:pPr>
             <a:r>
-              <a:rPr lang="en-US" sz="1750" dirty="0">
+              <a:rPr lang="en-US" sz="1800" dirty="0">
                 <a:latin typeface="Consolas" panose="020B0609020204030204" pitchFamily="49" charset="0"/>
               </a:rPr>
               <a:t>  {</a:t>
@@ -31596,59 +31664,59 @@
           <a:p>
             <a:pPr marL="0" indent="0">
               <a:spcBef>
-                <a:spcPts val="100"/>
+                <a:spcPts val="0"/>
               </a:spcBef>
               <a:buNone/>
             </a:pPr>
             <a:r>
-              <a:rPr lang="en-US" sz="1750" dirty="0">
+              <a:rPr lang="en-US" sz="1800" dirty="0">
                 <a:latin typeface="Consolas" panose="020B0609020204030204" pitchFamily="49" charset="0"/>
               </a:rPr>
               <a:t>    </a:t>
             </a:r>
             <a:r>
-              <a:rPr lang="en-US" sz="1750" dirty="0" err="1">
+              <a:rPr lang="en-US" sz="1800" dirty="0" err="1">
                 <a:latin typeface="Consolas" panose="020B0609020204030204" pitchFamily="49" charset="0"/>
               </a:rPr>
               <a:t>val</a:t>
             </a:r>
             <a:r>
-              <a:rPr lang="en-US" sz="1750" dirty="0">
+              <a:rPr lang="en-US" sz="1800" dirty="0">
                 <a:latin typeface="Consolas" panose="020B0609020204030204" pitchFamily="49" charset="0"/>
               </a:rPr>
               <a:t> </a:t>
             </a:r>
             <a:r>
-              <a:rPr lang="en-US" sz="1750" dirty="0" err="1">
+              <a:rPr lang="en-US" sz="1800" dirty="0" err="1">
                 <a:latin typeface="Consolas" panose="020B0609020204030204" pitchFamily="49" charset="0"/>
               </a:rPr>
               <a:t>idToken</a:t>
             </a:r>
             <a:r>
-              <a:rPr lang="en-US" sz="1750" dirty="0">
+              <a:rPr lang="en-US" sz="1800" dirty="0">
                 <a:latin typeface="Consolas" panose="020B0609020204030204" pitchFamily="49" charset="0"/>
               </a:rPr>
               <a:t> = </a:t>
             </a:r>
             <a:r>
-              <a:rPr lang="en-US" sz="1750" dirty="0" err="1">
+              <a:rPr lang="en-US" sz="1800" dirty="0" err="1">
                 <a:latin typeface="Consolas" panose="020B0609020204030204" pitchFamily="49" charset="0"/>
               </a:rPr>
               <a:t>scanner.token</a:t>
             </a:r>
-            <a:endParaRPr lang="en-US" sz="1750" dirty="0">
+            <a:endParaRPr lang="en-US" sz="1800" dirty="0">
               <a:latin typeface="Consolas" panose="020B0609020204030204" pitchFamily="49" charset="0"/>
             </a:endParaRPr>
           </a:p>
           <a:p>
             <a:pPr marL="0" indent="0">
               <a:spcBef>
-                <a:spcPts val="100"/>
+                <a:spcPts val="0"/>
               </a:spcBef>
               <a:buNone/>
             </a:pPr>
             <a:r>
-              <a:rPr lang="en-US" sz="1750" dirty="0">
+              <a:rPr lang="en-US" sz="1800" dirty="0">
                 <a:latin typeface="Consolas" panose="020B0609020204030204" pitchFamily="49" charset="0"/>
               </a:rPr>
               <a:t>    match(Symbol.identifier)</a:t>
@@ -31657,48 +31725,48 @@
           <a:p>
             <a:pPr marL="0" indent="0">
               <a:spcBef>
-                <a:spcPts val="100"/>
+                <a:spcPts val="0"/>
               </a:spcBef>
               <a:buNone/>
             </a:pPr>
             <a:r>
-              <a:rPr lang="en-US" sz="1750" dirty="0">
+              <a:rPr lang="en-US" sz="1800" dirty="0">
                 <a:latin typeface="Consolas" panose="020B0609020204030204" pitchFamily="49" charset="0"/>
               </a:rPr>
               <a:t>    </a:t>
             </a:r>
             <a:r>
-              <a:rPr lang="en-US" sz="1750" dirty="0" err="1">
+              <a:rPr lang="en-US" sz="1800" dirty="0" err="1">
                 <a:latin typeface="Consolas" panose="020B0609020204030204" pitchFamily="49" charset="0"/>
               </a:rPr>
               <a:t>val</a:t>
             </a:r>
             <a:r>
-              <a:rPr lang="en-US" sz="1750" dirty="0">
+              <a:rPr lang="en-US" sz="1800" dirty="0">
                 <a:latin typeface="Consolas" panose="020B0609020204030204" pitchFamily="49" charset="0"/>
               </a:rPr>
               <a:t> idType = </a:t>
             </a:r>
             <a:r>
-              <a:rPr lang="en-US" sz="1750" dirty="0" err="1">
+              <a:rPr lang="en-US" sz="1800" dirty="0" err="1">
                 <a:latin typeface="Consolas" panose="020B0609020204030204" pitchFamily="49" charset="0"/>
               </a:rPr>
               <a:t>idTable</a:t>
             </a:r>
             <a:r>
-              <a:rPr lang="en-US" sz="1750" dirty="0">
+              <a:rPr lang="en-US" sz="1800" dirty="0">
                 <a:latin typeface="Consolas" panose="020B0609020204030204" pitchFamily="49" charset="0"/>
               </a:rPr>
               <a:t>[</a:t>
             </a:r>
             <a:r>
-              <a:rPr lang="en-US" sz="1750" dirty="0" err="1">
+              <a:rPr lang="en-US" sz="1800" dirty="0" err="1">
                 <a:latin typeface="Consolas" panose="020B0609020204030204" pitchFamily="49" charset="0"/>
               </a:rPr>
               <a:t>idToken.text</a:t>
             </a:r>
             <a:r>
-              <a:rPr lang="en-US" sz="1750" dirty="0">
+              <a:rPr lang="en-US" sz="1800" dirty="0">
                 <a:latin typeface="Consolas" panose="020B0609020204030204" pitchFamily="49" charset="0"/>
               </a:rPr>
               <a:t>]</a:t>
@@ -31707,23 +31775,23 @@
           <a:p>
             <a:pPr marL="0" indent="0">
               <a:spcBef>
-                <a:spcPts val="100"/>
+                <a:spcPts val="0"/>
               </a:spcBef>
               <a:buNone/>
             </a:pPr>
-            <a:endParaRPr lang="en-US" sz="1750" dirty="0">
+            <a:endParaRPr lang="en-US" sz="1800" dirty="0">
               <a:latin typeface="Consolas" panose="020B0609020204030204" pitchFamily="49" charset="0"/>
             </a:endParaRPr>
           </a:p>
           <a:p>
             <a:pPr marL="0" indent="0">
               <a:spcBef>
-                <a:spcPts val="100"/>
+                <a:spcPts val="0"/>
               </a:spcBef>
               <a:buNone/>
             </a:pPr>
             <a:r>
-              <a:rPr lang="en-US" sz="1750" dirty="0">
+              <a:rPr lang="en-US" sz="1800" dirty="0">
                 <a:latin typeface="Consolas" panose="020B0609020204030204" pitchFamily="49" charset="0"/>
               </a:rPr>
               <a:t>    if (idType == null)</a:t>
@@ -31732,12 +31800,12 @@
           <a:p>
             <a:pPr marL="0" indent="0">
               <a:spcBef>
-                <a:spcPts val="100"/>
+                <a:spcPts val="0"/>
               </a:spcBef>
               <a:buNone/>
             </a:pPr>
             <a:r>
-              <a:rPr lang="en-US" sz="1750" dirty="0">
+              <a:rPr lang="en-US" sz="1800" dirty="0">
                 <a:latin typeface="Consolas" panose="020B0609020204030204" pitchFamily="49" charset="0"/>
               </a:rPr>
               <a:t>      {</a:t>
@@ -31746,48 +31814,48 @@
           <a:p>
             <a:pPr marL="0" indent="0">
               <a:spcBef>
-                <a:spcPts val="100"/>
+                <a:spcPts val="0"/>
               </a:spcBef>
               <a:buNone/>
             </a:pPr>
             <a:r>
-              <a:rPr lang="en-US" sz="1750" dirty="0">
+              <a:rPr lang="en-US" sz="1800" dirty="0">
                 <a:latin typeface="Consolas" panose="020B0609020204030204" pitchFamily="49" charset="0"/>
               </a:rPr>
               <a:t>        </a:t>
             </a:r>
             <a:r>
-              <a:rPr lang="en-US" sz="1750" dirty="0" err="1">
+              <a:rPr lang="en-US" sz="1800" dirty="0" err="1">
                 <a:latin typeface="Consolas" panose="020B0609020204030204" pitchFamily="49" charset="0"/>
               </a:rPr>
               <a:t>val</a:t>
             </a:r>
             <a:r>
-              <a:rPr lang="en-US" sz="1750" dirty="0">
+              <a:rPr lang="en-US" sz="1800" dirty="0">
                 <a:latin typeface="Consolas" panose="020B0609020204030204" pitchFamily="49" charset="0"/>
               </a:rPr>
               <a:t> </a:t>
             </a:r>
             <a:r>
-              <a:rPr lang="en-US" sz="1750" dirty="0" err="1">
+              <a:rPr lang="en-US" sz="1800" dirty="0" err="1">
                 <a:latin typeface="Consolas" panose="020B0609020204030204" pitchFamily="49" charset="0"/>
               </a:rPr>
               <a:t>errorMsg</a:t>
             </a:r>
             <a:r>
-              <a:rPr lang="en-US" sz="1750" dirty="0">
+              <a:rPr lang="en-US" sz="1800" dirty="0">
                 <a:latin typeface="Consolas" panose="020B0609020204030204" pitchFamily="49" charset="0"/>
               </a:rPr>
               <a:t> = "Identifier \"$</a:t>
             </a:r>
             <a:r>
-              <a:rPr lang="en-US" sz="1750" dirty="0" err="1">
+              <a:rPr lang="en-US" sz="1800" dirty="0" err="1">
                 <a:latin typeface="Consolas" panose="020B0609020204030204" pitchFamily="49" charset="0"/>
               </a:rPr>
               <a:t>idToken</a:t>
             </a:r>
             <a:r>
-              <a:rPr lang="en-US" sz="1750" dirty="0">
+              <a:rPr lang="en-US" sz="1800" dirty="0">
                 <a:latin typeface="Consolas" panose="020B0609020204030204" pitchFamily="49" charset="0"/>
               </a:rPr>
               <a:t>\" has not " +</a:t>
@@ -31796,12 +31864,12 @@
           <a:p>
             <a:pPr marL="0" indent="0">
               <a:spcBef>
-                <a:spcPts val="100"/>
+                <a:spcPts val="0"/>
               </a:spcBef>
               <a:buNone/>
             </a:pPr>
             <a:r>
-              <a:rPr lang="en-US" sz="1750" dirty="0">
+              <a:rPr lang="en-US" sz="1800" dirty="0">
                 <a:latin typeface="Consolas" panose="020B0609020204030204" pitchFamily="49" charset="0"/>
               </a:rPr>
               <a:t>                       "been declared."</a:t>
@@ -31810,36 +31878,36 @@
           <a:p>
             <a:pPr marL="0" indent="0">
               <a:spcBef>
-                <a:spcPts val="100"/>
+                <a:spcPts val="0"/>
               </a:spcBef>
               <a:buNone/>
             </a:pPr>
             <a:r>
-              <a:rPr lang="en-US" sz="1750" dirty="0">
+              <a:rPr lang="en-US" sz="1800" dirty="0">
                 <a:latin typeface="Consolas" panose="020B0609020204030204" pitchFamily="49" charset="0"/>
               </a:rPr>
               <a:t>        throw error(</a:t>
             </a:r>
             <a:r>
-              <a:rPr lang="en-US" sz="1750" dirty="0" err="1">
+              <a:rPr lang="en-US" sz="1800" dirty="0" err="1">
                 <a:latin typeface="Consolas" panose="020B0609020204030204" pitchFamily="49" charset="0"/>
               </a:rPr>
               <a:t>idToken.position</a:t>
             </a:r>
             <a:r>
-              <a:rPr lang="en-US" sz="1750" dirty="0">
+              <a:rPr lang="en-US" sz="1800" dirty="0">
                 <a:latin typeface="Consolas" panose="020B0609020204030204" pitchFamily="49" charset="0"/>
               </a:rPr>
               <a:t>, </a:t>
             </a:r>
             <a:r>
-              <a:rPr lang="en-US" sz="1750" dirty="0" err="1">
+              <a:rPr lang="en-US" sz="1800" dirty="0" err="1">
                 <a:latin typeface="Consolas" panose="020B0609020204030204" pitchFamily="49" charset="0"/>
               </a:rPr>
               <a:t>errorMsg</a:t>
             </a:r>
             <a:r>
-              <a:rPr lang="en-US" sz="1750" dirty="0">
+              <a:rPr lang="en-US" sz="1800" dirty="0">
                 <a:latin typeface="Consolas" panose="020B0609020204030204" pitchFamily="49" charset="0"/>
               </a:rPr>
               <a:t>)</a:t>
@@ -31848,12 +31916,12 @@
           <a:p>
             <a:pPr marL="0" indent="0">
               <a:spcBef>
-                <a:spcPts val="100"/>
+                <a:spcPts val="0"/>
               </a:spcBef>
               <a:buNone/>
             </a:pPr>
             <a:r>
-              <a:rPr lang="en-US" sz="1750" dirty="0">
+              <a:rPr lang="en-US" sz="1800" dirty="0">
                 <a:latin typeface="Consolas" panose="020B0609020204030204" pitchFamily="49" charset="0"/>
               </a:rPr>
               <a:t>      }</a:t>
@@ -31862,12 +31930,12 @@
           <a:p>
             <a:pPr marL="0" indent="0">
               <a:spcBef>
-                <a:spcPts val="100"/>
+                <a:spcPts val="0"/>
               </a:spcBef>
               <a:buNone/>
             </a:pPr>
             <a:r>
-              <a:rPr lang="en-US" sz="1750" dirty="0">
+              <a:rPr lang="en-US" sz="1800" dirty="0">
                 <a:latin typeface="Consolas" panose="020B0609020204030204" pitchFamily="49" charset="0"/>
               </a:rPr>
               <a:t>    else if (idType !== IdType.variableId)</a:t>
@@ -31876,12 +31944,12 @@
           <a:p>
             <a:pPr marL="0" indent="0">
               <a:spcBef>
-                <a:spcPts val="100"/>
+                <a:spcPts val="0"/>
               </a:spcBef>
               <a:buNone/>
             </a:pPr>
             <a:r>
-              <a:rPr lang="en-US" sz="1750" dirty="0">
+              <a:rPr lang="en-US" sz="1800" dirty="0">
                 <a:latin typeface="Consolas" panose="020B0609020204030204" pitchFamily="49" charset="0"/>
               </a:rPr>
               <a:t>      {</a:t>
@@ -31890,48 +31958,48 @@
           <a:p>
             <a:pPr marL="0" indent="0">
               <a:spcBef>
-                <a:spcPts val="100"/>
+                <a:spcPts val="0"/>
               </a:spcBef>
               <a:buNone/>
             </a:pPr>
             <a:r>
-              <a:rPr lang="en-US" sz="1750" dirty="0">
+              <a:rPr lang="en-US" sz="1800" dirty="0">
                 <a:latin typeface="Consolas" panose="020B0609020204030204" pitchFamily="49" charset="0"/>
               </a:rPr>
               <a:t>        </a:t>
             </a:r>
             <a:r>
-              <a:rPr lang="en-US" sz="1750" dirty="0" err="1">
+              <a:rPr lang="en-US" sz="1800" dirty="0" err="1">
                 <a:latin typeface="Consolas" panose="020B0609020204030204" pitchFamily="49" charset="0"/>
               </a:rPr>
               <a:t>val</a:t>
             </a:r>
             <a:r>
-              <a:rPr lang="en-US" sz="1750" dirty="0">
+              <a:rPr lang="en-US" sz="1800" dirty="0">
                 <a:latin typeface="Consolas" panose="020B0609020204030204" pitchFamily="49" charset="0"/>
               </a:rPr>
               <a:t> </a:t>
             </a:r>
             <a:r>
-              <a:rPr lang="en-US" sz="1750" dirty="0" err="1">
+              <a:rPr lang="en-US" sz="1800" dirty="0" err="1">
                 <a:latin typeface="Consolas" panose="020B0609020204030204" pitchFamily="49" charset="0"/>
               </a:rPr>
               <a:t>errorMsg</a:t>
             </a:r>
             <a:r>
-              <a:rPr lang="en-US" sz="1750" dirty="0">
+              <a:rPr lang="en-US" sz="1800" dirty="0">
                 <a:latin typeface="Consolas" panose="020B0609020204030204" pitchFamily="49" charset="0"/>
               </a:rPr>
               <a:t> = "Identifier \"$</a:t>
             </a:r>
             <a:r>
-              <a:rPr lang="en-US" sz="1750" dirty="0" err="1">
+              <a:rPr lang="en-US" sz="1800" dirty="0" err="1">
                 <a:latin typeface="Consolas" panose="020B0609020204030204" pitchFamily="49" charset="0"/>
               </a:rPr>
               <a:t>idToken</a:t>
             </a:r>
             <a:r>
-              <a:rPr lang="en-US" sz="1750" dirty="0">
+              <a:rPr lang="en-US" sz="1800" dirty="0">
                 <a:latin typeface="Consolas" panose="020B0609020204030204" pitchFamily="49" charset="0"/>
               </a:rPr>
               <a:t>\" is not a variable."</a:t>
@@ -31940,36 +32008,36 @@
           <a:p>
             <a:pPr marL="0" indent="0">
               <a:spcBef>
-                <a:spcPts val="100"/>
+                <a:spcPts val="0"/>
               </a:spcBef>
               <a:buNone/>
             </a:pPr>
             <a:r>
-              <a:rPr lang="en-US" sz="1750" dirty="0">
+              <a:rPr lang="en-US" sz="1800" dirty="0">
                 <a:latin typeface="Consolas" panose="020B0609020204030204" pitchFamily="49" charset="0"/>
               </a:rPr>
               <a:t>        throw error(</a:t>
             </a:r>
             <a:r>
-              <a:rPr lang="en-US" sz="1750" dirty="0" err="1">
+              <a:rPr lang="en-US" sz="1800" dirty="0" err="1">
                 <a:latin typeface="Consolas" panose="020B0609020204030204" pitchFamily="49" charset="0"/>
               </a:rPr>
               <a:t>idToken.position</a:t>
             </a:r>
             <a:r>
-              <a:rPr lang="en-US" sz="1750" dirty="0">
+              <a:rPr lang="en-US" sz="1800" dirty="0">
                 <a:latin typeface="Consolas" panose="020B0609020204030204" pitchFamily="49" charset="0"/>
               </a:rPr>
               <a:t>, </a:t>
             </a:r>
             <a:r>
-              <a:rPr lang="en-US" sz="1750" dirty="0" err="1">
+              <a:rPr lang="en-US" sz="1800" dirty="0" err="1">
                 <a:latin typeface="Consolas" panose="020B0609020204030204" pitchFamily="49" charset="0"/>
               </a:rPr>
               <a:t>errorMsg</a:t>
             </a:r>
             <a:r>
-              <a:rPr lang="en-US" sz="1750" dirty="0">
+              <a:rPr lang="en-US" sz="1800" dirty="0">
                 <a:latin typeface="Consolas" panose="020B0609020204030204" pitchFamily="49" charset="0"/>
               </a:rPr>
               <a:t>)</a:t>
@@ -31978,12 +32046,12 @@
           <a:p>
             <a:pPr marL="0" indent="0">
               <a:spcBef>
-                <a:spcPts val="100"/>
+                <a:spcPts val="0"/>
               </a:spcBef>
               <a:buNone/>
             </a:pPr>
             <a:r>
-              <a:rPr lang="en-US" sz="1750" dirty="0">
+              <a:rPr lang="en-US" sz="1800" dirty="0">
                 <a:latin typeface="Consolas" panose="020B0609020204030204" pitchFamily="49" charset="0"/>
               </a:rPr>
               <a:t>      }</a:t>
@@ -32075,7 +32143,7 @@
         </p:nvSpPr>
         <p:spPr>
           <a:xfrm>
-            <a:off x="3048000" y="6000690"/>
+            <a:off x="3048000" y="5899090"/>
             <a:ext cx="2977097" cy="400110"/>
           </a:xfrm>
           <a:prstGeom prst="rect">
@@ -32194,184 +32262,184 @@
           <a:bodyPr/>
           <a:lstStyle/>
           <a:p>
-            <a:pPr marL="182880" indent="0">
+            <a:pPr marL="91440" indent="0">
               <a:spcBef>
                 <a:spcPts val="100"/>
               </a:spcBef>
               <a:buNone/>
             </a:pPr>
             <a:r>
-              <a:rPr lang="en-US" sz="1750" dirty="0">
+              <a:rPr lang="en-US" sz="1800" dirty="0">
                 <a:latin typeface="Consolas" panose="020B0609020204030204" pitchFamily="49" charset="0"/>
               </a:rPr>
               <a:t>    while (</a:t>
             </a:r>
             <a:r>
-              <a:rPr lang="en-US" sz="1750" dirty="0" err="1">
+              <a:rPr lang="en-US" sz="1800" dirty="0" err="1">
                 <a:latin typeface="Consolas" panose="020B0609020204030204" pitchFamily="49" charset="0"/>
               </a:rPr>
               <a:t>scanner.symbol.isSelectorStarter</a:t>
             </a:r>
             <a:r>
-              <a:rPr lang="en-US" sz="1750" dirty="0">
+              <a:rPr lang="en-US" sz="1800" dirty="0">
                 <a:latin typeface="Consolas" panose="020B0609020204030204" pitchFamily="49" charset="0"/>
               </a:rPr>
               <a:t>())</a:t>
             </a:r>
           </a:p>
           <a:p>
-            <a:pPr marL="182880" indent="0">
+            <a:pPr marL="91440" indent="0">
               <a:spcBef>
                 <a:spcPts val="100"/>
               </a:spcBef>
               <a:buNone/>
             </a:pPr>
             <a:r>
-              <a:rPr lang="en-US" sz="1750" dirty="0">
+              <a:rPr lang="en-US" sz="1800" dirty="0">
                 <a:latin typeface="Consolas" panose="020B0609020204030204" pitchFamily="49" charset="0"/>
               </a:rPr>
               <a:t>      {</a:t>
             </a:r>
           </a:p>
           <a:p>
-            <a:pPr marL="182880" indent="0">
+            <a:pPr marL="91440" indent="0">
               <a:spcBef>
                 <a:spcPts val="100"/>
               </a:spcBef>
               <a:buNone/>
             </a:pPr>
             <a:r>
-              <a:rPr lang="en-US" sz="1750" dirty="0">
+              <a:rPr lang="en-US" sz="1800" dirty="0">
                 <a:latin typeface="Consolas" panose="020B0609020204030204" pitchFamily="49" charset="0"/>
               </a:rPr>
               <a:t>        if (</a:t>
             </a:r>
             <a:r>
-              <a:rPr lang="en-US" sz="1750" dirty="0" err="1">
+              <a:rPr lang="en-US" sz="1800" dirty="0" err="1">
                 <a:latin typeface="Consolas" panose="020B0609020204030204" pitchFamily="49" charset="0"/>
               </a:rPr>
               <a:t>scanner.symbol</a:t>
             </a:r>
             <a:r>
-              <a:rPr lang="en-US" sz="1750" dirty="0">
+              <a:rPr lang="en-US" sz="1800" dirty="0">
                 <a:latin typeface="Consolas" panose="020B0609020204030204" pitchFamily="49" charset="0"/>
               </a:rPr>
               <a:t> == </a:t>
             </a:r>
             <a:r>
-              <a:rPr lang="en-US" sz="1750" dirty="0" err="1">
+              <a:rPr lang="en-US" sz="1800" dirty="0" err="1">
                 <a:latin typeface="Consolas" panose="020B0609020204030204" pitchFamily="49" charset="0"/>
               </a:rPr>
               <a:t>Symbol.leftBracket</a:t>
             </a:r>
             <a:r>
-              <a:rPr lang="en-US" sz="1750" dirty="0">
+              <a:rPr lang="en-US" sz="1800" dirty="0">
                 <a:latin typeface="Consolas" panose="020B0609020204030204" pitchFamily="49" charset="0"/>
               </a:rPr>
               <a:t>)</a:t>
             </a:r>
           </a:p>
           <a:p>
-            <a:pPr marL="182880" indent="0">
+            <a:pPr marL="91440" indent="0">
               <a:spcBef>
                 <a:spcPts val="100"/>
               </a:spcBef>
               <a:buNone/>
             </a:pPr>
             <a:r>
-              <a:rPr lang="en-US" sz="1750" dirty="0">
+              <a:rPr lang="en-US" sz="1800" dirty="0">
                 <a:latin typeface="Consolas" panose="020B0609020204030204" pitchFamily="49" charset="0"/>
               </a:rPr>
               <a:t>            </a:t>
             </a:r>
             <a:r>
-              <a:rPr lang="en-US" sz="1750" dirty="0" err="1">
+              <a:rPr lang="en-US" sz="1800" dirty="0" err="1">
                 <a:latin typeface="Consolas" panose="020B0609020204030204" pitchFamily="49" charset="0"/>
               </a:rPr>
               <a:t>parseIndexExpr</a:t>
             </a:r>
             <a:r>
-              <a:rPr lang="en-US" sz="1750" dirty="0">
+              <a:rPr lang="en-US" sz="1800" dirty="0">
                 <a:latin typeface="Consolas" panose="020B0609020204030204" pitchFamily="49" charset="0"/>
               </a:rPr>
               <a:t>()</a:t>
             </a:r>
           </a:p>
           <a:p>
-            <a:pPr marL="182880" indent="0">
+            <a:pPr marL="91440" indent="0">
               <a:spcBef>
                 <a:spcPts val="100"/>
               </a:spcBef>
               <a:buNone/>
             </a:pPr>
             <a:r>
-              <a:rPr lang="en-US" sz="1750" dirty="0">
+              <a:rPr lang="en-US" sz="1800" dirty="0">
                 <a:latin typeface="Consolas" panose="020B0609020204030204" pitchFamily="49" charset="0"/>
               </a:rPr>
               <a:t>        else if (</a:t>
             </a:r>
             <a:r>
-              <a:rPr lang="en-US" sz="1750" dirty="0" err="1">
+              <a:rPr lang="en-US" sz="1800" dirty="0" err="1">
                 <a:latin typeface="Consolas" panose="020B0609020204030204" pitchFamily="49" charset="0"/>
               </a:rPr>
               <a:t>scanner.symbol</a:t>
             </a:r>
             <a:r>
-              <a:rPr lang="en-US" sz="1750" dirty="0">
+              <a:rPr lang="en-US" sz="1800" dirty="0">
                 <a:latin typeface="Consolas" panose="020B0609020204030204" pitchFamily="49" charset="0"/>
               </a:rPr>
               <a:t> == Symbol.dot)</a:t>
             </a:r>
           </a:p>
           <a:p>
-            <a:pPr marL="182880" indent="0">
+            <a:pPr marL="91440" indent="0">
               <a:spcBef>
                 <a:spcPts val="100"/>
               </a:spcBef>
               <a:buNone/>
             </a:pPr>
             <a:r>
-              <a:rPr lang="en-US" sz="1750" dirty="0">
+              <a:rPr lang="en-US" sz="1800" dirty="0">
                 <a:latin typeface="Consolas" panose="020B0609020204030204" pitchFamily="49" charset="0"/>
               </a:rPr>
               <a:t>            </a:t>
             </a:r>
             <a:r>
-              <a:rPr lang="en-US" sz="1750" dirty="0" err="1">
+              <a:rPr lang="en-US" sz="1800" dirty="0" err="1">
                 <a:latin typeface="Consolas" panose="020B0609020204030204" pitchFamily="49" charset="0"/>
               </a:rPr>
               <a:t>parseFieldExpr</a:t>
             </a:r>
             <a:r>
-              <a:rPr lang="en-US" sz="1750" dirty="0">
+              <a:rPr lang="en-US" sz="1800" dirty="0">
                 <a:latin typeface="Consolas" panose="020B0609020204030204" pitchFamily="49" charset="0"/>
               </a:rPr>
               <a:t>()</a:t>
             </a:r>
           </a:p>
           <a:p>
-            <a:pPr marL="182880" indent="0">
+            <a:pPr marL="91440" indent="0">
               <a:spcBef>
                 <a:spcPts val="100"/>
               </a:spcBef>
               <a:buNone/>
             </a:pPr>
             <a:r>
-              <a:rPr lang="en-US" sz="1750" dirty="0">
+              <a:rPr lang="en-US" sz="1800" dirty="0">
                 <a:latin typeface="Consolas" panose="020B0609020204030204" pitchFamily="49" charset="0"/>
               </a:rPr>
               <a:t>      }</a:t>
             </a:r>
           </a:p>
           <a:p>
-            <a:pPr marL="182880" indent="0">
+            <a:pPr marL="91440" indent="0">
               <a:spcBef>
                 <a:spcPts val="100"/>
               </a:spcBef>
               <a:buNone/>
             </a:pPr>
             <a:r>
-              <a:rPr lang="en-US" sz="1750" dirty="0">
+              <a:rPr lang="en-US" sz="1800" dirty="0">
                 <a:latin typeface="Consolas" panose="020B0609020204030204" pitchFamily="49" charset="0"/>
               </a:rPr>
               <a:t>  }</a:t>
@@ -32729,7 +32797,7 @@
               <a:rPr lang="es-ES" sz="1800" dirty="0" err="1">
                 <a:latin typeface="Consolas" panose="020B0609020204030204" pitchFamily="49" charset="0"/>
               </a:rPr>
-              <a:t>errorHandler.reportError</a:t>
+              <a:t>ErrorHandler.reportError</a:t>
             </a:r>
             <a:r>
               <a:rPr lang="es-ES" sz="1800" dirty="0">
@@ -33373,6 +33441,62 @@
               <a:rPr lang="en-US" sz="1800" dirty="0">
                 <a:latin typeface="Consolas" panose="020B0609020204030204" pitchFamily="49" charset="0"/>
               </a:rPr>
+              <a:t> </a:t>
+            </a:r>
+            <a:r>
+              <a:rPr lang="en-US" sz="1800" dirty="0" err="1">
+                <a:latin typeface="Consolas" panose="020B0609020204030204" pitchFamily="49" charset="0"/>
+              </a:rPr>
+              <a:t>fileReader</a:t>
+            </a:r>
+            <a:r>
+              <a:rPr lang="en-US" sz="1800" dirty="0">
+                <a:latin typeface="Consolas" panose="020B0609020204030204" pitchFamily="49" charset="0"/>
+              </a:rPr>
+              <a:t>   = </a:t>
+            </a:r>
+            <a:r>
+              <a:rPr lang="en-US" sz="1800" dirty="0" err="1">
+                <a:latin typeface="Consolas" panose="020B0609020204030204" pitchFamily="49" charset="0"/>
+              </a:rPr>
+              <a:t>FileReader</a:t>
+            </a:r>
+            <a:r>
+              <a:rPr lang="en-US" sz="1800" dirty="0">
+                <a:latin typeface="Consolas" panose="020B0609020204030204" pitchFamily="49" charset="0"/>
+              </a:rPr>
+              <a:t>(</a:t>
+            </a:r>
+            <a:r>
+              <a:rPr lang="en-US" sz="1800" dirty="0" err="1">
+                <a:latin typeface="Consolas" panose="020B0609020204030204" pitchFamily="49" charset="0"/>
+              </a:rPr>
+              <a:t>sourceFile</a:t>
+            </a:r>
+            <a:r>
+              <a:rPr lang="en-US" sz="1800" dirty="0">
+                <a:latin typeface="Consolas" panose="020B0609020204030204" pitchFamily="49" charset="0"/>
+              </a:rPr>
+              <a:t>, Charsets.UTF_8)</a:t>
+            </a:r>
+          </a:p>
+          <a:p>
+            <a:pPr marL="182880" indent="0">
+              <a:spcBef>
+                <a:spcPts val="200"/>
+              </a:spcBef>
+              <a:buNone/>
+            </a:pPr>
+            <a:r>
+              <a:rPr lang="en-US" sz="1800" dirty="0" err="1">
+                <a:latin typeface="Consolas" panose="020B0609020204030204" pitchFamily="49" charset="0"/>
+              </a:rPr>
+              <a:t>val</a:t>
+            </a:r>
+            <a:r>
+              <a:rPr lang="en-US" sz="1800" dirty="0">
+                <a:latin typeface="Consolas" panose="020B0609020204030204" pitchFamily="49" charset="0"/>
+              </a:rPr>
               <a:t> reader  = </a:t>
             </a:r>
             <a:r>
@@ -33391,36 +33515,13 @@
               <a:rPr lang="en-US" sz="1800" dirty="0" err="1">
                 <a:latin typeface="Consolas" panose="020B0609020204030204" pitchFamily="49" charset="0"/>
               </a:rPr>
-              <a:t>FileReader</a:t>
-            </a:r>
-            <a:r>
-              <a:rPr lang="en-US" sz="1800" dirty="0">
-                <a:latin typeface="Consolas" panose="020B0609020204030204" pitchFamily="49" charset="0"/>
-              </a:rPr>
-              <a:t>(</a:t>
-            </a:r>
-            <a:r>
-              <a:rPr lang="en-US" sz="1800" dirty="0" err="1">
-                <a:latin typeface="Consolas" panose="020B0609020204030204" pitchFamily="49" charset="0"/>
-              </a:rPr>
-              <a:t>sourceFile</a:t>
-            </a:r>
-            <a:r>
-              <a:rPr lang="en-US" sz="1800" dirty="0">
-                <a:latin typeface="Consolas" panose="020B0609020204030204" pitchFamily="49" charset="0"/>
-              </a:rPr>
-              <a:t>,</a:t>
-            </a:r>
-            <a:br>
-              <a:rPr lang="en-US" sz="1800" dirty="0">
-                <a:latin typeface="Consolas" panose="020B0609020204030204" pitchFamily="49" charset="0"/>
-              </a:rPr>
-            </a:br>
-            <a:r>
-              <a:rPr lang="en-US" sz="1800" dirty="0">
-                <a:latin typeface="Consolas" panose="020B0609020204030204" pitchFamily="49" charset="0"/>
-              </a:rPr>
-              <a:t>                                      StandardCharsets.UTF_8))</a:t>
+              <a:t>fileReader</a:t>
+            </a:r>
+            <a:r>
+              <a:rPr lang="en-US" sz="1800" dirty="0">
+                <a:latin typeface="Consolas" panose="020B0609020204030204" pitchFamily="49" charset="0"/>
+              </a:rPr>
+              <a:t>)</a:t>
             </a:r>
           </a:p>
           <a:p>

--- a/PowerPoints/06 - Syntax Analysis.pptx
+++ b/PowerPoints/06 - Syntax Analysis.pptx
@@ -21,7 +21,7 @@
     <p:sldId id="407" r:id="rId9"/>
     <p:sldId id="310" r:id="rId10"/>
     <p:sldId id="409" r:id="rId11"/>
-    <p:sldId id="315" r:id="rId12"/>
+    <p:sldId id="417" r:id="rId12"/>
     <p:sldId id="410" r:id="rId13"/>
     <p:sldId id="311" r:id="rId14"/>
     <p:sldId id="292" r:id="rId15"/>
@@ -34,8 +34,8 @@
     <p:sldId id="413" r:id="rId22"/>
     <p:sldId id="345" r:id="rId23"/>
     <p:sldId id="414" r:id="rId24"/>
-    <p:sldId id="417" r:id="rId25"/>
-    <p:sldId id="418" r:id="rId26"/>
+    <p:sldId id="418" r:id="rId25"/>
+    <p:sldId id="419" r:id="rId26"/>
     <p:sldId id="374" r:id="rId27"/>
     <p:sldId id="347" r:id="rId28"/>
     <p:sldId id="385" r:id="rId29"/>
@@ -12014,6 +12014,68 @@
           </a:p>
         </p:txBody>
       </p:sp>
+      <p:sp>
+        <p:nvSpPr>
+          <p:cNvPr id="2" name="TextBox 1">
+            <a:extLst>
+              <a:ext uri="{FF2B5EF4-FFF2-40B4-BE49-F238E27FC236}">
+                <a16:creationId xmlns:a16="http://schemas.microsoft.com/office/drawing/2014/main" id="{ED240350-9122-3624-3CDD-071AF8B6D7E6}"/>
+              </a:ext>
+            </a:extLst>
+          </p:cNvPr>
+          <p:cNvSpPr txBox="1"/>
+          <p:nvPr/>
+        </p:nvSpPr>
+        <p:spPr>
+          <a:xfrm>
+            <a:off x="1201526" y="3505200"/>
+            <a:ext cx="6740948" cy="1569660"/>
+          </a:xfrm>
+          <a:prstGeom prst="rect">
+            <a:avLst/>
+          </a:prstGeom>
+          <a:noFill/>
+          <a:ln>
+            <a:solidFill>
+              <a:schemeClr val="tx1"/>
+            </a:solidFill>
+          </a:ln>
+        </p:spPr>
+        <p:txBody>
+          <a:bodyPr wrap="none" rtlCol="0">
+            <a:spAutoFit/>
+          </a:bodyPr>
+          <a:lstStyle/>
+          <a:p>
+            <a:pPr algn="l"/>
+            <a:r>
+              <a:rPr lang="en-US" dirty="0"/>
+              <a:t>The examples that follow use braces “{” and “}” </a:t>
+            </a:r>
+          </a:p>
+          <a:p>
+            <a:pPr algn="l"/>
+            <a:r>
+              <a:rPr lang="en-US" dirty="0"/>
+              <a:t>both as set notation to indicate membership and</a:t>
+            </a:r>
+          </a:p>
+          <a:p>
+            <a:pPr algn="l"/>
+            <a:r>
+              <a:rPr lang="en-US" dirty="0"/>
+              <a:t>as grammar notation to indicate zero or more.  </a:t>
+            </a:r>
+          </a:p>
+          <a:p>
+            <a:pPr algn="l"/>
+            <a:r>
+              <a:rPr lang="en-US" dirty="0"/>
+              <a:t>The meaning should be clear from the context.</a:t>
+            </a:r>
+          </a:p>
+        </p:txBody>
+      </p:sp>
     </p:spTree>
   </p:cSld>
   <p:clrMapOvr>
@@ -12505,7 +12567,7 @@
               <a:rPr lang="en-US" sz="2000" dirty="0" err="1">
                 <a:latin typeface="Consolas" panose="020B0609020204030204" pitchFamily="49" charset="0"/>
               </a:rPr>
-              <a:t>arrayTypeDecl</a:t>
+              <a:t>typeDecl</a:t>
             </a:r>
             <a:r>
               <a:rPr lang="en-US" sz="2000" dirty="0">
@@ -12523,13 +12585,7 @@
               <a:rPr lang="en-US" sz="2000" dirty="0">
                 <a:latin typeface="Consolas" panose="020B0609020204030204" pitchFamily="49" charset="0"/>
               </a:rPr>
-              <a:t> "=" ( </a:t>
-            </a:r>
-            <a:r>
-              <a:rPr lang="en-US" sz="2000" dirty="0" err="1">
-                <a:latin typeface="Consolas" panose="020B0609020204030204" pitchFamily="49" charset="0"/>
-              </a:rPr>
-              <a:t>arrayTypeDecl</a:t>
+              <a:t> "="</a:t>
             </a:r>
             <a:br>
               <a:rPr lang="en-US" sz="2000" dirty="0">
@@ -12540,7 +12596,19 @@
               <a:rPr lang="en-US" sz="2000" dirty="0">
                 <a:latin typeface="Consolas" panose="020B0609020204030204" pitchFamily="49" charset="0"/>
               </a:rPr>
-              <a:t>           | </a:t>
+              <a:t>    ( </a:t>
+            </a:r>
+            <a:r>
+              <a:rPr lang="en-US" sz="2000" dirty="0" err="1">
+                <a:latin typeface="Consolas" panose="020B0609020204030204" pitchFamily="49" charset="0"/>
+              </a:rPr>
+              <a:t>arrayTypeDecl</a:t>
+            </a:r>
+            <a:r>
+              <a:rPr lang="en-US" sz="2000" dirty="0">
+                <a:latin typeface="Consolas" panose="020B0609020204030204" pitchFamily="49" charset="0"/>
+              </a:rPr>
+              <a:t> | </a:t>
             </a:r>
             <a:r>
               <a:rPr lang="en-US" sz="2000" dirty="0" err="1">
@@ -13004,7 +13072,7 @@
               <a:rPr lang="en-US" sz="2200" dirty="0">
                 <a:latin typeface="Consolas" panose="020B0609020204030204" pitchFamily="49" charset="0"/>
               </a:rPr>
-              <a:t>First(E) ∪ First(F) ⊆ First([E] F)</a:t>
+              <a:t>First(E) ∪ First(F) ⊆ First({E} F)</a:t>
             </a:r>
             <a:r>
               <a:rPr lang="en-US" sz="2200" dirty="0"/>
@@ -13798,7 +13866,7 @@
     </p:spTree>
     <p:extLst>
       <p:ext uri="{BB962C8B-B14F-4D97-AF65-F5344CB8AC3E}">
-        <p14:creationId xmlns:p14="http://schemas.microsoft.com/office/powerpoint/2010/main" val="544870354"/>
+        <p14:creationId xmlns:p14="http://schemas.microsoft.com/office/powerpoint/2010/main" val="2840446533"/>
       </p:ext>
     </p:extLst>
   </p:cSld>
@@ -14109,7 +14177,7 @@
     </p:spTree>
     <p:extLst>
       <p:ext uri="{BB962C8B-B14F-4D97-AF65-F5344CB8AC3E}">
-        <p14:creationId xmlns:p14="http://schemas.microsoft.com/office/powerpoint/2010/main" val="2564913334"/>
+        <p14:creationId xmlns:p14="http://schemas.microsoft.com/office/powerpoint/2010/main" val="2637340809"/>
       </p:ext>
     </p:extLst>
   </p:cSld>
@@ -26936,7 +27004,19 @@
               <a:rPr lang="en-US" dirty="0">
                 <a:latin typeface="Consolas" panose="020B0609020204030204" pitchFamily="49" charset="0"/>
               </a:rPr>
-              <a:t> : String) : IdType?</a:t>
+              <a:t> </a:t>
+            </a:r>
+            <a:r>
+              <a:rPr lang="en-US">
+                <a:latin typeface="Consolas" panose="020B0609020204030204" pitchFamily="49" charset="0"/>
+              </a:rPr>
+              <a:t>: String) </a:t>
+            </a:r>
+            <a:r>
+              <a:rPr lang="en-US" dirty="0">
+                <a:latin typeface="Consolas" panose="020B0609020204030204" pitchFamily="49" charset="0"/>
+              </a:rPr>
+              <a:t>: IdType?</a:t>
             </a:r>
           </a:p>
         </p:txBody>

--- a/PowerPoints/06 - Syntax Analysis.pptx
+++ b/PowerPoints/06 - Syntax Analysis.pptx
@@ -19792,7 +19792,7 @@
           <a:p>
             <a:r>
               <a:rPr lang="en-US" sz="2350" dirty="0"/>
-              <a:t>In practice, the syntax of most programming languages can be defined, or at least closely approximated, by an LL(1) grammar</a:t>
+              <a:t>In practice, the syntax of most programming languages can be defined, or at least closely approximated, by an LL(k) grammar</a:t>
             </a:r>
           </a:p>
           <a:p>
@@ -20040,8 +20040,8 @@
         </p:nvSpPr>
         <p:spPr>
           <a:xfrm>
-            <a:off x="458788" y="1363663"/>
-            <a:ext cx="8226425" cy="4935537"/>
+            <a:off x="458787" y="1363663"/>
+            <a:ext cx="8321040" cy="4935537"/>
           </a:xfrm>
         </p:spPr>
         <p:txBody>
@@ -20058,16 +20058,10 @@
               <a:buNone/>
             </a:pPr>
             <a:r>
-              <a:rPr lang="en-US" sz="1800" dirty="0" err="1">
-                <a:latin typeface="Consolas" panose="020B0609020204030204" pitchFamily="49" charset="0"/>
-              </a:rPr>
-              <a:t>parseLoop</a:t>
-            </a:r>
-            <a:r>
-              <a:rPr lang="en-US" sz="1800" dirty="0">
-                <a:latin typeface="Consolas" panose="020B0609020204030204" pitchFamily="49" charset="0"/>
-              </a:rPr>
-              <a:t>()         // called when parsing the outer loop</a:t>
+              <a:rPr lang="en-US" sz="1800" dirty="0">
+                <a:latin typeface="Consolas" panose="020B0609020204030204" pitchFamily="49" charset="0"/>
+              </a:rPr>
+              <a:t>parseLoopStmt()         // called when parsing the outer loop</a:t>
             </a:r>
           </a:p>
           <a:p>
@@ -20135,19 +20129,19 @@
               <a:rPr lang="en-US" sz="1800" dirty="0">
                 <a:latin typeface="Consolas" panose="020B0609020204030204" pitchFamily="49" charset="0"/>
               </a:rPr>
-              <a:t>      </a:t>
-            </a:r>
-            <a:r>
-              <a:rPr lang="en-US" sz="1800" dirty="0" err="1">
-                <a:latin typeface="Consolas" panose="020B0609020204030204" pitchFamily="49" charset="0"/>
-              </a:rPr>
-              <a:t>parseLoop</a:t>
-            </a:r>
-            <a:r>
-              <a:rPr lang="en-US" sz="1800" dirty="0">
-                <a:latin typeface="Consolas" panose="020B0609020204030204" pitchFamily="49" charset="0"/>
-              </a:rPr>
-              <a:t>()   // called when paring the inner loop</a:t>
+              <a:t>      parseLoopStmt()   // called </a:t>
+            </a:r>
+            <a:r>
+              <a:rPr lang="en-US" sz="1800">
+                <a:latin typeface="Consolas" panose="020B0609020204030204" pitchFamily="49" charset="0"/>
+              </a:rPr>
+              <a:t>when parsing </a:t>
+            </a:r>
+            <a:r>
+              <a:rPr lang="en-US" sz="1800" dirty="0">
+                <a:latin typeface="Consolas" panose="020B0609020204030204" pitchFamily="49" charset="0"/>
+              </a:rPr>
+              <a:t>the inner loop</a:t>
             </a:r>
           </a:p>
           <a:p>

--- a/PowerPoints/06 - Syntax Analysis.pptx
+++ b/PowerPoints/06 - Syntax Analysis.pptx
@@ -31623,7 +31623,7 @@
               <a:rPr lang="en-US" sz="1800" dirty="0">
                 <a:latin typeface="Consolas" panose="020B0609020204030204" pitchFamily="49" charset="0"/>
               </a:rPr>
-              <a:t>) { </a:t>
+              <a:t> ) { </a:t>
             </a:r>
             <a:r>
               <a:rPr lang="en-US" sz="1800" dirty="0" err="1">

--- a/PowerPoints/06 - Syntax Analysis.pptx
+++ b/PowerPoints/06 - Syntax Analysis.pptx
@@ -32667,8 +32667,8 @@
         </p:nvSpPr>
         <p:spPr>
           <a:xfrm>
-            <a:off x="3048000" y="5899090"/>
-            <a:ext cx="2977097" cy="400110"/>
+            <a:off x="3407381" y="5929868"/>
+            <a:ext cx="2698175" cy="369332"/>
           </a:xfrm>
           <a:prstGeom prst="rect">
             <a:avLst/>
@@ -32682,7 +32682,7 @@
           <a:lstStyle/>
           <a:p>
             <a:r>
-              <a:rPr lang="en-US" sz="2000" dirty="0"/>
+              <a:rPr lang="en-US" sz="1800" dirty="0"/>
               <a:t>(continued on next slide)</a:t>
             </a:r>
           </a:p>
@@ -32747,7 +32747,7 @@
               <a:rPr lang="en-US" dirty="0" err="1">
                 <a:latin typeface="Consolas" panose="020B0609020204030204" pitchFamily="49" charset="0"/>
               </a:rPr>
-              <a:t>parseVariableExpr</a:t>
+              <a:t>parseVariableCommon</a:t>
             </a:r>
             <a:r>
               <a:rPr lang="en-US" dirty="0">
@@ -32874,19 +32874,7 @@
               <a:rPr lang="en-US" sz="1800" dirty="0">
                 <a:latin typeface="Consolas" panose="020B0609020204030204" pitchFamily="49" charset="0"/>
               </a:rPr>
-              <a:t>            </a:t>
-            </a:r>
-            <a:r>
-              <a:rPr lang="en-US" sz="1800" dirty="0" err="1">
-                <a:latin typeface="Consolas" panose="020B0609020204030204" pitchFamily="49" charset="0"/>
-              </a:rPr>
-              <a:t>parseIndexExpr</a:t>
-            </a:r>
-            <a:r>
-              <a:rPr lang="en-US" sz="1800" dirty="0">
-                <a:latin typeface="Consolas" panose="020B0609020204030204" pitchFamily="49" charset="0"/>
-              </a:rPr>
-              <a:t>()</a:t>
+              <a:t>          {</a:t>
             </a:r>
           </a:p>
           <a:p>
@@ -32900,19 +32888,19 @@
               <a:rPr lang="en-US" sz="1800" dirty="0">
                 <a:latin typeface="Consolas" panose="020B0609020204030204" pitchFamily="49" charset="0"/>
               </a:rPr>
-              <a:t>        else if (</a:t>
+              <a:t>            match(</a:t>
             </a:r>
             <a:r>
               <a:rPr lang="en-US" sz="1800" dirty="0" err="1">
                 <a:latin typeface="Consolas" panose="020B0609020204030204" pitchFamily="49" charset="0"/>
               </a:rPr>
-              <a:t>scanner.symbol</a:t>
-            </a:r>
-            <a:r>
-              <a:rPr lang="en-US" sz="1800" dirty="0">
-                <a:latin typeface="Consolas" panose="020B0609020204030204" pitchFamily="49" charset="0"/>
-              </a:rPr>
-              <a:t> == Symbol.dot)</a:t>
+              <a:t>Symbol.leftBracket</a:t>
+            </a:r>
+            <a:r>
+              <a:rPr lang="en-US" sz="1800" dirty="0">
+                <a:latin typeface="Consolas" panose="020B0609020204030204" pitchFamily="49" charset="0"/>
+              </a:rPr>
+              <a:t>)</a:t>
             </a:r>
           </a:p>
           <a:p>
@@ -32932,13 +32920,147 @@
               <a:rPr lang="en-US" sz="1800" dirty="0" err="1">
                 <a:latin typeface="Consolas" panose="020B0609020204030204" pitchFamily="49" charset="0"/>
               </a:rPr>
-              <a:t>parseFieldExpr</a:t>
+              <a:t>parseExpression</a:t>
             </a:r>
             <a:r>
               <a:rPr lang="en-US" sz="1800" dirty="0">
                 <a:latin typeface="Consolas" panose="020B0609020204030204" pitchFamily="49" charset="0"/>
               </a:rPr>
               <a:t>()</a:t>
+            </a:r>
+          </a:p>
+          <a:p>
+            <a:pPr marL="91440" indent="0">
+              <a:spcBef>
+                <a:spcPts val="100"/>
+              </a:spcBef>
+              <a:buNone/>
+            </a:pPr>
+            <a:r>
+              <a:rPr lang="en-US" sz="1800" dirty="0">
+                <a:latin typeface="Consolas" panose="020B0609020204030204" pitchFamily="49" charset="0"/>
+              </a:rPr>
+              <a:t>            match(</a:t>
+            </a:r>
+            <a:r>
+              <a:rPr lang="en-US" sz="1800" dirty="0" err="1">
+                <a:latin typeface="Consolas" panose="020B0609020204030204" pitchFamily="49" charset="0"/>
+              </a:rPr>
+              <a:t>Symbol.rightBracket</a:t>
+            </a:r>
+            <a:r>
+              <a:rPr lang="en-US" sz="1800" dirty="0">
+                <a:latin typeface="Consolas" panose="020B0609020204030204" pitchFamily="49" charset="0"/>
+              </a:rPr>
+              <a:t>)</a:t>
+            </a:r>
+          </a:p>
+          <a:p>
+            <a:pPr marL="91440" indent="0">
+              <a:spcBef>
+                <a:spcPts val="100"/>
+              </a:spcBef>
+              <a:buNone/>
+            </a:pPr>
+            <a:r>
+              <a:rPr lang="en-US" sz="1800" dirty="0">
+                <a:latin typeface="Consolas" panose="020B0609020204030204" pitchFamily="49" charset="0"/>
+              </a:rPr>
+              <a:t>          }</a:t>
+            </a:r>
+          </a:p>
+          <a:p>
+            <a:pPr marL="91440" indent="0">
+              <a:spcBef>
+                <a:spcPts val="100"/>
+              </a:spcBef>
+              <a:buNone/>
+            </a:pPr>
+            <a:r>
+              <a:rPr lang="en-US" sz="1800" dirty="0">
+                <a:latin typeface="Consolas" panose="020B0609020204030204" pitchFamily="49" charset="0"/>
+              </a:rPr>
+              <a:t>        else if (</a:t>
+            </a:r>
+            <a:r>
+              <a:rPr lang="en-US" sz="1800" dirty="0" err="1">
+                <a:latin typeface="Consolas" panose="020B0609020204030204" pitchFamily="49" charset="0"/>
+              </a:rPr>
+              <a:t>scanner.symbol</a:t>
+            </a:r>
+            <a:r>
+              <a:rPr lang="en-US" sz="1800" dirty="0">
+                <a:latin typeface="Consolas" panose="020B0609020204030204" pitchFamily="49" charset="0"/>
+              </a:rPr>
+              <a:t> == Symbol.dot)</a:t>
+            </a:r>
+          </a:p>
+          <a:p>
+            <a:pPr marL="91440" indent="0">
+              <a:spcBef>
+                <a:spcPts val="100"/>
+              </a:spcBef>
+              <a:buNone/>
+            </a:pPr>
+            <a:r>
+              <a:rPr lang="en-US" sz="1800" dirty="0">
+                <a:latin typeface="Consolas" panose="020B0609020204030204" pitchFamily="49" charset="0"/>
+              </a:rPr>
+              <a:t>          {</a:t>
+            </a:r>
+          </a:p>
+          <a:p>
+            <a:pPr marL="91440" indent="0">
+              <a:spcBef>
+                <a:spcPts val="100"/>
+              </a:spcBef>
+              <a:buNone/>
+            </a:pPr>
+            <a:r>
+              <a:rPr lang="en-US" sz="1800" dirty="0">
+                <a:latin typeface="Consolas" panose="020B0609020204030204" pitchFamily="49" charset="0"/>
+              </a:rPr>
+              <a:t>            match(Symbol.dot)</a:t>
+            </a:r>
+          </a:p>
+          <a:p>
+            <a:pPr marL="91440" indent="0">
+              <a:spcBef>
+                <a:spcPts val="100"/>
+              </a:spcBef>
+              <a:buNone/>
+            </a:pPr>
+            <a:r>
+              <a:rPr lang="en-US" sz="1800" dirty="0">
+                <a:latin typeface="Consolas" panose="020B0609020204030204" pitchFamily="49" charset="0"/>
+              </a:rPr>
+              <a:t>            match(</a:t>
+            </a:r>
+            <a:r>
+              <a:rPr lang="en-US" sz="1800" dirty="0" err="1">
+                <a:latin typeface="Consolas" panose="020B0609020204030204" pitchFamily="49" charset="0"/>
+              </a:rPr>
+              <a:t>Symbol.identifier</a:t>
+            </a:r>
+            <a:r>
+              <a:rPr lang="en-US" sz="1800" dirty="0">
+                <a:latin typeface="Consolas" panose="020B0609020204030204" pitchFamily="49" charset="0"/>
+              </a:rPr>
+              <a:t>)</a:t>
+            </a:r>
+          </a:p>
+          <a:p>
+            <a:pPr marL="91440" indent="0">
+              <a:spcBef>
+                <a:spcPts val="100"/>
+              </a:spcBef>
+              <a:buNone/>
+            </a:pPr>
+            <a:r>
+              <a:rPr lang="en-US" sz="1800" dirty="0">
+                <a:latin typeface="Consolas" panose="020B0609020204030204" pitchFamily="49" charset="0"/>
+              </a:rPr>
+              <a:t>          }</a:t>
             </a:r>
           </a:p>
           <a:p>

--- a/PowerPoints/06 - Syntax Analysis.pptx
+++ b/PowerPoints/06 - Syntax Analysis.pptx
@@ -18806,7 +18806,7 @@
           <a:bodyPr/>
           <a:lstStyle/>
           <a:p>
-            <a:pPr marL="0" indent="0">
+            <a:pPr marL="182880" indent="0">
               <a:spcBef>
                 <a:spcPts val="0"/>
               </a:spcBef>
@@ -18816,20 +18816,194 @@
               <a:rPr lang="en-US" sz="1700" dirty="0">
                 <a:latin typeface="Consolas" panose="020B0609020204030204" pitchFamily="49" charset="0"/>
               </a:rPr>
-              <a:t>private void parseLoopStmt() throws </a:t>
+              <a:t>private fun </a:t>
             </a:r>
             <a:r>
               <a:rPr lang="en-US" sz="1700" dirty="0" err="1">
                 <a:latin typeface="Consolas" panose="020B0609020204030204" pitchFamily="49" charset="0"/>
               </a:rPr>
-              <a:t>IOException</a:t>
-            </a:r>
+              <a:t>parseLoopStmt</a:t>
+            </a:r>
+            <a:r>
+              <a:rPr lang="en-US" sz="1700" dirty="0">
+                <a:latin typeface="Consolas" panose="020B0609020204030204" pitchFamily="49" charset="0"/>
+              </a:rPr>
+              <a:t>()</a:t>
+            </a:r>
+          </a:p>
+          <a:p>
+            <a:pPr marL="182880" indent="0">
+              <a:spcBef>
+                <a:spcPts val="0"/>
+              </a:spcBef>
+              <a:buNone/>
+            </a:pPr>
+            <a:r>
+              <a:rPr lang="en-US" sz="1700" dirty="0">
+                <a:latin typeface="Consolas" panose="020B0609020204030204" pitchFamily="49" charset="0"/>
+              </a:rPr>
+              <a:t> {</a:t>
+            </a:r>
+          </a:p>
+          <a:p>
+            <a:pPr marL="182880" indent="0">
+              <a:spcBef>
+                <a:spcPts val="0"/>
+              </a:spcBef>
+              <a:buNone/>
+            </a:pPr>
+            <a:r>
+              <a:rPr lang="en-US" sz="1700" dirty="0">
+                <a:latin typeface="Consolas" panose="020B0609020204030204" pitchFamily="49" charset="0"/>
+              </a:rPr>
+              <a:t>   try</a:t>
+            </a:r>
+          </a:p>
+          <a:p>
+            <a:pPr marL="182880" indent="0">
+              <a:spcBef>
+                <a:spcPts val="0"/>
+              </a:spcBef>
+              <a:buNone/>
+            </a:pPr>
+            <a:r>
+              <a:rPr lang="en-US" sz="1700" dirty="0">
+                <a:latin typeface="Consolas" panose="020B0609020204030204" pitchFamily="49" charset="0"/>
+              </a:rPr>
+              <a:t>     {</a:t>
+            </a:r>
+          </a:p>
+          <a:p>
+            <a:pPr marL="182880" indent="0">
+              <a:spcBef>
+                <a:spcPts val="0"/>
+              </a:spcBef>
+              <a:buNone/>
+            </a:pPr>
+            <a:r>
+              <a:rPr lang="en-US" sz="1700" dirty="0">
+                <a:latin typeface="Consolas" panose="020B0609020204030204" pitchFamily="49" charset="0"/>
+              </a:rPr>
+              <a:t>       if (</a:t>
+            </a:r>
+            <a:r>
+              <a:rPr lang="en-US" sz="1700" dirty="0" err="1">
+                <a:latin typeface="Consolas" panose="020B0609020204030204" pitchFamily="49" charset="0"/>
+              </a:rPr>
+              <a:t>scanner.symbol</a:t>
+            </a:r>
+            <a:r>
+              <a:rPr lang="en-US" sz="1700" dirty="0">
+                <a:latin typeface="Consolas" panose="020B0609020204030204" pitchFamily="49" charset="0"/>
+              </a:rPr>
+              <a:t> == </a:t>
+            </a:r>
+            <a:r>
+              <a:rPr lang="en-US" sz="1700" dirty="0" err="1">
+                <a:latin typeface="Consolas" panose="020B0609020204030204" pitchFamily="49" charset="0"/>
+              </a:rPr>
+              <a:t>Symbol.whileRW</a:t>
+            </a:r>
+            <a:r>
+              <a:rPr lang="en-US" sz="1700" dirty="0">
+                <a:latin typeface="Consolas" panose="020B0609020204030204" pitchFamily="49" charset="0"/>
+              </a:rPr>
+              <a:t>)</a:t>
+            </a:r>
+          </a:p>
+          <a:p>
+            <a:pPr marL="182880" indent="0">
+              <a:spcBef>
+                <a:spcPts val="0"/>
+              </a:spcBef>
+              <a:buNone/>
+            </a:pPr>
+            <a:r>
+              <a:rPr lang="en-US" sz="1700" dirty="0">
+                <a:latin typeface="Consolas" panose="020B0609020204030204" pitchFamily="49" charset="0"/>
+              </a:rPr>
+              <a:t>         {</a:t>
+            </a:r>
+          </a:p>
+          <a:p>
+            <a:pPr marL="182880" indent="0">
+              <a:spcBef>
+                <a:spcPts val="0"/>
+              </a:spcBef>
+              <a:buNone/>
+            </a:pPr>
+            <a:r>
+              <a:rPr lang="en-US" sz="1700" dirty="0">
+                <a:latin typeface="Consolas" panose="020B0609020204030204" pitchFamily="49" charset="0"/>
+              </a:rPr>
+              <a:t>           </a:t>
+            </a:r>
+            <a:r>
+              <a:rPr lang="en-US" sz="1700" dirty="0" err="1">
+                <a:latin typeface="Consolas" panose="020B0609020204030204" pitchFamily="49" charset="0"/>
+              </a:rPr>
+              <a:t>matchCurrentSymbol</a:t>
+            </a:r>
+            <a:r>
+              <a:rPr lang="en-US" sz="1700" dirty="0">
+                <a:latin typeface="Consolas" panose="020B0609020204030204" pitchFamily="49" charset="0"/>
+              </a:rPr>
+              <a:t>()</a:t>
+            </a:r>
+          </a:p>
+          <a:p>
+            <a:pPr marL="182880" indent="0">
+              <a:spcBef>
+                <a:spcPts val="0"/>
+              </a:spcBef>
+              <a:buNone/>
+            </a:pPr>
+            <a:r>
+              <a:rPr lang="en-US" sz="1700" dirty="0">
+                <a:latin typeface="Consolas" panose="020B0609020204030204" pitchFamily="49" charset="0"/>
+              </a:rPr>
+              <a:t>           </a:t>
+            </a:r>
+            <a:r>
+              <a:rPr lang="en-US" sz="1700" dirty="0" err="1">
+                <a:latin typeface="Consolas" panose="020B0609020204030204" pitchFamily="49" charset="0"/>
+              </a:rPr>
+              <a:t>parseExpression</a:t>
+            </a:r>
+            <a:r>
+              <a:rPr lang="en-US" sz="1700" dirty="0">
+                <a:latin typeface="Consolas" panose="020B0609020204030204" pitchFamily="49" charset="0"/>
+              </a:rPr>
+              <a:t>()</a:t>
+            </a:r>
+          </a:p>
+          <a:p>
+            <a:pPr marL="182880" indent="0">
+              <a:spcBef>
+                <a:spcPts val="0"/>
+              </a:spcBef>
+              <a:buNone/>
+            </a:pPr>
+            <a:r>
+              <a:rPr lang="en-US" sz="1700" dirty="0">
+                <a:latin typeface="Consolas" panose="020B0609020204030204" pitchFamily="49" charset="0"/>
+              </a:rPr>
+              <a:t>         }</a:t>
+            </a:r>
+          </a:p>
+          <a:p>
+            <a:pPr marL="182880" indent="0">
+              <a:spcBef>
+                <a:spcPts val="0"/>
+              </a:spcBef>
+              <a:buNone/>
+            </a:pPr>
             <a:endParaRPr lang="en-US" sz="1700" dirty="0">
               <a:latin typeface="Consolas" panose="020B0609020204030204" pitchFamily="49" charset="0"/>
             </a:endParaRPr>
           </a:p>
           <a:p>
-            <a:pPr marL="0" indent="0">
+            <a:pPr marL="182880" indent="0">
               <a:spcBef>
                 <a:spcPts val="0"/>
               </a:spcBef>
@@ -18839,11 +19013,23 @@
               <a:rPr lang="en-US" sz="1700" dirty="0">
                 <a:latin typeface="Consolas" panose="020B0609020204030204" pitchFamily="49" charset="0"/>
               </a:rPr>
-              <a:t>  {</a:t>
-            </a:r>
-          </a:p>
-          <a:p>
-            <a:pPr marL="0" indent="0">
+              <a:t>       match(</a:t>
+            </a:r>
+            <a:r>
+              <a:rPr lang="en-US" sz="1700" dirty="0" err="1">
+                <a:latin typeface="Consolas" panose="020B0609020204030204" pitchFamily="49" charset="0"/>
+              </a:rPr>
+              <a:t>Symbol.loopRW</a:t>
+            </a:r>
+            <a:r>
+              <a:rPr lang="en-US" sz="1700" dirty="0">
+                <a:latin typeface="Consolas" panose="020B0609020204030204" pitchFamily="49" charset="0"/>
+              </a:rPr>
+              <a:t>)</a:t>
+            </a:r>
+          </a:p>
+          <a:p>
+            <a:pPr marL="182880" indent="0">
               <a:spcBef>
                 <a:spcPts val="0"/>
               </a:spcBef>
@@ -18853,11 +19039,23 @@
               <a:rPr lang="en-US" sz="1700" dirty="0">
                 <a:latin typeface="Consolas" panose="020B0609020204030204" pitchFamily="49" charset="0"/>
               </a:rPr>
-              <a:t>    try</a:t>
-            </a:r>
-          </a:p>
-          <a:p>
-            <a:pPr marL="0" indent="0">
+              <a:t>       </a:t>
+            </a:r>
+            <a:r>
+              <a:rPr lang="en-US" sz="1700" dirty="0" err="1">
+                <a:latin typeface="Consolas" panose="020B0609020204030204" pitchFamily="49" charset="0"/>
+              </a:rPr>
+              <a:t>parseStatement</a:t>
+            </a:r>
+            <a:r>
+              <a:rPr lang="en-US" sz="1700" dirty="0">
+                <a:latin typeface="Consolas" panose="020B0609020204030204" pitchFamily="49" charset="0"/>
+              </a:rPr>
+              <a:t>()</a:t>
+            </a:r>
+          </a:p>
+          <a:p>
+            <a:pPr marL="182880" indent="0">
               <a:spcBef>
                 <a:spcPts val="0"/>
               </a:spcBef>
@@ -18867,11 +19065,11 @@
               <a:rPr lang="en-US" sz="1700" dirty="0">
                 <a:latin typeface="Consolas" panose="020B0609020204030204" pitchFamily="49" charset="0"/>
               </a:rPr>
-              <a:t>      {</a:t>
-            </a:r>
-          </a:p>
-          <a:p>
-            <a:pPr marL="0" indent="0">
+              <a:t>     }</a:t>
+            </a:r>
+          </a:p>
+          <a:p>
+            <a:pPr marL="182880" indent="0">
               <a:spcBef>
                 <a:spcPts val="0"/>
               </a:spcBef>
@@ -18881,11 +19079,23 @@
               <a:rPr lang="en-US" sz="1700" dirty="0">
                 <a:latin typeface="Consolas" panose="020B0609020204030204" pitchFamily="49" charset="0"/>
               </a:rPr>
-              <a:t>        if (scanner.getSymbol() == Symbol.whileRW)</a:t>
-            </a:r>
-          </a:p>
-          <a:p>
-            <a:pPr marL="0" indent="0">
+              <a:t>   catch (e : </a:t>
+            </a:r>
+            <a:r>
+              <a:rPr lang="en-US" sz="1700" dirty="0" err="1">
+                <a:latin typeface="Consolas" panose="020B0609020204030204" pitchFamily="49" charset="0"/>
+              </a:rPr>
+              <a:t>ParserException</a:t>
+            </a:r>
+            <a:r>
+              <a:rPr lang="en-US" sz="1700" dirty="0">
+                <a:latin typeface="Consolas" panose="020B0609020204030204" pitchFamily="49" charset="0"/>
+              </a:rPr>
+              <a:t>)</a:t>
+            </a:r>
+          </a:p>
+          <a:p>
+            <a:pPr marL="182880" indent="0">
               <a:spcBef>
                 <a:spcPts val="0"/>
               </a:spcBef>
@@ -18895,11 +19105,11 @@
               <a:rPr lang="en-US" sz="1700" dirty="0">
                 <a:latin typeface="Consolas" panose="020B0609020204030204" pitchFamily="49" charset="0"/>
               </a:rPr>
-              <a:t>          {</a:t>
-            </a:r>
-          </a:p>
-          <a:p>
-            <a:pPr marL="0" indent="0">
+              <a:t>     {</a:t>
+            </a:r>
+          </a:p>
+          <a:p>
+            <a:pPr marL="182880" indent="0">
               <a:spcBef>
                 <a:spcPts val="0"/>
               </a:spcBef>
@@ -18909,11 +19119,23 @@
               <a:rPr lang="en-US" sz="1700" dirty="0">
                 <a:latin typeface="Consolas" panose="020B0609020204030204" pitchFamily="49" charset="0"/>
               </a:rPr>
-              <a:t>            matchCurrentSymbol();</a:t>
-            </a:r>
-          </a:p>
-          <a:p>
-            <a:pPr marL="0" indent="0">
+              <a:t>       </a:t>
+            </a:r>
+            <a:r>
+              <a:rPr lang="en-US" sz="1700" dirty="0" err="1">
+                <a:latin typeface="Consolas" panose="020B0609020204030204" pitchFamily="49" charset="0"/>
+              </a:rPr>
+              <a:t>errorHandler.reportError</a:t>
+            </a:r>
+            <a:r>
+              <a:rPr lang="en-US" sz="1700" dirty="0">
+                <a:latin typeface="Consolas" panose="020B0609020204030204" pitchFamily="49" charset="0"/>
+              </a:rPr>
+              <a:t>(e)</a:t>
+            </a:r>
+          </a:p>
+          <a:p>
+            <a:pPr marL="182880" indent="0">
               <a:spcBef>
                 <a:spcPts val="0"/>
               </a:spcBef>
@@ -18923,23 +19145,23 @@
               <a:rPr lang="en-US" sz="1700" dirty="0">
                 <a:latin typeface="Consolas" panose="020B0609020204030204" pitchFamily="49" charset="0"/>
               </a:rPr>
-              <a:t>            </a:t>
+              <a:t>       recover(</a:t>
             </a:r>
             <a:r>
               <a:rPr lang="en-US" sz="1700" dirty="0" err="1">
                 <a:latin typeface="Consolas" panose="020B0609020204030204" pitchFamily="49" charset="0"/>
               </a:rPr>
-              <a:t>parseExpression</a:t>
+              <a:t>emptySet</a:t>
             </a:r>
             <a:r>
               <a:rPr lang="en-US" sz="1700" dirty="0">
                 <a:latin typeface="Consolas" panose="020B0609020204030204" pitchFamily="49" charset="0"/>
               </a:rPr>
-              <a:t>();</a:t>
-            </a:r>
-          </a:p>
-          <a:p>
-            <a:pPr marL="0" indent="0">
+              <a:t>)</a:t>
+            </a:r>
+          </a:p>
+          <a:p>
+            <a:pPr marL="182880" indent="0">
               <a:spcBef>
                 <a:spcPts val="0"/>
               </a:spcBef>
@@ -18949,180 +19171,21 @@
               <a:rPr lang="en-US" sz="1700" dirty="0">
                 <a:latin typeface="Consolas" panose="020B0609020204030204" pitchFamily="49" charset="0"/>
               </a:rPr>
-              <a:t>          }</a:t>
-            </a:r>
-          </a:p>
-          <a:p>
-            <a:pPr marL="0" indent="0">
+              <a:t>     }</a:t>
+            </a:r>
+          </a:p>
+          <a:p>
+            <a:pPr marL="182880" indent="0">
               <a:spcBef>
                 <a:spcPts val="0"/>
               </a:spcBef>
               <a:buNone/>
             </a:pPr>
-            <a:endParaRPr lang="en-US" sz="1700" dirty="0">
-              <a:latin typeface="Consolas" panose="020B0609020204030204" pitchFamily="49" charset="0"/>
-            </a:endParaRPr>
-          </a:p>
-          <a:p>
-            <a:pPr marL="0" indent="0">
-              <a:spcBef>
-                <a:spcPts val="0"/>
-              </a:spcBef>
-              <a:buNone/>
-            </a:pPr>
             <a:r>
               <a:rPr lang="en-US" sz="1700" dirty="0">
                 <a:latin typeface="Consolas" panose="020B0609020204030204" pitchFamily="49" charset="0"/>
               </a:rPr>
-              <a:t>        match(Symbol.loopRW);</a:t>
-            </a:r>
-          </a:p>
-          <a:p>
-            <a:pPr marL="0" indent="0">
-              <a:spcBef>
-                <a:spcPts val="0"/>
-              </a:spcBef>
-              <a:buNone/>
-            </a:pPr>
-            <a:r>
-              <a:rPr lang="en-US" sz="1700" dirty="0">
-                <a:latin typeface="Consolas" panose="020B0609020204030204" pitchFamily="49" charset="0"/>
-              </a:rPr>
-              <a:t>        parseStatement();</a:t>
-            </a:r>
-          </a:p>
-          <a:p>
-            <a:pPr marL="0" indent="0">
-              <a:spcBef>
-                <a:spcPts val="0"/>
-              </a:spcBef>
-              <a:buNone/>
-            </a:pPr>
-            <a:r>
-              <a:rPr lang="en-US" sz="1700" dirty="0">
-                <a:latin typeface="Consolas" panose="020B0609020204030204" pitchFamily="49" charset="0"/>
-              </a:rPr>
-              <a:t>      }</a:t>
-            </a:r>
-          </a:p>
-          <a:p>
-            <a:pPr marL="0" indent="0">
-              <a:spcBef>
-                <a:spcPts val="0"/>
-              </a:spcBef>
-              <a:buNone/>
-            </a:pPr>
-            <a:r>
-              <a:rPr lang="en-US" sz="1700" dirty="0">
-                <a:latin typeface="Consolas" panose="020B0609020204030204" pitchFamily="49" charset="0"/>
-              </a:rPr>
-              <a:t>    catch (</a:t>
-            </a:r>
-            <a:r>
-              <a:rPr lang="en-US" sz="1700" dirty="0" err="1">
-                <a:latin typeface="Consolas" panose="020B0609020204030204" pitchFamily="49" charset="0"/>
-              </a:rPr>
-              <a:t>ParserException</a:t>
-            </a:r>
-            <a:r>
-              <a:rPr lang="en-US" sz="1700" dirty="0">
-                <a:latin typeface="Consolas" panose="020B0609020204030204" pitchFamily="49" charset="0"/>
-              </a:rPr>
-              <a:t> e)</a:t>
-            </a:r>
-          </a:p>
-          <a:p>
-            <a:pPr marL="0" indent="0">
-              <a:spcBef>
-                <a:spcPts val="0"/>
-              </a:spcBef>
-              <a:buNone/>
-            </a:pPr>
-            <a:r>
-              <a:rPr lang="en-US" sz="1700" dirty="0">
-                <a:latin typeface="Consolas" panose="020B0609020204030204" pitchFamily="49" charset="0"/>
-              </a:rPr>
-              <a:t>      {</a:t>
-            </a:r>
-          </a:p>
-          <a:p>
-            <a:pPr marL="0" indent="0">
-              <a:spcBef>
-                <a:spcPts val="0"/>
-              </a:spcBef>
-              <a:buNone/>
-            </a:pPr>
-            <a:r>
-              <a:rPr lang="en-US" sz="1700" dirty="0">
-                <a:latin typeface="Consolas" panose="020B0609020204030204" pitchFamily="49" charset="0"/>
-              </a:rPr>
-              <a:t>        </a:t>
-            </a:r>
-            <a:r>
-              <a:rPr lang="en-US" sz="1700" dirty="0" err="1">
-                <a:latin typeface="Consolas" panose="020B0609020204030204" pitchFamily="49" charset="0"/>
-              </a:rPr>
-              <a:t>errorHandler.reportError</a:t>
-            </a:r>
-            <a:r>
-              <a:rPr lang="en-US" sz="1700" dirty="0">
-                <a:latin typeface="Consolas" panose="020B0609020204030204" pitchFamily="49" charset="0"/>
-              </a:rPr>
-              <a:t>(e);</a:t>
-            </a:r>
-          </a:p>
-          <a:p>
-            <a:pPr marL="0" indent="0">
-              <a:spcBef>
-                <a:spcPts val="0"/>
-              </a:spcBef>
-              <a:buNone/>
-            </a:pPr>
-            <a:r>
-              <a:rPr lang="en-US" sz="1700" dirty="0">
-                <a:latin typeface="Consolas" panose="020B0609020204030204" pitchFamily="49" charset="0"/>
-              </a:rPr>
-              <a:t>        recover(</a:t>
-            </a:r>
-            <a:r>
-              <a:rPr lang="en-US" sz="1700" dirty="0" err="1">
-                <a:latin typeface="Consolas" panose="020B0609020204030204" pitchFamily="49" charset="0"/>
-              </a:rPr>
-              <a:t>emptySet</a:t>
-            </a:r>
-            <a:r>
-              <a:rPr lang="en-US" sz="1700" dirty="0">
-                <a:latin typeface="Consolas" panose="020B0609020204030204" pitchFamily="49" charset="0"/>
-              </a:rPr>
-              <a:t>);</a:t>
-            </a:r>
-          </a:p>
-          <a:p>
-            <a:pPr marL="0" indent="0">
-              <a:spcBef>
-                <a:spcPts val="0"/>
-              </a:spcBef>
-              <a:buNone/>
-            </a:pPr>
-            <a:r>
-              <a:rPr lang="en-US" sz="1700" dirty="0">
-                <a:latin typeface="Consolas" panose="020B0609020204030204" pitchFamily="49" charset="0"/>
-              </a:rPr>
-              <a:t>      }</a:t>
-            </a:r>
-          </a:p>
-          <a:p>
-            <a:pPr marL="0" indent="0">
-              <a:spcBef>
-                <a:spcPts val="0"/>
-              </a:spcBef>
-              <a:buNone/>
-            </a:pPr>
-            <a:r>
-              <a:rPr lang="en-US" sz="1700" dirty="0">
-                <a:latin typeface="Consolas" panose="020B0609020204030204" pitchFamily="49" charset="0"/>
-              </a:rPr>
-              <a:t>  }</a:t>
+              <a:t> }</a:t>
             </a:r>
           </a:p>
         </p:txBody>
@@ -28094,19 +28157,19 @@
               <a:rPr lang="en-US" sz="1800" b="1" dirty="0">
                 <a:latin typeface="Consolas" panose="020B0609020204030204" pitchFamily="49" charset="0"/>
               </a:rPr>
-              <a:t>(2).</a:t>
-            </a:r>
-            <a:r>
-              <a:rPr lang="en-US" sz="1800" b="1" dirty="0" err="1">
-                <a:latin typeface="Consolas" panose="020B0609020204030204" pitchFamily="49" charset="0"/>
-              </a:rPr>
-              <a:t>getSymbol</a:t>
+              <a:t>(</a:t>
+            </a:r>
+            <a:r>
+              <a:rPr lang="en-US" sz="1800" b="1">
+                <a:latin typeface="Consolas" panose="020B0609020204030204" pitchFamily="49" charset="0"/>
+              </a:rPr>
+              <a:t>2).symbol </a:t>
             </a:r>
             <a:r>
               <a:rPr lang="en-US" sz="1800" b="1" dirty="0">
                 <a:latin typeface="Consolas" panose="020B0609020204030204" pitchFamily="49" charset="0"/>
               </a:rPr>
-              <a:t>() == Symbol.leftParen)</a:t>
+              <a:t>== Symbol.leftParen)</a:t>
             </a:r>
           </a:p>
           <a:p>

--- a/PowerPoints/06 - Syntax Analysis.pptx
+++ b/PowerPoints/06 - Syntax Analysis.pptx
@@ -26,7 +26,7 @@
     <p:sldId id="410" r:id="rId14"/>
     <p:sldId id="311" r:id="rId15"/>
     <p:sldId id="292" r:id="rId16"/>
-    <p:sldId id="371" r:id="rId17"/>
+    <p:sldId id="312" r:id="rId17"/>
     <p:sldId id="293" r:id="rId18"/>
     <p:sldId id="294" r:id="rId19"/>
     <p:sldId id="411" r:id="rId20"/>
@@ -1541,10 +1541,38 @@
           </a:p>
         </p:txBody>
       </p:sp>
+      <p:sp>
+        <p:nvSpPr>
+          <p:cNvPr id="6" name="Footer Placeholder 5">
+            <a:extLst>
+              <a:ext uri="{FF2B5EF4-FFF2-40B4-BE49-F238E27FC236}">
+                <a16:creationId xmlns:a16="http://schemas.microsoft.com/office/drawing/2014/main" id="{B03A319F-58E5-6D74-DAA8-5901A3667CB1}"/>
+              </a:ext>
+            </a:extLst>
+          </p:cNvPr>
+          <p:cNvSpPr>
+            <a:spLocks noGrp="1"/>
+          </p:cNvSpPr>
+          <p:nvPr>
+            <p:ph type="ftr" sz="quarter" idx="4"/>
+          </p:nvPr>
+        </p:nvSpPr>
+        <p:spPr/>
+        <p:txBody>
+          <a:bodyPr/>
+          <a:lstStyle/>
+          <a:p>
+            <a:pPr>
+              <a:defRPr/>
+            </a:pPr>
+            <a:endParaRPr lang="en-US"/>
+          </a:p>
+        </p:txBody>
+      </p:sp>
     </p:spTree>
     <p:extLst>
       <p:ext uri="{BB962C8B-B14F-4D97-AF65-F5344CB8AC3E}">
-        <p14:creationId xmlns:p14="http://schemas.microsoft.com/office/powerpoint/2010/main" val="3069716634"/>
+        <p14:creationId xmlns:p14="http://schemas.microsoft.com/office/powerpoint/2010/main" val="3834462706"/>
       </p:ext>
     </p:extLst>
   </p:cSld>
@@ -10909,15 +10937,8 @@
           <a:lstStyle/>
           <a:p>
             <a:r>
-              <a:rPr lang="en-US"/>
-              <a:t>Recursive Descent Parsing</a:t>
-            </a:r>
-            <a:br>
-              <a:rPr lang="en-US"/>
-            </a:br>
-            <a:r>
-              <a:rPr lang="en-US"/>
-              <a:t>Refinement 2</a:t>
+              <a:rPr lang="en-US" dirty="0"/>
+              <a:t>Parsing Guideline 2</a:t>
             </a:r>
           </a:p>
         </p:txBody>
@@ -11145,94 +11166,7 @@
       </p:grpSpPr>
       <p:sp>
         <p:nvSpPr>
-          <p:cNvPr id="2" name="Title 1"/>
-          <p:cNvSpPr>
-            <a:spLocks noGrp="1"/>
-          </p:cNvSpPr>
-          <p:nvPr>
-            <p:ph type="title"/>
-          </p:nvPr>
-        </p:nvSpPr>
-        <p:spPr/>
-        <p:txBody>
-          <a:bodyPr/>
-          <a:lstStyle/>
-          <a:p>
-            <a:r>
-              <a:rPr lang="en-US" dirty="0"/>
-              <a:t>Recursive Descent Parsing Methods</a:t>
-            </a:r>
-            <a:br>
-              <a:rPr lang="en-US" dirty="0"/>
-            </a:br>
-            <a:r>
-              <a:rPr lang="en-US" sz="2400" dirty="0"/>
-              <a:t>(continued)</a:t>
-            </a:r>
-          </a:p>
-        </p:txBody>
-      </p:sp>
-      <p:sp>
-        <p:nvSpPr>
-          <p:cNvPr id="3" name="Content Placeholder 2"/>
-          <p:cNvSpPr>
-            <a:spLocks noGrp="1"/>
-          </p:cNvSpPr>
-          <p:nvPr>
-            <p:ph idx="1"/>
-          </p:nvPr>
-        </p:nvSpPr>
-        <p:spPr/>
-        <p:txBody>
-          <a:bodyPr/>
-          <a:lstStyle/>
-          <a:p>
-            <a:r>
-              <a:rPr lang="en-US" dirty="0"/>
-              <a:t>On exit from the method </a:t>
-            </a:r>
-            <a:r>
-              <a:rPr lang="en-US" dirty="0">
-                <a:latin typeface="Consolas" pitchFamily="49" charset="0"/>
-                <a:cs typeface="Consolas" pitchFamily="49" charset="0"/>
-              </a:rPr>
-              <a:t>parseN()</a:t>
-            </a:r>
-            <a:r>
-              <a:rPr lang="en-US" dirty="0"/>
-              <a:t>, the symbol returned from the scanner should be a symbol that could follow </a:t>
-            </a:r>
-            <a:r>
-              <a:rPr lang="en-US" dirty="0">
-                <a:latin typeface="Consolas" panose="020B0609020204030204" pitchFamily="49" charset="0"/>
-              </a:rPr>
-              <a:t>N</a:t>
-            </a:r>
-            <a:r>
-              <a:rPr lang="en-US" dirty="0"/>
-              <a:t>.</a:t>
-            </a:r>
-          </a:p>
-          <a:p>
-            <a:pPr marL="457200" lvl="1" indent="0">
-              <a:buNone/>
-            </a:pPr>
-            <a:r>
-              <a:rPr lang="en-US" dirty="0"/>
-              <a:t>(We will use this idea to implement error recovery in the next chapter.)</a:t>
-            </a:r>
-          </a:p>
-          <a:p>
-            <a:r>
-              <a:rPr lang="en-US" dirty="0"/>
-              <a:t>If the production rules contain recursive references, the parsing methods will also contain recursive calls.</a:t>
-            </a:r>
-          </a:p>
-        </p:txBody>
-      </p:sp>
-      <p:sp>
-        <p:nvSpPr>
-          <p:cNvPr id="4" name="Footer Placeholder 3"/>
+          <p:cNvPr id="12290" name="Footer Placeholder 3"/>
           <p:cNvSpPr>
             <a:spLocks noGrp="1"/>
           </p:cNvSpPr>
@@ -11240,14 +11174,13 @@
             <p:ph type="ftr" sz="quarter" idx="10"/>
           </p:nvPr>
         </p:nvSpPr>
-        <p:spPr/>
-        <p:txBody>
-          <a:bodyPr/>
-          <a:lstStyle/>
-          <a:p>
-            <a:pPr>
-              <a:defRPr/>
-            </a:pPr>
+        <p:spPr>
+          <a:noFill/>
+        </p:spPr>
+        <p:txBody>
+          <a:bodyPr/>
+          <a:lstStyle/>
+          <a:p>
             <a:r>
               <a:rPr lang="en-US"/>
               <a:t>©SoftMoore Consulting</a:t>
@@ -11257,7 +11190,157 @@
       </p:sp>
       <p:sp>
         <p:nvSpPr>
-          <p:cNvPr id="5" name="Slide Number Placeholder 4"/>
+          <p:cNvPr id="12292" name="Rectangle 4"/>
+          <p:cNvSpPr>
+            <a:spLocks noGrp="1" noChangeArrowheads="1"/>
+          </p:cNvSpPr>
+          <p:nvPr>
+            <p:ph type="title"/>
+          </p:nvPr>
+        </p:nvSpPr>
+        <p:spPr/>
+        <p:txBody>
+          <a:bodyPr/>
+          <a:lstStyle/>
+          <a:p>
+            <a:r>
+              <a:rPr lang="en-US" dirty="0"/>
+              <a:t>Example: Parsing Guideline 2</a:t>
+            </a:r>
+          </a:p>
+        </p:txBody>
+      </p:sp>
+      <p:sp>
+        <p:nvSpPr>
+          <p:cNvPr id="12293" name="Rectangle 5"/>
+          <p:cNvSpPr>
+            <a:spLocks noGrp="1" noChangeArrowheads="1"/>
+          </p:cNvSpPr>
+          <p:nvPr>
+            <p:ph type="body" idx="1"/>
+          </p:nvPr>
+        </p:nvSpPr>
+        <p:spPr/>
+        <p:txBody>
+          <a:bodyPr/>
+          <a:lstStyle/>
+          <a:p>
+            <a:pPr>
+              <a:buFontTx/>
+              <a:buNone/>
+            </a:pPr>
+            <a:r>
+              <a:rPr lang="en-US" dirty="0"/>
+              <a:t>	The algorithm used to parse the right side of the rule for </a:t>
+            </a:r>
+            <a:r>
+              <a:rPr lang="en-US" dirty="0">
+                <a:latin typeface="Consolas" panose="020B0609020204030204" pitchFamily="49" charset="0"/>
+              </a:rPr>
+              <a:t>assignmentStmt</a:t>
+            </a:r>
+          </a:p>
+          <a:p>
+            <a:pPr lvl="1">
+              <a:buFontTx/>
+              <a:buNone/>
+            </a:pPr>
+            <a:r>
+              <a:rPr lang="en-US" dirty="0">
+                <a:latin typeface="Consolas" panose="020B0609020204030204" pitchFamily="49" charset="0"/>
+              </a:rPr>
+              <a:t> variable ":=" expression ";"</a:t>
+            </a:r>
+          </a:p>
+          <a:p>
+            <a:pPr>
+              <a:spcBef>
+                <a:spcPts val="600"/>
+              </a:spcBef>
+              <a:buFontTx/>
+              <a:buNone/>
+            </a:pPr>
+            <a:r>
+              <a:rPr lang="en-US" dirty="0"/>
+              <a:t>	is simply</a:t>
+            </a:r>
+          </a:p>
+          <a:p>
+            <a:pPr lvl="1"/>
+            <a:r>
+              <a:rPr lang="en-US" dirty="0"/>
+              <a:t>the algorithm used to parse </a:t>
+            </a:r>
+            <a:r>
+              <a:rPr lang="en-US" dirty="0">
+                <a:latin typeface="Consolas" pitchFamily="49" charset="0"/>
+              </a:rPr>
+              <a:t>variable</a:t>
+            </a:r>
+            <a:r>
+              <a:rPr lang="en-US" dirty="0"/>
+              <a:t> followed by</a:t>
+            </a:r>
+          </a:p>
+          <a:p>
+            <a:pPr lvl="1"/>
+            <a:r>
+              <a:rPr lang="en-US" dirty="0"/>
+              <a:t>the algorithm used to parse  </a:t>
+            </a:r>
+            <a:r>
+              <a:rPr lang="en-US" dirty="0">
+                <a:latin typeface="Consolas" pitchFamily="49" charset="0"/>
+              </a:rPr>
+              <a:t>":="</a:t>
+            </a:r>
+            <a:r>
+              <a:rPr lang="en-US" dirty="0"/>
+              <a:t> followed by</a:t>
+            </a:r>
+          </a:p>
+          <a:p>
+            <a:pPr lvl="1"/>
+            <a:r>
+              <a:rPr lang="en-US" dirty="0"/>
+              <a:t>the algorithm used to parse </a:t>
+            </a:r>
+            <a:r>
+              <a:rPr lang="en-US" dirty="0">
+                <a:latin typeface="Consolas" pitchFamily="49" charset="0"/>
+              </a:rPr>
+              <a:t>expression</a:t>
+            </a:r>
+            <a:r>
+              <a:rPr lang="en-US" dirty="0"/>
+              <a:t> followed by</a:t>
+            </a:r>
+          </a:p>
+          <a:p>
+            <a:pPr lvl="1"/>
+            <a:r>
+              <a:rPr lang="en-US" dirty="0"/>
+              <a:t>the algorithm used to parse </a:t>
+            </a:r>
+            <a:r>
+              <a:rPr lang="en-US" dirty="0">
+                <a:latin typeface="Consolas" pitchFamily="49" charset="0"/>
+              </a:rPr>
+              <a:t>";"</a:t>
+            </a:r>
+            <a:endParaRPr lang="en-US" dirty="0"/>
+          </a:p>
+        </p:txBody>
+      </p:sp>
+      <p:sp>
+        <p:nvSpPr>
+          <p:cNvPr id="3" name="Slide Number Placeholder 2">
+            <a:extLst>
+              <a:ext uri="{FF2B5EF4-FFF2-40B4-BE49-F238E27FC236}">
+                <a16:creationId xmlns:a16="http://schemas.microsoft.com/office/drawing/2014/main" id="{EF7B611A-8F5B-131D-FAA6-D6FE8A458497}"/>
+              </a:ext>
+            </a:extLst>
+          </p:cNvPr>
           <p:cNvSpPr>
             <a:spLocks noGrp="1"/>
           </p:cNvSpPr>
@@ -11289,11 +11372,6 @@
         </p:txBody>
       </p:sp>
     </p:spTree>
-    <p:extLst>
-      <p:ext uri="{BB962C8B-B14F-4D97-AF65-F5344CB8AC3E}">
-        <p14:creationId xmlns:p14="http://schemas.microsoft.com/office/powerpoint/2010/main" val="3446840978"/>
-      </p:ext>
-    </p:extLst>
   </p:cSld>
   <p:clrMapOvr>
     <a:masterClrMapping/>
@@ -16632,8 +16710,19 @@
                 <a:latin typeface="Consolas" pitchFamily="49" charset="0"/>
                 <a:cs typeface="Consolas" pitchFamily="49" charset="0"/>
               </a:rPr>
-              <a:t>     || this == writer</a:t>
-            </a:r>
+              <a:t>     || this == </a:t>
+            </a:r>
+            <a:r>
+              <a:rPr lang="en-US" sz="1800">
+                <a:latin typeface="Consolas" pitchFamily="49" charset="0"/>
+                <a:cs typeface="Consolas" pitchFamily="49" charset="0"/>
+              </a:rPr>
+              <a:t>writeRW</a:t>
+            </a:r>
+            <a:endParaRPr lang="en-US" sz="1800" dirty="0">
+              <a:latin typeface="Consolas" pitchFamily="49" charset="0"/>
+              <a:cs typeface="Consolas" pitchFamily="49" charset="0"/>
+            </a:endParaRPr>
           </a:p>
           <a:p>
             <a:pPr marL="0" indent="0">
@@ -22606,8 +22695,12 @@
           <a:p>
             <a:pPr lvl="1"/>
             <a:r>
-              <a:rPr lang="en-US" dirty="0"/>
-              <a:t>ignore  its parameter</a:t>
+              <a:rPr lang="en-US"/>
+              <a:t>ignore its </a:t>
+            </a:r>
+            <a:r>
+              <a:rPr lang="en-US" dirty="0"/>
+              <a:t>parameter</a:t>
             </a:r>
           </a:p>
           <a:p>
@@ -23735,17 +23828,48 @@
             </a:pPr>
             <a:r>
               <a:rPr lang="en-US" dirty="0"/>
-              <a:t>If the symbol following the identifier is “</a:t>
+              <a:t>In </a:t>
+            </a:r>
+            <a:r>
+              <a:rPr lang="en-US" dirty="0" err="1">
+                <a:latin typeface="Consolas" panose="020B0609020204030204" pitchFamily="49" charset="0"/>
+              </a:rPr>
+              <a:t>parseStatement</a:t>
             </a:r>
             <a:r>
               <a:rPr lang="en-US" dirty="0">
                 <a:latin typeface="Consolas" panose="020B0609020204030204" pitchFamily="49" charset="0"/>
               </a:rPr>
+              <a:t>()</a:t>
+            </a:r>
+            <a:r>
+              <a:rPr lang="en-US" dirty="0"/>
+              <a:t>, if the symbol following the </a:t>
+            </a:r>
+            <a:r>
+              <a:rPr lang="en-US"/>
+              <a:t>identifier is</a:t>
+            </a:r>
+            <a:br>
+              <a:rPr lang="en-US"/>
+            </a:br>
+            <a:r>
+              <a:rPr lang="en-US"/>
+              <a:t>“</a:t>
+            </a:r>
+            <a:r>
+              <a:rPr lang="en-US">
+                <a:latin typeface="Consolas" panose="020B0609020204030204" pitchFamily="49" charset="0"/>
+              </a:rPr>
               <a:t>[</a:t>
             </a:r>
             <a:r>
-              <a:rPr lang="en-US" dirty="0"/>
-              <a:t>”, “</a:t>
+              <a:rPr lang="en-US"/>
+              <a:t>”, </a:t>
+            </a:r>
+            <a:r>
+              <a:rPr lang="en-US" dirty="0"/>
+              <a:t>“</a:t>
             </a:r>
             <a:r>
               <a:rPr lang="en-US" dirty="0">
@@ -25777,7 +25901,21 @@
                 <a:latin typeface="Consolas" pitchFamily="49" charset="0"/>
                 <a:cs typeface="Consolas" pitchFamily="49" charset="0"/>
               </a:rPr>
-              <a:t>    constantId,  variableId, arrayTypeId, </a:t>
+              <a:t>    constantId,   </a:t>
+            </a:r>
+            <a:r>
+              <a:rPr lang="en-US" sz="1800" dirty="0" err="1">
+                <a:latin typeface="Consolas" pitchFamily="49" charset="0"/>
+                <a:cs typeface="Consolas" pitchFamily="49" charset="0"/>
+              </a:rPr>
+              <a:t>variableId</a:t>
+            </a:r>
+            <a:r>
+              <a:rPr lang="en-US" sz="1800" dirty="0">
+                <a:latin typeface="Consolas" pitchFamily="49" charset="0"/>
+                <a:cs typeface="Consolas" pitchFamily="49" charset="0"/>
+              </a:rPr>
+              <a:t>, arrayTypeId, </a:t>
             </a:r>
             <a:r>
               <a:rPr lang="en-US" sz="1800" dirty="0" err="1">
@@ -25820,7 +25958,28 @@
                 <a:latin typeface="Consolas" pitchFamily="49" charset="0"/>
                 <a:cs typeface="Consolas" pitchFamily="49" charset="0"/>
               </a:rPr>
-              <a:t>, procedureId, functionId</a:t>
+              <a:t>, </a:t>
+            </a:r>
+            <a:r>
+              <a:rPr lang="en-US" sz="1800" dirty="0" err="1">
+                <a:latin typeface="Consolas" pitchFamily="49" charset="0"/>
+                <a:cs typeface="Consolas" pitchFamily="49" charset="0"/>
+              </a:rPr>
+              <a:t>fieldId</a:t>
+            </a:r>
+            <a:r>
+              <a:rPr lang="en-US" sz="1800">
+                <a:latin typeface="Consolas" pitchFamily="49" charset="0"/>
+                <a:cs typeface="Consolas" pitchFamily="49" charset="0"/>
+              </a:rPr>
+              <a:t>,    procedureId</a:t>
+            </a:r>
+            <a:r>
+              <a:rPr lang="en-US" sz="1800" dirty="0">
+                <a:latin typeface="Consolas" pitchFamily="49" charset="0"/>
+                <a:cs typeface="Consolas" pitchFamily="49" charset="0"/>
+              </a:rPr>
+              <a:t>, functionId</a:t>
             </a:r>
           </a:p>
           <a:p>
@@ -33306,7 +33465,12 @@
             <p:ph idx="1"/>
           </p:nvPr>
         </p:nvSpPr>
-        <p:spPr/>
+        <p:spPr>
+          <a:xfrm>
+            <a:off x="458787" y="1363663"/>
+            <a:ext cx="8321040" cy="4935537"/>
+          </a:xfrm>
+        </p:spPr>
         <p:txBody>
           <a:bodyPr/>
           <a:lstStyle/>
@@ -33582,11 +33746,10 @@
             </a:r>
           </a:p>
           <a:p>
-            <a:pPr marL="0" indent="0">
+            <a:pPr>
               <a:spcBef>
                 <a:spcPts val="600"/>
               </a:spcBef>
-              <a:buNone/>
             </a:pPr>
             <a:r>
               <a:rPr lang="en-US" dirty="0"/>

--- a/PowerPoints/06 - Syntax Analysis.pptx
+++ b/PowerPoints/06 - Syntax Analysis.pptx
@@ -31,7 +31,7 @@
     <p:sldId id="294" r:id="rId19"/>
     <p:sldId id="411" r:id="rId20"/>
     <p:sldId id="296" r:id="rId21"/>
-    <p:sldId id="412" r:id="rId22"/>
+    <p:sldId id="372" r:id="rId22"/>
     <p:sldId id="413" r:id="rId23"/>
     <p:sldId id="345" r:id="rId24"/>
     <p:sldId id="414" r:id="rId25"/>
@@ -12874,66 +12874,71 @@
             <p:ph type="body" idx="1"/>
           </p:nvPr>
         </p:nvSpPr>
-        <p:spPr/>
-        <p:txBody>
-          <a:bodyPr/>
-          <a:lstStyle/>
-          <a:p>
-            <a:r>
-              <a:rPr lang="en-US" sz="2000" dirty="0" err="1">
+        <p:spPr>
+          <a:xfrm>
+            <a:off x="458788" y="1295400"/>
+            <a:ext cx="8226425" cy="4935537"/>
+          </a:xfrm>
+        </p:spPr>
+        <p:txBody>
+          <a:bodyPr/>
+          <a:lstStyle/>
+          <a:p>
+            <a:r>
+              <a:rPr lang="en-US" sz="1800" dirty="0" err="1">
                 <a:latin typeface="Consolas" panose="020B0609020204030204" pitchFamily="49" charset="0"/>
               </a:rPr>
               <a:t>constDecl</a:t>
             </a:r>
             <a:r>
-              <a:rPr lang="en-US" sz="2000" dirty="0">
+              <a:rPr lang="en-US" sz="1800" dirty="0">
                 <a:latin typeface="Consolas" panose="020B0609020204030204" pitchFamily="49" charset="0"/>
               </a:rPr>
               <a:t> = "</a:t>
             </a:r>
             <a:r>
-              <a:rPr lang="en-US" sz="2000" dirty="0" err="1">
+              <a:rPr lang="en-US" sz="1800" dirty="0" err="1">
                 <a:latin typeface="Consolas" panose="020B0609020204030204" pitchFamily="49" charset="0"/>
               </a:rPr>
               <a:t>const</a:t>
             </a:r>
             <a:r>
-              <a:rPr lang="en-US" sz="2000" dirty="0">
+              <a:rPr lang="en-US" sz="1800" dirty="0">
                 <a:latin typeface="Consolas" panose="020B0609020204030204" pitchFamily="49" charset="0"/>
               </a:rPr>
               <a:t>" </a:t>
             </a:r>
             <a:r>
-              <a:rPr lang="en-US" sz="2000" dirty="0" err="1">
+              <a:rPr lang="en-US" sz="1800" dirty="0" err="1">
                 <a:latin typeface="Consolas" panose="020B0609020204030204" pitchFamily="49" charset="0"/>
               </a:rPr>
               <a:t>constId</a:t>
             </a:r>
             <a:r>
-              <a:rPr lang="en-US" sz="2000" dirty="0">
+              <a:rPr lang="en-US" sz="1800" dirty="0">
                 <a:latin typeface="Consolas" panose="020B0609020204030204" pitchFamily="49" charset="0"/>
               </a:rPr>
               <a:t> ":=" literal ";" .</a:t>
             </a:r>
             <a:br>
-              <a:rPr lang="en-US" sz="2000" dirty="0">
+              <a:rPr lang="en-US" sz="1800" dirty="0">
                 <a:latin typeface="Consolas" panose="020B0609020204030204" pitchFamily="49" charset="0"/>
               </a:rPr>
             </a:br>
             <a:r>
-              <a:rPr lang="en-US" sz="2000" dirty="0">
+              <a:rPr lang="en-US" sz="1800" dirty="0">
                 <a:latin typeface="Consolas" panose="020B0609020204030204" pitchFamily="49" charset="0"/>
               </a:rPr>
               <a:t>First(</a:t>
             </a:r>
             <a:r>
-              <a:rPr lang="en-US" sz="2000" dirty="0" err="1">
+              <a:rPr lang="en-US" sz="1800" dirty="0" err="1">
                 <a:latin typeface="Consolas" panose="020B0609020204030204" pitchFamily="49" charset="0"/>
               </a:rPr>
               <a:t>constDecl</a:t>
             </a:r>
             <a:r>
-              <a:rPr lang="en-US" sz="2000" dirty="0">
+              <a:rPr lang="en-US" sz="1800" dirty="0">
                 <a:latin typeface="Consolas" panose="020B0609020204030204" pitchFamily="49" charset="0"/>
               </a:rPr>
               <a:t>) = { "const" }</a:t>
@@ -12941,48 +12946,48 @@
           </a:p>
           <a:p>
             <a:r>
-              <a:rPr lang="en-US" sz="2000" dirty="0" err="1">
+              <a:rPr lang="en-US" sz="1800" dirty="0" err="1">
                 <a:latin typeface="Consolas" panose="020B0609020204030204" pitchFamily="49" charset="0"/>
               </a:rPr>
               <a:t>varDecl</a:t>
             </a:r>
             <a:r>
-              <a:rPr lang="en-US" sz="2000" dirty="0">
+              <a:rPr lang="en-US" sz="1800" dirty="0">
                 <a:latin typeface="Consolas" panose="020B0609020204030204" pitchFamily="49" charset="0"/>
               </a:rPr>
               <a:t> = "</a:t>
             </a:r>
             <a:r>
-              <a:rPr lang="en-US" sz="2000" dirty="0" err="1">
+              <a:rPr lang="en-US" sz="1800" dirty="0" err="1">
                 <a:latin typeface="Consolas" panose="020B0609020204030204" pitchFamily="49" charset="0"/>
               </a:rPr>
               <a:t>var</a:t>
             </a:r>
             <a:r>
-              <a:rPr lang="en-US" sz="2000" dirty="0">
+              <a:rPr lang="en-US" sz="1800" dirty="0">
                 <a:latin typeface="Consolas" panose="020B0609020204030204" pitchFamily="49" charset="0"/>
               </a:rPr>
               <a:t>" identifiers ":" </a:t>
             </a:r>
             <a:r>
-              <a:rPr lang="en-US" sz="2000" dirty="0" err="1">
+              <a:rPr lang="en-US" sz="1800" dirty="0" err="1">
                 <a:latin typeface="Consolas" panose="020B0609020204030204" pitchFamily="49" charset="0"/>
               </a:rPr>
               <a:t>typeName</a:t>
             </a:r>
             <a:r>
-              <a:rPr lang="en-US" sz="2000" dirty="0">
+              <a:rPr lang="en-US" sz="1800" dirty="0">
                 <a:latin typeface="Consolas" panose="020B0609020204030204" pitchFamily="49" charset="0"/>
               </a:rPr>
               <a:t> ";" .</a:t>
             </a:r>
             <a:br>
-              <a:rPr lang="en-US" sz="2000" dirty="0">
+              <a:rPr lang="en-US" sz="1800" dirty="0">
                 <a:latin typeface="Consolas" panose="020B0609020204030204" pitchFamily="49" charset="0"/>
               </a:rPr>
             </a:br>
             <a:r>
-              <a:rPr lang="en-US" sz="2000" dirty="0">
+              <a:rPr lang="en-US" sz="1800" dirty="0">
                 <a:latin typeface="Consolas" panose="020B0609020204030204" pitchFamily="49" charset="0"/>
               </a:rPr>
               <a:t>First(varDecl) = { "var" }</a:t>
@@ -12990,254 +12995,321 @@
           </a:p>
           <a:p>
             <a:r>
-              <a:rPr lang="en-US" sz="2000" dirty="0" err="1">
+              <a:rPr lang="en-US" sz="1800" dirty="0" err="1">
+                <a:latin typeface="Consolas" panose="020B0609020204030204" pitchFamily="49" charset="0"/>
+              </a:rPr>
+              <a:t>arrayTypeDecl</a:t>
+            </a:r>
+            <a:r>
+              <a:rPr lang="en-US" sz="1800" dirty="0">
+                <a:latin typeface="Consolas" panose="020B0609020204030204" pitchFamily="49" charset="0"/>
+              </a:rPr>
+              <a:t> = "type" </a:t>
+            </a:r>
+            <a:r>
+              <a:rPr lang="en-US" sz="1800" dirty="0" err="1">
+                <a:latin typeface="Consolas" panose="020B0609020204030204" pitchFamily="49" charset="0"/>
+              </a:rPr>
+              <a:t>typeId</a:t>
+            </a:r>
+            <a:r>
+              <a:rPr lang="en-US" sz="1800" dirty="0">
+                <a:latin typeface="Consolas" panose="020B0609020204030204" pitchFamily="49" charset="0"/>
+              </a:rPr>
+              <a:t> "=" "array" </a:t>
+            </a:r>
+            <a:br>
+              <a:rPr lang="en-US" sz="1800" dirty="0">
+                <a:latin typeface="Consolas" panose="020B0609020204030204" pitchFamily="49" charset="0"/>
+              </a:rPr>
+            </a:br>
+            <a:r>
+              <a:rPr lang="en-US" sz="1800" dirty="0">
+                <a:latin typeface="Consolas" panose="020B0609020204030204" pitchFamily="49" charset="0"/>
+              </a:rPr>
+              <a:t>                "[" </a:t>
+            </a:r>
+            <a:r>
+              <a:rPr lang="en-US" sz="1800" dirty="0" err="1">
+                <a:latin typeface="Consolas" panose="020B0609020204030204" pitchFamily="49" charset="0"/>
+              </a:rPr>
+              <a:t>intConstValue</a:t>
+            </a:r>
+            <a:r>
+              <a:rPr lang="en-US" sz="1800" dirty="0">
+                <a:latin typeface="Consolas" panose="020B0609020204030204" pitchFamily="49" charset="0"/>
+              </a:rPr>
+              <a:t> "]" "of" </a:t>
+            </a:r>
+            <a:r>
+              <a:rPr lang="en-US" sz="1800" dirty="0" err="1">
+                <a:latin typeface="Consolas" panose="020B0609020204030204" pitchFamily="49" charset="0"/>
+              </a:rPr>
+              <a:t>typeName</a:t>
+            </a:r>
+            <a:r>
+              <a:rPr lang="en-US" sz="1800" dirty="0">
+                <a:latin typeface="Consolas" panose="020B0609020204030204" pitchFamily="49" charset="0"/>
+              </a:rPr>
+              <a:t> ";" </a:t>
+            </a:r>
+            <a:br>
+              <a:rPr lang="en-US" sz="1800" dirty="0">
+                <a:latin typeface="Consolas" panose="020B0609020204030204" pitchFamily="49" charset="0"/>
+              </a:rPr>
+            </a:br>
+            <a:r>
+              <a:rPr lang="en-US" sz="1800" dirty="0">
+                <a:latin typeface="Consolas" panose="020B0609020204030204" pitchFamily="49" charset="0"/>
+              </a:rPr>
+              <a:t>First(</a:t>
+            </a:r>
+            <a:r>
+              <a:rPr lang="en-US" sz="1800" dirty="0" err="1">
+                <a:latin typeface="Consolas" panose="020B0609020204030204" pitchFamily="49" charset="0"/>
+              </a:rPr>
+              <a:t>arrayTypeDecl</a:t>
+            </a:r>
+            <a:r>
+              <a:rPr lang="en-US" sz="1800" dirty="0">
+                <a:latin typeface="Consolas" panose="020B0609020204030204" pitchFamily="49" charset="0"/>
+              </a:rPr>
+              <a:t>) = { "type" }</a:t>
+            </a:r>
+          </a:p>
+          <a:p>
+            <a:r>
+              <a:rPr lang="en-US" sz="1800" dirty="0" err="1">
                 <a:latin typeface="Consolas" panose="020B0609020204030204" pitchFamily="49" charset="0"/>
               </a:rPr>
               <a:t>typeDecl</a:t>
             </a:r>
             <a:r>
-              <a:rPr lang="en-US" sz="2000" dirty="0">
-                <a:latin typeface="Consolas" panose="020B0609020204030204" pitchFamily="49" charset="0"/>
-              </a:rPr>
-              <a:t> = "type" </a:t>
-            </a:r>
-            <a:r>
-              <a:rPr lang="en-US" sz="2000" dirty="0" err="1">
-                <a:latin typeface="Consolas" panose="020B0609020204030204" pitchFamily="49" charset="0"/>
-              </a:rPr>
-              <a:t>typeId</a:t>
-            </a:r>
-            <a:r>
-              <a:rPr lang="en-US" sz="2000" dirty="0">
-                <a:latin typeface="Consolas" panose="020B0609020204030204" pitchFamily="49" charset="0"/>
-              </a:rPr>
-              <a:t> "="</a:t>
+              <a:rPr lang="en-US" sz="1800" dirty="0">
+                <a:latin typeface="Consolas" panose="020B0609020204030204" pitchFamily="49" charset="0"/>
+              </a:rPr>
+              <a:t> = </a:t>
+            </a:r>
+            <a:r>
+              <a:rPr lang="en-US" sz="1800" dirty="0" err="1">
+                <a:latin typeface="Consolas" panose="020B0609020204030204" pitchFamily="49" charset="0"/>
+              </a:rPr>
+              <a:t>arrayTypeDecl</a:t>
+            </a:r>
+            <a:r>
+              <a:rPr lang="en-US" sz="1800" dirty="0">
+                <a:latin typeface="Consolas" panose="020B0609020204030204" pitchFamily="49" charset="0"/>
+              </a:rPr>
+              <a:t> | </a:t>
+            </a:r>
+            <a:r>
+              <a:rPr lang="en-US" sz="1800" dirty="0" err="1">
+                <a:latin typeface="Consolas" panose="020B0609020204030204" pitchFamily="49" charset="0"/>
+              </a:rPr>
+              <a:t>recordTypeDecl</a:t>
+            </a:r>
+            <a:r>
+              <a:rPr lang="en-US" sz="1800" dirty="0">
+                <a:latin typeface="Consolas" panose="020B0609020204030204" pitchFamily="49" charset="0"/>
+              </a:rPr>
+              <a:t> | </a:t>
+            </a:r>
+            <a:r>
+              <a:rPr lang="en-US" sz="1800" dirty="0" err="1">
+                <a:latin typeface="Consolas" panose="020B0609020204030204" pitchFamily="49" charset="0"/>
+              </a:rPr>
+              <a:t>stringTypeDec</a:t>
             </a:r>
             <a:br>
-              <a:rPr lang="en-US" sz="2000" dirty="0">
+              <a:rPr lang="en-US" sz="1800" dirty="0">
                 <a:latin typeface="Consolas" panose="020B0609020204030204" pitchFamily="49" charset="0"/>
               </a:rPr>
             </a:br>
             <a:r>
-              <a:rPr lang="en-US" sz="2000" dirty="0">
-                <a:latin typeface="Consolas" panose="020B0609020204030204" pitchFamily="49" charset="0"/>
-              </a:rPr>
-              <a:t>    ( </a:t>
-            </a:r>
-            <a:r>
-              <a:rPr lang="en-US" sz="2000" dirty="0" err="1">
-                <a:latin typeface="Consolas" panose="020B0609020204030204" pitchFamily="49" charset="0"/>
-              </a:rPr>
-              <a:t>arrayTypeDecl</a:t>
-            </a:r>
-            <a:r>
-              <a:rPr lang="en-US" sz="2000" dirty="0">
+              <a:rPr lang="en-US" sz="1800" dirty="0">
+                <a:latin typeface="Consolas" panose="020B0609020204030204" pitchFamily="49" charset="0"/>
+              </a:rPr>
+              <a:t>First(</a:t>
+            </a:r>
+            <a:r>
+              <a:rPr lang="en-US" sz="1800" dirty="0" err="1">
+                <a:latin typeface="Consolas" panose="020B0609020204030204" pitchFamily="49" charset="0"/>
+              </a:rPr>
+              <a:t>typeDecl</a:t>
+            </a:r>
+            <a:r>
+              <a:rPr lang="en-US" sz="1800" dirty="0">
+                <a:latin typeface="Consolas" panose="020B0609020204030204" pitchFamily="49" charset="0"/>
+              </a:rPr>
+              <a:t>) = { "type" )</a:t>
+            </a:r>
+          </a:p>
+          <a:p>
+            <a:r>
+              <a:rPr lang="en-US" sz="1800" dirty="0" err="1">
+                <a:latin typeface="Consolas" panose="020B0609020204030204" pitchFamily="49" charset="0"/>
+              </a:rPr>
+              <a:t>initialDecl</a:t>
+            </a:r>
+            <a:r>
+              <a:rPr lang="en-US" sz="1800" dirty="0">
+                <a:latin typeface="Consolas" panose="020B0609020204030204" pitchFamily="49" charset="0"/>
+              </a:rPr>
+              <a:t> = </a:t>
+            </a:r>
+            <a:r>
+              <a:rPr lang="en-US" sz="1800" dirty="0" err="1">
+                <a:latin typeface="Consolas" panose="020B0609020204030204" pitchFamily="49" charset="0"/>
+              </a:rPr>
+              <a:t>constDecl</a:t>
+            </a:r>
+            <a:r>
+              <a:rPr lang="en-US" sz="1800" dirty="0">
+                <a:latin typeface="Consolas" panose="020B0609020204030204" pitchFamily="49" charset="0"/>
+              </a:rPr>
+              <a:t> | varDecl | </a:t>
+            </a:r>
+            <a:r>
+              <a:rPr lang="en-US" sz="1800" dirty="0" err="1">
+                <a:latin typeface="Consolas" panose="020B0609020204030204" pitchFamily="49" charset="0"/>
+              </a:rPr>
+              <a:t>typeDecl</a:t>
+            </a:r>
+            <a:r>
+              <a:rPr lang="en-US" sz="1800" dirty="0">
+                <a:latin typeface="Consolas" panose="020B0609020204030204" pitchFamily="49" charset="0"/>
+              </a:rPr>
+              <a:t> .</a:t>
+            </a:r>
+            <a:br>
+              <a:rPr lang="en-US" sz="1800" dirty="0">
+                <a:latin typeface="Consolas" panose="020B0609020204030204" pitchFamily="49" charset="0"/>
+              </a:rPr>
+            </a:br>
+            <a:r>
+              <a:rPr lang="en-US" sz="1800" dirty="0">
+                <a:latin typeface="Consolas" panose="020B0609020204030204" pitchFamily="49" charset="0"/>
+              </a:rPr>
+              <a:t>First(</a:t>
+            </a:r>
+            <a:r>
+              <a:rPr lang="en-US" sz="1800" dirty="0" err="1">
+                <a:latin typeface="Consolas" panose="020B0609020204030204" pitchFamily="49" charset="0"/>
+              </a:rPr>
+              <a:t>initialDecl</a:t>
+            </a:r>
+            <a:r>
+              <a:rPr lang="en-US" sz="1800" dirty="0">
+                <a:latin typeface="Consolas" panose="020B0609020204030204" pitchFamily="49" charset="0"/>
+              </a:rPr>
+              <a:t>) = { "const", "var", "type" }</a:t>
+            </a:r>
+          </a:p>
+          <a:p>
+            <a:r>
+              <a:rPr lang="en-US" sz="1800" dirty="0" err="1">
+                <a:latin typeface="Consolas" panose="020B0609020204030204" pitchFamily="49" charset="0"/>
+              </a:rPr>
+              <a:t>subprogramDecl</a:t>
+            </a:r>
+            <a:r>
+              <a:rPr lang="en-US" sz="1800" dirty="0">
+                <a:latin typeface="Consolas" panose="020B0609020204030204" pitchFamily="49" charset="0"/>
+              </a:rPr>
+              <a:t> = </a:t>
+            </a:r>
+            <a:r>
+              <a:rPr lang="en-US" sz="1800" dirty="0" err="1">
+                <a:latin typeface="Consolas" panose="020B0609020204030204" pitchFamily="49" charset="0"/>
+              </a:rPr>
+              <a:t>procedureDecl</a:t>
+            </a:r>
+            <a:r>
+              <a:rPr lang="en-US" sz="1800" dirty="0">
                 <a:latin typeface="Consolas" panose="020B0609020204030204" pitchFamily="49" charset="0"/>
               </a:rPr>
               <a:t> | </a:t>
             </a:r>
             <a:r>
-              <a:rPr lang="en-US" sz="2000" dirty="0" err="1">
-                <a:latin typeface="Consolas" panose="020B0609020204030204" pitchFamily="49" charset="0"/>
-              </a:rPr>
-              <a:t>recordTypeDecl</a:t>
-            </a:r>
-            <a:r>
-              <a:rPr lang="en-US" sz="2000" dirty="0">
-                <a:latin typeface="Consolas" panose="020B0609020204030204" pitchFamily="49" charset="0"/>
-              </a:rPr>
-              <a:t> | </a:t>
-            </a:r>
-            <a:r>
-              <a:rPr lang="en-US" sz="2000" dirty="0" err="1">
-                <a:latin typeface="Consolas" panose="020B0609020204030204" pitchFamily="49" charset="0"/>
-              </a:rPr>
-              <a:t>stringTypeDecl</a:t>
-            </a:r>
-            <a:r>
-              <a:rPr lang="en-US" sz="2000" dirty="0">
-                <a:latin typeface="Consolas" panose="020B0609020204030204" pitchFamily="49" charset="0"/>
-              </a:rPr>
-              <a:t>).</a:t>
+              <a:rPr lang="en-US" sz="1800" dirty="0" err="1">
+                <a:latin typeface="Consolas" panose="020B0609020204030204" pitchFamily="49" charset="0"/>
+              </a:rPr>
+              <a:t>functionDecl</a:t>
+            </a:r>
+            <a:r>
+              <a:rPr lang="en-US" sz="1800" dirty="0">
+                <a:latin typeface="Consolas" panose="020B0609020204030204" pitchFamily="49" charset="0"/>
+              </a:rPr>
+              <a:t> .</a:t>
             </a:r>
             <a:br>
-              <a:rPr lang="en-US" sz="2000" dirty="0">
+              <a:rPr lang="en-US" sz="1800" dirty="0">
                 <a:latin typeface="Consolas" panose="020B0609020204030204" pitchFamily="49" charset="0"/>
               </a:rPr>
             </a:br>
             <a:r>
-              <a:rPr lang="en-US" sz="2000" dirty="0">
+              <a:rPr lang="en-US" sz="1800" dirty="0">
                 <a:latin typeface="Consolas" panose="020B0609020204030204" pitchFamily="49" charset="0"/>
               </a:rPr>
               <a:t>First(</a:t>
             </a:r>
             <a:r>
-              <a:rPr lang="en-US" sz="2000" dirty="0" err="1">
-                <a:latin typeface="Consolas" panose="020B0609020204030204" pitchFamily="49" charset="0"/>
-              </a:rPr>
-              <a:t>arrayTypeDecl</a:t>
-            </a:r>
-            <a:r>
-              <a:rPr lang="en-US" sz="2000" dirty="0">
-                <a:latin typeface="Consolas" panose="020B0609020204030204" pitchFamily="49" charset="0"/>
-              </a:rPr>
-              <a:t>) = { "type" }</a:t>
-            </a:r>
-          </a:p>
-          <a:p>
-            <a:r>
-              <a:rPr lang="en-US" sz="2000" dirty="0" err="1">
-                <a:latin typeface="Consolas" panose="020B0609020204030204" pitchFamily="49" charset="0"/>
-              </a:rPr>
-              <a:t>initialDecl</a:t>
-            </a:r>
-            <a:r>
-              <a:rPr lang="en-US" sz="2000" dirty="0">
-                <a:latin typeface="Consolas" panose="020B0609020204030204" pitchFamily="49" charset="0"/>
-              </a:rPr>
-              <a:t> = </a:t>
-            </a:r>
-            <a:r>
-              <a:rPr lang="en-US" sz="2000" dirty="0" err="1">
-                <a:latin typeface="Consolas" panose="020B0609020204030204" pitchFamily="49" charset="0"/>
-              </a:rPr>
-              <a:t>constDecl</a:t>
-            </a:r>
-            <a:r>
-              <a:rPr lang="en-US" sz="2000" dirty="0">
-                <a:latin typeface="Consolas" panose="020B0609020204030204" pitchFamily="49" charset="0"/>
-              </a:rPr>
-              <a:t> | varDecl | </a:t>
-            </a:r>
-            <a:r>
-              <a:rPr lang="en-US" sz="2000" dirty="0" err="1">
-                <a:latin typeface="Consolas" panose="020B0609020204030204" pitchFamily="49" charset="0"/>
-              </a:rPr>
-              <a:t>typeDecl</a:t>
-            </a:r>
-            <a:r>
-              <a:rPr lang="en-US" sz="2000" dirty="0">
-                <a:latin typeface="Consolas" panose="020B0609020204030204" pitchFamily="49" charset="0"/>
-              </a:rPr>
-              <a:t> .</a:t>
+              <a:rPr lang="en-US" sz="1800" dirty="0" err="1">
+                <a:latin typeface="Consolas" panose="020B0609020204030204" pitchFamily="49" charset="0"/>
+              </a:rPr>
+              <a:t>subprogramDecl</a:t>
+            </a:r>
+            <a:r>
+              <a:rPr lang="en-US" sz="1800" dirty="0">
+                <a:latin typeface="Consolas" panose="020B0609020204030204" pitchFamily="49" charset="0"/>
+              </a:rPr>
+              <a:t>) = { "proc", "fun" }</a:t>
+            </a:r>
+          </a:p>
+          <a:p>
+            <a:r>
+              <a:rPr lang="en-US" sz="1800" dirty="0" err="1">
+                <a:latin typeface="Consolas" panose="020B0609020204030204" pitchFamily="49" charset="0"/>
+              </a:rPr>
+              <a:t>loopStmt</a:t>
+            </a:r>
+            <a:r>
+              <a:rPr lang="en-US" sz="1800" dirty="0">
+                <a:latin typeface="Consolas" panose="020B0609020204030204" pitchFamily="49" charset="0"/>
+              </a:rPr>
+              <a:t> = [ "while" </a:t>
+            </a:r>
+            <a:r>
+              <a:rPr lang="en-US" sz="1800" dirty="0" err="1">
+                <a:latin typeface="Consolas" panose="020B0609020204030204" pitchFamily="49" charset="0"/>
+              </a:rPr>
+              <a:t>booleanExpr</a:t>
+            </a:r>
+            <a:r>
+              <a:rPr lang="en-US" sz="1800" dirty="0">
+                <a:latin typeface="Consolas" panose="020B0609020204030204" pitchFamily="49" charset="0"/>
+              </a:rPr>
+              <a:t> ] "loop" statement .</a:t>
             </a:r>
             <a:br>
-              <a:rPr lang="en-US" sz="2000" dirty="0">
+              <a:rPr lang="en-US" sz="1800" dirty="0">
                 <a:latin typeface="Consolas" panose="020B0609020204030204" pitchFamily="49" charset="0"/>
               </a:rPr>
             </a:br>
             <a:r>
-              <a:rPr lang="en-US" sz="2000" dirty="0">
+              <a:rPr lang="en-US" sz="1800" dirty="0">
                 <a:latin typeface="Consolas" panose="020B0609020204030204" pitchFamily="49" charset="0"/>
               </a:rPr>
               <a:t>First(</a:t>
             </a:r>
             <a:r>
-              <a:rPr lang="en-US" sz="2000" dirty="0" err="1">
-                <a:latin typeface="Consolas" panose="020B0609020204030204" pitchFamily="49" charset="0"/>
-              </a:rPr>
-              <a:t>initialDecl</a:t>
-            </a:r>
-            <a:r>
-              <a:rPr lang="en-US" sz="2000" dirty="0">
-                <a:latin typeface="Consolas" panose="020B0609020204030204" pitchFamily="49" charset="0"/>
-              </a:rPr>
-              <a:t>) = { "const", "var", "type" }</a:t>
-            </a:r>
-          </a:p>
-          <a:p>
-            <a:r>
-              <a:rPr lang="en-US" sz="2000" dirty="0" err="1">
-                <a:latin typeface="Consolas" panose="020B0609020204030204" pitchFamily="49" charset="0"/>
-              </a:rPr>
-              <a:t>procedureDecl</a:t>
-            </a:r>
-            <a:r>
-              <a:rPr lang="en-US" sz="2000" dirty="0">
-                <a:latin typeface="Consolas" panose="020B0609020204030204" pitchFamily="49" charset="0"/>
-              </a:rPr>
-              <a:t> = "proc" </a:t>
-            </a:r>
-            <a:r>
-              <a:rPr lang="en-US" sz="2000" dirty="0" err="1">
-                <a:latin typeface="Consolas" panose="020B0609020204030204" pitchFamily="49" charset="0"/>
-              </a:rPr>
-              <a:t>procId</a:t>
-            </a:r>
-            <a:r>
-              <a:rPr lang="en-US" sz="2000" dirty="0">
-                <a:latin typeface="Consolas" panose="020B0609020204030204" pitchFamily="49" charset="0"/>
-              </a:rPr>
-              <a:t> "(" ...</a:t>
-            </a:r>
-            <a:br>
-              <a:rPr lang="en-US" sz="2000" dirty="0">
-                <a:latin typeface="Consolas" panose="020B0609020204030204" pitchFamily="49" charset="0"/>
-              </a:rPr>
-            </a:br>
-            <a:r>
-              <a:rPr lang="en-US" sz="2000" dirty="0">
-                <a:latin typeface="Consolas" panose="020B0609020204030204" pitchFamily="49" charset="0"/>
-              </a:rPr>
-              <a:t>First(</a:t>
-            </a:r>
-            <a:r>
-              <a:rPr lang="en-US" sz="2000" dirty="0" err="1">
-                <a:latin typeface="Consolas" panose="020B0609020204030204" pitchFamily="49" charset="0"/>
-              </a:rPr>
-              <a:t>procedureDecl</a:t>
-            </a:r>
-            <a:r>
-              <a:rPr lang="en-US" sz="2000" dirty="0">
-                <a:latin typeface="Consolas" panose="020B0609020204030204" pitchFamily="49" charset="0"/>
-              </a:rPr>
-              <a:t>) = { "proc" }</a:t>
-            </a:r>
-          </a:p>
-          <a:p>
-            <a:r>
-              <a:rPr lang="en-US" sz="2000" dirty="0" err="1">
+              <a:rPr lang="en-US" sz="1800" dirty="0" err="1">
                 <a:latin typeface="Consolas" panose="020B0609020204030204" pitchFamily="49" charset="0"/>
               </a:rPr>
               <a:t>loopStmt</a:t>
             </a:r>
             <a:r>
-              <a:rPr lang="en-US" sz="2000" dirty="0">
-                <a:latin typeface="Consolas" panose="020B0609020204030204" pitchFamily="49" charset="0"/>
-              </a:rPr>
-              <a:t> = [ "while" </a:t>
-            </a:r>
-            <a:r>
-              <a:rPr lang="en-US" sz="2000" dirty="0" err="1">
-                <a:latin typeface="Consolas" panose="020B0609020204030204" pitchFamily="49" charset="0"/>
-              </a:rPr>
-              <a:t>booleanExpr</a:t>
-            </a:r>
-            <a:r>
-              <a:rPr lang="en-US" sz="2000" dirty="0">
-                <a:latin typeface="Consolas" panose="020B0609020204030204" pitchFamily="49" charset="0"/>
-              </a:rPr>
-              <a:t> ] "loop" statement .</a:t>
-            </a:r>
-            <a:br>
-              <a:rPr lang="en-US" sz="2000" dirty="0">
-                <a:latin typeface="Consolas" panose="020B0609020204030204" pitchFamily="49" charset="0"/>
-              </a:rPr>
-            </a:br>
-            <a:r>
-              <a:rPr lang="en-US" sz="2000" dirty="0">
-                <a:latin typeface="Consolas" panose="020B0609020204030204" pitchFamily="49" charset="0"/>
-              </a:rPr>
-              <a:t>First(</a:t>
-            </a:r>
-            <a:r>
-              <a:rPr lang="en-US" sz="2000" dirty="0" err="1">
-                <a:latin typeface="Consolas" panose="020B0609020204030204" pitchFamily="49" charset="0"/>
-              </a:rPr>
-              <a:t>loopStmt</a:t>
-            </a:r>
-            <a:r>
-              <a:rPr lang="en-US" sz="2000" dirty="0">
+              <a:rPr lang="en-US" sz="1800" dirty="0">
                 <a:latin typeface="Consolas" panose="020B0609020204030204" pitchFamily="49" charset="0"/>
               </a:rPr>
               <a:t>) = { "while", "loop" }</a:t>
@@ -13298,7 +13370,7 @@
     </p:spTree>
     <p:extLst>
       <p:ext uri="{BB962C8B-B14F-4D97-AF65-F5344CB8AC3E}">
-        <p14:creationId xmlns:p14="http://schemas.microsoft.com/office/powerpoint/2010/main" val="2121325082"/>
+        <p14:creationId xmlns:p14="http://schemas.microsoft.com/office/powerpoint/2010/main" val="3319126595"/>
       </p:ext>
     </p:extLst>
   </p:cSld>
